--- a/Outline.pptx
+++ b/Outline.pptx
@@ -9,7 +9,6 @@
     <p:sldId id="258" r:id="rId3"/>
     <p:sldId id="259" r:id="rId4"/>
     <p:sldId id="256" r:id="rId5"/>
-    <p:sldId id="257" r:id="rId6"/>
   </p:sldIdLst>
   <p:sldSz cx="9144000" cy="6858000" type="screen4x3"/>
   <p:notesSz cx="6858000" cy="9144000"/>
@@ -3304,7 +3303,7 @@
             </a:pPr>
             <a:r>
               <a:rPr lang="en-US" sz="1200" dirty="0" smtClean="0"/>
-              <a:t>Parameters: desired difficulty</a:t>
+              <a:t>Parameters: desired difficulty, muscle groups to focus on, muscle groups to avoid</a:t>
             </a:r>
           </a:p>
           <a:p>
@@ -3314,7 +3313,7 @@
             </a:pPr>
             <a:r>
               <a:rPr lang="en-US" sz="1200" dirty="0" smtClean="0"/>
-              <a:t>User can make custom exercise pools to draw from or opt out of exercises</a:t>
+              <a:t>User can add their own exercises or exclude certain exercises</a:t>
             </a:r>
           </a:p>
           <a:p>
@@ -3421,7 +3420,7 @@
         <p:spPr>
           <a:xfrm>
             <a:off x="609600" y="872074"/>
-            <a:ext cx="1513043" cy="2585323"/>
+            <a:ext cx="1513043" cy="2862322"/>
           </a:xfrm>
           <a:prstGeom prst="rect">
             <a:avLst/>
@@ -3443,6 +3442,9 @@
               <a:t>Components: </a:t>
             </a:r>
             <a:endParaRPr lang="en-US" b="1" dirty="0"/>
+          </a:p>
+          <a:p>
+            <a:endParaRPr lang="en-US" dirty="0" smtClean="0"/>
           </a:p>
           <a:p>
             <a:r>
@@ -3686,7 +3688,7 @@
         <p:spPr>
           <a:xfrm>
             <a:off x="609600" y="872074"/>
-            <a:ext cx="958917" cy="1938992"/>
+            <a:ext cx="986104" cy="2308324"/>
           </a:xfrm>
           <a:prstGeom prst="rect">
             <a:avLst/>
@@ -3714,37 +3716,37 @@
           </a:p>
           <a:p>
             <a:r>
-              <a:rPr lang="en-US" sz="1400" dirty="0" smtClean="0"/>
+              <a:rPr lang="en-US" dirty="0" smtClean="0"/>
               <a:t>Users</a:t>
             </a:r>
           </a:p>
           <a:p>
             <a:r>
-              <a:rPr lang="en-US" sz="1400" dirty="0" smtClean="0"/>
+              <a:rPr lang="en-US" dirty="0" smtClean="0"/>
               <a:t>Runs</a:t>
             </a:r>
           </a:p>
           <a:p>
             <a:r>
-              <a:rPr lang="en-US" sz="1400" dirty="0" smtClean="0"/>
+              <a:rPr lang="en-US" dirty="0" smtClean="0"/>
               <a:t>Bikes</a:t>
             </a:r>
           </a:p>
           <a:p>
             <a:r>
-              <a:rPr lang="en-US" sz="1400" dirty="0" smtClean="0"/>
+              <a:rPr lang="en-US" dirty="0" smtClean="0"/>
               <a:t>Swims</a:t>
             </a:r>
           </a:p>
           <a:p>
             <a:r>
-              <a:rPr lang="en-US" sz="1400" dirty="0" smtClean="0"/>
+              <a:rPr lang="en-US" dirty="0" smtClean="0"/>
               <a:t>Strength</a:t>
             </a:r>
           </a:p>
           <a:p>
             <a:r>
-              <a:rPr lang="en-US" sz="1400" dirty="0" smtClean="0"/>
+              <a:rPr lang="en-US" dirty="0" smtClean="0"/>
               <a:t>Other</a:t>
             </a:r>
           </a:p>
@@ -3780,6 +3782,73 @@
               <a:t>Back-End</a:t>
             </a:r>
             <a:endParaRPr lang="en-US" dirty="0"/>
+          </a:p>
+        </p:txBody>
+      </p:sp>
+      <p:sp>
+        <p:nvSpPr>
+          <p:cNvPr id="8" name="TextBox 7"/>
+          <p:cNvSpPr txBox="1"/>
+          <p:nvPr/>
+        </p:nvSpPr>
+        <p:spPr>
+          <a:xfrm>
+            <a:off x="1847850" y="872074"/>
+            <a:ext cx="1880195" cy="2031325"/>
+          </a:xfrm>
+          <a:prstGeom prst="rect">
+            <a:avLst/>
+          </a:prstGeom>
+          <a:solidFill>
+            <a:schemeClr val="bg1">
+              <a:lumMod val="95000"/>
+            </a:schemeClr>
+          </a:solidFill>
+        </p:spPr>
+        <p:txBody>
+          <a:bodyPr wrap="none" rtlCol="0">
+            <a:spAutoFit/>
+          </a:bodyPr>
+          <a:lstStyle/>
+          <a:p>
+            <a:r>
+              <a:rPr lang="en-US" b="1" dirty="0" smtClean="0"/>
+              <a:t>Routes:</a:t>
+            </a:r>
+          </a:p>
+          <a:p>
+            <a:r>
+              <a:rPr lang="en-US" dirty="0" smtClean="0"/>
+              <a:t>Users</a:t>
+            </a:r>
+            <a:endParaRPr lang="en-US" dirty="0"/>
+          </a:p>
+          <a:p>
+            <a:r>
+              <a:rPr lang="en-US" dirty="0" smtClean="0"/>
+              <a:t>Runs</a:t>
+            </a:r>
+          </a:p>
+          <a:p>
+            <a:r>
+              <a:rPr lang="en-US" dirty="0" smtClean="0"/>
+              <a:t>Strength</a:t>
+            </a:r>
+          </a:p>
+          <a:p>
+            <a:r>
+              <a:rPr lang="en-US" dirty="0" smtClean="0"/>
+              <a:t>Shoes</a:t>
+            </a:r>
+          </a:p>
+          <a:p>
+            <a:r>
+              <a:rPr lang="en-US" dirty="0" smtClean="0"/>
+              <a:t>Resets (password)</a:t>
+            </a:r>
+          </a:p>
+          <a:p>
+            <a:endParaRPr lang="en-US" dirty="0" smtClean="0"/>
           </a:p>
         </p:txBody>
       </p:sp>
@@ -4195,7 +4264,7 @@
             <a:pPr algn="ctr"/>
             <a:r>
               <a:rPr lang="en-US" dirty="0" smtClean="0"/>
-              <a:t>Current </a:t>
+              <a:t>Your stats</a:t>
             </a:r>
             <a:endParaRPr lang="en-US" dirty="0"/>
           </a:p>
@@ -4245,50 +4314,25 @@
           </a:p>
         </p:txBody>
       </p:sp>
-    </p:spTree>
-    <p:extLst>
-      <p:ext uri="{BB962C8B-B14F-4D97-AF65-F5344CB8AC3E}">
-        <p14:creationId xmlns:p14="http://schemas.microsoft.com/office/powerpoint/2010/main" val="2910624689"/>
-      </p:ext>
-    </p:extLst>
-  </p:cSld>
-  <p:clrMapOvr>
-    <a:masterClrMapping/>
-  </p:clrMapOvr>
-</p:sld>
-</file>
-
-<file path=ppt/slides/slide5.xml><?xml version="1.0" encoding="utf-8"?>
-<p:sld xmlns:a="http://schemas.openxmlformats.org/drawingml/2006/main" xmlns:r="http://schemas.openxmlformats.org/officeDocument/2006/relationships" xmlns:p="http://schemas.openxmlformats.org/presentationml/2006/main">
-  <p:cSld>
-    <p:spTree>
-      <p:nvGrpSpPr>
-        <p:cNvPr id="1" name=""/>
-        <p:cNvGrpSpPr/>
-        <p:nvPr/>
-      </p:nvGrpSpPr>
-      <p:grpSpPr>
-        <a:xfrm>
-          <a:off x="0" y="0"/>
-          <a:ext cx="0" cy="0"/>
-          <a:chOff x="0" y="0"/>
-          <a:chExt cx="0" cy="0"/>
-        </a:xfrm>
-      </p:grpSpPr>
-      <p:sp>
-        <p:nvSpPr>
-          <p:cNvPr id="5" name="Rectangle 4"/>
+      <p:sp>
+        <p:nvSpPr>
+          <p:cNvPr id="16" name="Rectangle 15"/>
           <p:cNvSpPr/>
           <p:nvPr/>
         </p:nvSpPr>
         <p:spPr>
           <a:xfrm>
-            <a:off x="0" y="0"/>
-            <a:ext cx="9144000" cy="990600"/>
+            <a:off x="5715000" y="1295400"/>
+            <a:ext cx="3124200" cy="266700"/>
           </a:xfrm>
           <a:prstGeom prst="rect">
             <a:avLst/>
           </a:prstGeom>
+          <a:solidFill>
+            <a:schemeClr val="tx2">
+              <a:lumMod val="75000"/>
+            </a:schemeClr>
+          </a:solidFill>
         </p:spPr>
         <p:style>
           <a:lnRef idx="2">
@@ -4310,25 +4354,33 @@
           <a:bodyPr rtlCol="0" anchor="ctr"/>
           <a:lstStyle/>
           <a:p>
-            <a:pPr algn="ctr"/>
-            <a:endParaRPr lang="en-US" dirty="0"/>
-          </a:p>
-        </p:txBody>
-      </p:sp>
-      <p:sp>
-        <p:nvSpPr>
-          <p:cNvPr id="6" name="Rectangle 5"/>
+            <a:r>
+              <a:rPr lang="en-US" sz="1200" dirty="0" smtClean="0"/>
+              <a:t>07/01/2019: Joseph posted a workout</a:t>
+            </a:r>
+            <a:endParaRPr lang="en-US" sz="1200" dirty="0"/>
+          </a:p>
+        </p:txBody>
+      </p:sp>
+      <p:sp>
+        <p:nvSpPr>
+          <p:cNvPr id="18" name="Rectangle 17"/>
           <p:cNvSpPr/>
           <p:nvPr/>
         </p:nvSpPr>
         <p:spPr>
           <a:xfrm>
-            <a:off x="5562600" y="1143000"/>
-            <a:ext cx="3429000" cy="5562600"/>
+            <a:off x="5715000" y="1638300"/>
+            <a:ext cx="3124200" cy="266700"/>
           </a:xfrm>
           <a:prstGeom prst="rect">
             <a:avLst/>
           </a:prstGeom>
+          <a:solidFill>
+            <a:schemeClr val="tx2">
+              <a:lumMod val="75000"/>
+            </a:schemeClr>
+          </a:solidFill>
         </p:spPr>
         <p:style>
           <a:lnRef idx="2">
@@ -4350,25 +4402,24 @@
           <a:bodyPr rtlCol="0" anchor="ctr"/>
           <a:lstStyle/>
           <a:p>
-            <a:pPr algn="ctr"/>
-            <a:r>
-              <a:rPr lang="en-US" dirty="0" smtClean="0"/>
-              <a:t>Activity Feed</a:t>
-            </a:r>
-            <a:endParaRPr lang="en-US" dirty="0"/>
-          </a:p>
-        </p:txBody>
-      </p:sp>
-      <p:sp>
-        <p:nvSpPr>
-          <p:cNvPr id="7" name="Rectangle 6"/>
+            <a:r>
+              <a:rPr lang="en-US" sz="1200" dirty="0" smtClean="0"/>
+              <a:t>06/30/2019: Jason posted a run</a:t>
+            </a:r>
+            <a:endParaRPr lang="en-US" sz="1200" dirty="0"/>
+          </a:p>
+        </p:txBody>
+      </p:sp>
+      <p:sp>
+        <p:nvSpPr>
+          <p:cNvPr id="19" name="Rectangle 18"/>
           <p:cNvSpPr/>
           <p:nvPr/>
         </p:nvSpPr>
         <p:spPr>
           <a:xfrm>
-            <a:off x="152400" y="1143000"/>
-            <a:ext cx="5257800" cy="5562600"/>
+            <a:off x="304800" y="2209800"/>
+            <a:ext cx="558800" cy="533400"/>
           </a:xfrm>
           <a:prstGeom prst="rect">
             <a:avLst/>
@@ -4395,20 +4446,24 @@
           <a:lstStyle/>
           <a:p>
             <a:pPr algn="ctr"/>
+            <a:r>
+              <a:rPr lang="en-US" dirty="0" smtClean="0"/>
+              <a:t>M</a:t>
+            </a:r>
             <a:endParaRPr lang="en-US" dirty="0"/>
           </a:p>
         </p:txBody>
       </p:sp>
       <p:sp>
         <p:nvSpPr>
-          <p:cNvPr id="8" name="Rectangle 7"/>
+          <p:cNvPr id="20" name="Rectangle 19"/>
           <p:cNvSpPr/>
           <p:nvPr/>
         </p:nvSpPr>
         <p:spPr>
           <a:xfrm>
-            <a:off x="219529" y="152400"/>
-            <a:ext cx="990600" cy="685800"/>
+            <a:off x="1001487" y="2209800"/>
+            <a:ext cx="558800" cy="533400"/>
           </a:xfrm>
           <a:prstGeom prst="rect">
             <a:avLst/>
@@ -4436,23 +4491,23 @@
           <a:p>
             <a:pPr algn="ctr"/>
             <a:r>
-              <a:rPr lang="en-US" sz="1400" dirty="0" smtClean="0"/>
-              <a:t>Home</a:t>
-            </a:r>
-            <a:endParaRPr lang="en-US" sz="1400" dirty="0"/>
-          </a:p>
-        </p:txBody>
-      </p:sp>
-      <p:sp>
-        <p:nvSpPr>
-          <p:cNvPr id="9" name="Rectangle 8"/>
+              <a:rPr lang="en-US" dirty="0" smtClean="0"/>
+              <a:t>T</a:t>
+            </a:r>
+            <a:endParaRPr lang="en-US" dirty="0"/>
+          </a:p>
+        </p:txBody>
+      </p:sp>
+      <p:sp>
+        <p:nvSpPr>
+          <p:cNvPr id="21" name="Rectangle 20"/>
           <p:cNvSpPr/>
           <p:nvPr/>
         </p:nvSpPr>
         <p:spPr>
           <a:xfrm>
-            <a:off x="1280887" y="152400"/>
-            <a:ext cx="990600" cy="685800"/>
+            <a:off x="1712687" y="2209800"/>
+            <a:ext cx="558800" cy="533400"/>
           </a:xfrm>
           <a:prstGeom prst="rect">
             <a:avLst/>
@@ -4480,23 +4535,23 @@
           <a:p>
             <a:pPr algn="ctr"/>
             <a:r>
-              <a:rPr lang="en-US" sz="1400" dirty="0" smtClean="0"/>
-              <a:t>Log Activity</a:t>
-            </a:r>
-            <a:endParaRPr lang="en-US" sz="1400" dirty="0"/>
-          </a:p>
-        </p:txBody>
-      </p:sp>
-      <p:sp>
-        <p:nvSpPr>
-          <p:cNvPr id="10" name="Rectangle 9"/>
+              <a:rPr lang="en-US" dirty="0" smtClean="0"/>
+              <a:t>W</a:t>
+            </a:r>
+            <a:endParaRPr lang="en-US" dirty="0"/>
+          </a:p>
+        </p:txBody>
+      </p:sp>
+      <p:sp>
+        <p:nvSpPr>
+          <p:cNvPr id="22" name="Rectangle 21"/>
           <p:cNvSpPr/>
           <p:nvPr/>
         </p:nvSpPr>
         <p:spPr>
           <a:xfrm>
-            <a:off x="2341418" y="152400"/>
-            <a:ext cx="990600" cy="685800"/>
+            <a:off x="2432050" y="2209800"/>
+            <a:ext cx="558800" cy="533400"/>
           </a:xfrm>
           <a:prstGeom prst="rect">
             <a:avLst/>
@@ -4524,23 +4579,23 @@
           <a:p>
             <a:pPr algn="ctr"/>
             <a:r>
-              <a:rPr lang="en-US" sz="1400" dirty="0" smtClean="0"/>
-              <a:t>Generator</a:t>
-            </a:r>
-            <a:endParaRPr lang="en-US" sz="1400" dirty="0"/>
-          </a:p>
-        </p:txBody>
-      </p:sp>
-      <p:sp>
-        <p:nvSpPr>
-          <p:cNvPr id="11" name="Rectangle 10"/>
+              <a:rPr lang="en-US" dirty="0"/>
+              <a:t>R</a:t>
+            </a:r>
+            <a:endParaRPr lang="en-US" dirty="0"/>
+          </a:p>
+        </p:txBody>
+      </p:sp>
+      <p:sp>
+        <p:nvSpPr>
+          <p:cNvPr id="23" name="Rectangle 22"/>
           <p:cNvSpPr/>
           <p:nvPr/>
         </p:nvSpPr>
         <p:spPr>
           <a:xfrm>
-            <a:off x="3383972" y="152400"/>
-            <a:ext cx="990600" cy="685800"/>
+            <a:off x="3175000" y="2209800"/>
+            <a:ext cx="558800" cy="533400"/>
           </a:xfrm>
           <a:prstGeom prst="rect">
             <a:avLst/>
@@ -4568,23 +4623,23 @@
           <a:p>
             <a:pPr algn="ctr"/>
             <a:r>
-              <a:rPr lang="en-US" sz="1400" dirty="0" smtClean="0"/>
-              <a:t>Metrics</a:t>
-            </a:r>
-            <a:endParaRPr lang="en-US" sz="1400" dirty="0"/>
-          </a:p>
-        </p:txBody>
-      </p:sp>
-      <p:sp>
-        <p:nvSpPr>
-          <p:cNvPr id="12" name="Rectangle 11"/>
+              <a:rPr lang="en-US" dirty="0" smtClean="0"/>
+              <a:t>F</a:t>
+            </a:r>
+            <a:endParaRPr lang="en-US" dirty="0"/>
+          </a:p>
+        </p:txBody>
+      </p:sp>
+      <p:sp>
+        <p:nvSpPr>
+          <p:cNvPr id="24" name="Rectangle 23"/>
           <p:cNvSpPr/>
           <p:nvPr/>
         </p:nvSpPr>
         <p:spPr>
           <a:xfrm>
-            <a:off x="4419600" y="148936"/>
-            <a:ext cx="990600" cy="685800"/>
+            <a:off x="3904672" y="2209800"/>
+            <a:ext cx="558800" cy="533400"/>
           </a:xfrm>
           <a:prstGeom prst="rect">
             <a:avLst/>
@@ -4612,23 +4667,23 @@
           <a:p>
             <a:pPr algn="ctr"/>
             <a:r>
-              <a:rPr lang="en-US" sz="1400" dirty="0" smtClean="0"/>
-              <a:t>Shoes</a:t>
-            </a:r>
-            <a:endParaRPr lang="en-US" sz="1400" dirty="0"/>
-          </a:p>
-        </p:txBody>
-      </p:sp>
-      <p:sp>
-        <p:nvSpPr>
-          <p:cNvPr id="13" name="Rectangle 12"/>
+              <a:rPr lang="en-US" dirty="0" smtClean="0"/>
+              <a:t>S</a:t>
+            </a:r>
+            <a:endParaRPr lang="en-US" dirty="0"/>
+          </a:p>
+        </p:txBody>
+      </p:sp>
+      <p:sp>
+        <p:nvSpPr>
+          <p:cNvPr id="26" name="Rectangle 25"/>
           <p:cNvSpPr/>
           <p:nvPr/>
         </p:nvSpPr>
         <p:spPr>
           <a:xfrm>
-            <a:off x="304800" y="1295400"/>
-            <a:ext cx="2133600" cy="533400"/>
+            <a:off x="4635500" y="2209800"/>
+            <a:ext cx="558800" cy="533400"/>
           </a:xfrm>
           <a:prstGeom prst="rect">
             <a:avLst/>
@@ -4657,7 +4712,7 @@
             <a:pPr algn="ctr"/>
             <a:r>
               <a:rPr lang="en-US" dirty="0" smtClean="0"/>
-              <a:t>Current </a:t>
+              <a:t>U</a:t>
             </a:r>
             <a:endParaRPr lang="en-US" dirty="0"/>
           </a:p>
@@ -4665,14 +4720,14 @@
       </p:sp>
       <p:sp>
         <p:nvSpPr>
-          <p:cNvPr id="15" name="Rectangle 14"/>
+          <p:cNvPr id="27" name="Rectangle 26"/>
           <p:cNvSpPr/>
           <p:nvPr/>
         </p:nvSpPr>
         <p:spPr>
           <a:xfrm>
-            <a:off x="5486400" y="148936"/>
-            <a:ext cx="990600" cy="685800"/>
+            <a:off x="304799" y="2895600"/>
+            <a:ext cx="2686051" cy="533400"/>
           </a:xfrm>
           <a:prstGeom prst="rect">
             <a:avLst/>
@@ -4700,17 +4755,57 @@
           <a:p>
             <a:pPr algn="ctr"/>
             <a:r>
-              <a:rPr lang="en-US" sz="1400" dirty="0" smtClean="0"/>
-              <a:t>Users</a:t>
-            </a:r>
-            <a:endParaRPr lang="en-US" sz="1400" dirty="0"/>
+              <a:rPr lang="en-US" dirty="0" smtClean="0"/>
+              <a:t>Current Week’s Mileage</a:t>
+            </a:r>
+            <a:endParaRPr lang="en-US" dirty="0"/>
+          </a:p>
+        </p:txBody>
+      </p:sp>
+      <p:sp>
+        <p:nvSpPr>
+          <p:cNvPr id="28" name="Rectangle 27"/>
+          <p:cNvSpPr/>
+          <p:nvPr/>
+        </p:nvSpPr>
+        <p:spPr>
+          <a:xfrm>
+            <a:off x="304799" y="3581400"/>
+            <a:ext cx="2686051" cy="533400"/>
+          </a:xfrm>
+          <a:prstGeom prst="rect">
+            <a:avLst/>
+          </a:prstGeom>
+        </p:spPr>
+        <p:style>
+          <a:lnRef idx="2">
+            <a:schemeClr val="accent1">
+              <a:shade val="50000"/>
+            </a:schemeClr>
+          </a:lnRef>
+          <a:fillRef idx="1">
+            <a:schemeClr val="accent1"/>
+          </a:fillRef>
+          <a:effectRef idx="0">
+            <a:schemeClr val="accent1"/>
+          </a:effectRef>
+          <a:fontRef idx="minor">
+            <a:schemeClr val="lt1"/>
+          </a:fontRef>
+        </p:style>
+        <p:txBody>
+          <a:bodyPr rtlCol="0" anchor="ctr"/>
+          <a:lstStyle/>
+          <a:p>
+            <a:pPr algn="ctr"/>
+            <a:endParaRPr lang="en-US" dirty="0"/>
           </a:p>
         </p:txBody>
       </p:sp>
     </p:spTree>
     <p:extLst>
       <p:ext uri="{BB962C8B-B14F-4D97-AF65-F5344CB8AC3E}">
-        <p14:creationId xmlns:p14="http://schemas.microsoft.com/office/powerpoint/2010/main" val="493295337"/>
+        <p14:creationId xmlns:p14="http://schemas.microsoft.com/office/powerpoint/2010/main" val="2910624689"/>
       </p:ext>
     </p:extLst>
   </p:cSld>

--- a/Outline.pptx
+++ b/Outline.pptx
@@ -9,6 +9,10 @@
     <p:sldId id="258" r:id="rId3"/>
     <p:sldId id="259" r:id="rId4"/>
     <p:sldId id="256" r:id="rId5"/>
+    <p:sldId id="262" r:id="rId6"/>
+    <p:sldId id="261" r:id="rId7"/>
+    <p:sldId id="263" r:id="rId8"/>
+    <p:sldId id="264" r:id="rId9"/>
   </p:sldIdLst>
   <p:sldSz cx="9144000" cy="6858000" type="screen4x3"/>
   <p:notesSz cx="6858000" cy="9144000"/>
@@ -107,6 +111,22 @@
       </a:defRPr>
     </a:lvl9pPr>
   </p:defaultTextStyle>
+  <p:extLst>
+    <p:ext uri="{EFAFB233-063F-42B5-8137-9DF3F51BA10A}">
+      <p15:sldGuideLst xmlns:p15="http://schemas.microsoft.com/office/powerpoint/2012/main">
+        <p15:guide id="1" orient="horz" pos="2160">
+          <p15:clr>
+            <a:srgbClr val="A4A3A4"/>
+          </p15:clr>
+        </p15:guide>
+        <p15:guide id="2" pos="2880">
+          <p15:clr>
+            <a:srgbClr val="A4A3A4"/>
+          </p15:clr>
+        </p15:guide>
+      </p15:sldGuideLst>
+    </p:ext>
+  </p:extLst>
 </p:presentation>
 </file>
 
@@ -291,7 +311,7 @@
           <a:p>
             <a:fld id="{BDB45143-1D8F-4628-8E7C-4DA353DBA18A}" type="datetimeFigureOut">
               <a:rPr lang="en-US" smtClean="0"/>
-              <a:t>7/1/2019</a:t>
+              <a:t>7/3/2019</a:t>
             </a:fld>
             <a:endParaRPr lang="en-US"/>
           </a:p>
@@ -461,7 +481,7 @@
           <a:p>
             <a:fld id="{BDB45143-1D8F-4628-8E7C-4DA353DBA18A}" type="datetimeFigureOut">
               <a:rPr lang="en-US" smtClean="0"/>
-              <a:t>7/1/2019</a:t>
+              <a:t>7/3/2019</a:t>
             </a:fld>
             <a:endParaRPr lang="en-US"/>
           </a:p>
@@ -641,7 +661,7 @@
           <a:p>
             <a:fld id="{BDB45143-1D8F-4628-8E7C-4DA353DBA18A}" type="datetimeFigureOut">
               <a:rPr lang="en-US" smtClean="0"/>
-              <a:t>7/1/2019</a:t>
+              <a:t>7/3/2019</a:t>
             </a:fld>
             <a:endParaRPr lang="en-US"/>
           </a:p>
@@ -811,7 +831,7 @@
           <a:p>
             <a:fld id="{BDB45143-1D8F-4628-8E7C-4DA353DBA18A}" type="datetimeFigureOut">
               <a:rPr lang="en-US" smtClean="0"/>
-              <a:t>7/1/2019</a:t>
+              <a:t>7/3/2019</a:t>
             </a:fld>
             <a:endParaRPr lang="en-US"/>
           </a:p>
@@ -1057,7 +1077,7 @@
           <a:p>
             <a:fld id="{BDB45143-1D8F-4628-8E7C-4DA353DBA18A}" type="datetimeFigureOut">
               <a:rPr lang="en-US" smtClean="0"/>
-              <a:t>7/1/2019</a:t>
+              <a:t>7/3/2019</a:t>
             </a:fld>
             <a:endParaRPr lang="en-US"/>
           </a:p>
@@ -1345,7 +1365,7 @@
           <a:p>
             <a:fld id="{BDB45143-1D8F-4628-8E7C-4DA353DBA18A}" type="datetimeFigureOut">
               <a:rPr lang="en-US" smtClean="0"/>
-              <a:t>7/1/2019</a:t>
+              <a:t>7/3/2019</a:t>
             </a:fld>
             <a:endParaRPr lang="en-US"/>
           </a:p>
@@ -1767,7 +1787,7 @@
           <a:p>
             <a:fld id="{BDB45143-1D8F-4628-8E7C-4DA353DBA18A}" type="datetimeFigureOut">
               <a:rPr lang="en-US" smtClean="0"/>
-              <a:t>7/1/2019</a:t>
+              <a:t>7/3/2019</a:t>
             </a:fld>
             <a:endParaRPr lang="en-US"/>
           </a:p>
@@ -1885,7 +1905,7 @@
           <a:p>
             <a:fld id="{BDB45143-1D8F-4628-8E7C-4DA353DBA18A}" type="datetimeFigureOut">
               <a:rPr lang="en-US" smtClean="0"/>
-              <a:t>7/1/2019</a:t>
+              <a:t>7/3/2019</a:t>
             </a:fld>
             <a:endParaRPr lang="en-US"/>
           </a:p>
@@ -1980,7 +2000,7 @@
           <a:p>
             <a:fld id="{BDB45143-1D8F-4628-8E7C-4DA353DBA18A}" type="datetimeFigureOut">
               <a:rPr lang="en-US" smtClean="0"/>
-              <a:t>7/1/2019</a:t>
+              <a:t>7/3/2019</a:t>
             </a:fld>
             <a:endParaRPr lang="en-US"/>
           </a:p>
@@ -2257,7 +2277,7 @@
           <a:p>
             <a:fld id="{BDB45143-1D8F-4628-8E7C-4DA353DBA18A}" type="datetimeFigureOut">
               <a:rPr lang="en-US" smtClean="0"/>
-              <a:t>7/1/2019</a:t>
+              <a:t>7/3/2019</a:t>
             </a:fld>
             <a:endParaRPr lang="en-US"/>
           </a:p>
@@ -2510,7 +2530,7 @@
           <a:p>
             <a:fld id="{BDB45143-1D8F-4628-8E7C-4DA353DBA18A}" type="datetimeFigureOut">
               <a:rPr lang="en-US" smtClean="0"/>
-              <a:t>7/1/2019</a:t>
+              <a:t>7/3/2019</a:t>
             </a:fld>
             <a:endParaRPr lang="en-US"/>
           </a:p>
@@ -2723,7 +2743,7 @@
           <a:p>
             <a:fld id="{BDB45143-1D8F-4628-8E7C-4DA353DBA18A}" type="datetimeFigureOut">
               <a:rPr lang="en-US" smtClean="0"/>
-              <a:t>7/1/2019</a:t>
+              <a:t>7/3/2019</a:t>
             </a:fld>
             <a:endParaRPr lang="en-US"/>
           </a:p>
@@ -3391,6 +3411,13 @@
   <p:clrMapOvr>
     <a:masterClrMapping/>
   </p:clrMapOvr>
+  <p:timing>
+    <p:tnLst>
+      <p:par>
+        <p:cTn id="1" dur="indefinite" restart="never" nodeType="tmRoot"/>
+      </p:par>
+    </p:tnLst>
+  </p:timing>
 </p:sld>
 </file>
 
@@ -3659,6 +3686,13 @@
   <p:clrMapOvr>
     <a:masterClrMapping/>
   </p:clrMapOvr>
+  <p:timing>
+    <p:tnLst>
+      <p:par>
+        <p:cTn id="1" dur="indefinite" restart="never" nodeType="tmRoot"/>
+      </p:par>
+    </p:tnLst>
+  </p:timing>
 </p:sld>
 </file>
 
@@ -4020,6 +4054,9 @@
           <a:prstGeom prst="rect">
             <a:avLst/>
           </a:prstGeom>
+          <a:solidFill>
+            <a:srgbClr val="FFC000"/>
+          </a:solidFill>
         </p:spPr>
         <p:style>
           <a:lnRef idx="2">
@@ -4184,14 +4221,14 @@
       </p:sp>
       <p:sp>
         <p:nvSpPr>
-          <p:cNvPr id="12" name="Rectangle 11"/>
+          <p:cNvPr id="13" name="Rectangle 12"/>
           <p:cNvSpPr/>
           <p:nvPr/>
         </p:nvSpPr>
         <p:spPr>
           <a:xfrm>
-            <a:off x="4419600" y="148936"/>
-            <a:ext cx="990600" cy="685800"/>
+            <a:off x="304800" y="1295400"/>
+            <a:ext cx="2133600" cy="533400"/>
           </a:xfrm>
           <a:prstGeom prst="rect">
             <a:avLst/>
@@ -4219,50 +4256,6 @@
           <a:p>
             <a:pPr algn="ctr"/>
             <a:r>
-              <a:rPr lang="en-US" sz="1400" dirty="0" smtClean="0"/>
-              <a:t>Shoes</a:t>
-            </a:r>
-            <a:endParaRPr lang="en-US" sz="1400" dirty="0"/>
-          </a:p>
-        </p:txBody>
-      </p:sp>
-      <p:sp>
-        <p:nvSpPr>
-          <p:cNvPr id="13" name="Rectangle 12"/>
-          <p:cNvSpPr/>
-          <p:nvPr/>
-        </p:nvSpPr>
-        <p:spPr>
-          <a:xfrm>
-            <a:off x="304800" y="1295400"/>
-            <a:ext cx="2133600" cy="533400"/>
-          </a:xfrm>
-          <a:prstGeom prst="rect">
-            <a:avLst/>
-          </a:prstGeom>
-        </p:spPr>
-        <p:style>
-          <a:lnRef idx="2">
-            <a:schemeClr val="accent1">
-              <a:shade val="50000"/>
-            </a:schemeClr>
-          </a:lnRef>
-          <a:fillRef idx="1">
-            <a:schemeClr val="accent1"/>
-          </a:fillRef>
-          <a:effectRef idx="0">
-            <a:schemeClr val="accent1"/>
-          </a:effectRef>
-          <a:fontRef idx="minor">
-            <a:schemeClr val="lt1"/>
-          </a:fontRef>
-        </p:style>
-        <p:txBody>
-          <a:bodyPr rtlCol="0" anchor="ctr"/>
-          <a:lstStyle/>
-          <a:p>
-            <a:pPr algn="ctr"/>
-            <a:r>
               <a:rPr lang="en-US" dirty="0" smtClean="0"/>
               <a:t>Your stats</a:t>
             </a:r>
@@ -4278,7 +4271,7 @@
         </p:nvSpPr>
         <p:spPr>
           <a:xfrm>
-            <a:off x="5486400" y="148936"/>
+            <a:off x="4426526" y="152400"/>
             <a:ext cx="990600" cy="685800"/>
           </a:xfrm>
           <a:prstGeom prst="rect">
@@ -4582,7 +4575,6 @@
               <a:rPr lang="en-US" dirty="0"/>
               <a:t>R</a:t>
             </a:r>
-            <a:endParaRPr lang="en-US" dirty="0"/>
           </a:p>
         </p:txBody>
       </p:sp>
@@ -4812,6 +4804,1373 @@
   <p:clrMapOvr>
     <a:masterClrMapping/>
   </p:clrMapOvr>
+  <p:timing>
+    <p:tnLst>
+      <p:par>
+        <p:cTn id="1" dur="indefinite" restart="never" nodeType="tmRoot"/>
+      </p:par>
+    </p:tnLst>
+  </p:timing>
+</p:sld>
+</file>
+
+<file path=ppt/slides/slide5.xml><?xml version="1.0" encoding="utf-8"?>
+<p:sld xmlns:a="http://schemas.openxmlformats.org/drawingml/2006/main" xmlns:r="http://schemas.openxmlformats.org/officeDocument/2006/relationships" xmlns:p="http://schemas.openxmlformats.org/presentationml/2006/main">
+  <p:cSld>
+    <p:spTree>
+      <p:nvGrpSpPr>
+        <p:cNvPr id="1" name=""/>
+        <p:cNvGrpSpPr/>
+        <p:nvPr/>
+      </p:nvGrpSpPr>
+      <p:grpSpPr>
+        <a:xfrm>
+          <a:off x="0" y="0"/>
+          <a:ext cx="0" cy="0"/>
+          <a:chOff x="0" y="0"/>
+          <a:chExt cx="0" cy="0"/>
+        </a:xfrm>
+      </p:grpSpPr>
+      <p:sp>
+        <p:nvSpPr>
+          <p:cNvPr id="5" name="Rectangle 4"/>
+          <p:cNvSpPr/>
+          <p:nvPr/>
+        </p:nvSpPr>
+        <p:spPr>
+          <a:xfrm>
+            <a:off x="0" y="0"/>
+            <a:ext cx="9144000" cy="990600"/>
+          </a:xfrm>
+          <a:prstGeom prst="rect">
+            <a:avLst/>
+          </a:prstGeom>
+        </p:spPr>
+        <p:style>
+          <a:lnRef idx="2">
+            <a:schemeClr val="accent1">
+              <a:shade val="50000"/>
+            </a:schemeClr>
+          </a:lnRef>
+          <a:fillRef idx="1">
+            <a:schemeClr val="accent1"/>
+          </a:fillRef>
+          <a:effectRef idx="0">
+            <a:schemeClr val="accent1"/>
+          </a:effectRef>
+          <a:fontRef idx="minor">
+            <a:schemeClr val="lt1"/>
+          </a:fontRef>
+        </p:style>
+        <p:txBody>
+          <a:bodyPr rtlCol="0" anchor="ctr"/>
+          <a:lstStyle/>
+          <a:p>
+            <a:pPr algn="ctr"/>
+            <a:endParaRPr lang="en-US" dirty="0"/>
+          </a:p>
+        </p:txBody>
+      </p:sp>
+      <p:sp>
+        <p:nvSpPr>
+          <p:cNvPr id="7" name="Rectangle 6"/>
+          <p:cNvSpPr/>
+          <p:nvPr/>
+        </p:nvSpPr>
+        <p:spPr>
+          <a:xfrm>
+            <a:off x="152400" y="1143000"/>
+            <a:ext cx="8839200" cy="5562600"/>
+          </a:xfrm>
+          <a:prstGeom prst="rect">
+            <a:avLst/>
+          </a:prstGeom>
+        </p:spPr>
+        <p:style>
+          <a:lnRef idx="2">
+            <a:schemeClr val="accent1">
+              <a:shade val="50000"/>
+            </a:schemeClr>
+          </a:lnRef>
+          <a:fillRef idx="1">
+            <a:schemeClr val="accent1"/>
+          </a:fillRef>
+          <a:effectRef idx="0">
+            <a:schemeClr val="accent1"/>
+          </a:effectRef>
+          <a:fontRef idx="minor">
+            <a:schemeClr val="lt1"/>
+          </a:fontRef>
+        </p:style>
+        <p:txBody>
+          <a:bodyPr rtlCol="0" anchor="ctr"/>
+          <a:lstStyle/>
+          <a:p>
+            <a:pPr algn="ctr"/>
+            <a:endParaRPr lang="en-US" dirty="0"/>
+          </a:p>
+        </p:txBody>
+      </p:sp>
+      <p:sp>
+        <p:nvSpPr>
+          <p:cNvPr id="8" name="Rectangle 7"/>
+          <p:cNvSpPr/>
+          <p:nvPr/>
+        </p:nvSpPr>
+        <p:spPr>
+          <a:xfrm>
+            <a:off x="219529" y="152400"/>
+            <a:ext cx="990600" cy="685800"/>
+          </a:xfrm>
+          <a:prstGeom prst="rect">
+            <a:avLst/>
+          </a:prstGeom>
+        </p:spPr>
+        <p:style>
+          <a:lnRef idx="2">
+            <a:schemeClr val="accent1">
+              <a:shade val="50000"/>
+            </a:schemeClr>
+          </a:lnRef>
+          <a:fillRef idx="1">
+            <a:schemeClr val="accent1"/>
+          </a:fillRef>
+          <a:effectRef idx="0">
+            <a:schemeClr val="accent1"/>
+          </a:effectRef>
+          <a:fontRef idx="minor">
+            <a:schemeClr val="lt1"/>
+          </a:fontRef>
+        </p:style>
+        <p:txBody>
+          <a:bodyPr rtlCol="0" anchor="ctr"/>
+          <a:lstStyle/>
+          <a:p>
+            <a:pPr algn="ctr"/>
+            <a:r>
+              <a:rPr lang="en-US" sz="1400" dirty="0"/>
+              <a:t>Home</a:t>
+            </a:r>
+            <a:endParaRPr lang="en-US" sz="1400" dirty="0"/>
+          </a:p>
+        </p:txBody>
+      </p:sp>
+      <p:sp>
+        <p:nvSpPr>
+          <p:cNvPr id="9" name="Rectangle 8"/>
+          <p:cNvSpPr/>
+          <p:nvPr/>
+        </p:nvSpPr>
+        <p:spPr>
+          <a:xfrm>
+            <a:off x="1280887" y="152400"/>
+            <a:ext cx="990600" cy="685800"/>
+          </a:xfrm>
+          <a:prstGeom prst="rect">
+            <a:avLst/>
+          </a:prstGeom>
+          <a:solidFill>
+            <a:srgbClr val="FFC000"/>
+          </a:solidFill>
+        </p:spPr>
+        <p:style>
+          <a:lnRef idx="2">
+            <a:schemeClr val="accent1">
+              <a:shade val="50000"/>
+            </a:schemeClr>
+          </a:lnRef>
+          <a:fillRef idx="1">
+            <a:schemeClr val="accent1"/>
+          </a:fillRef>
+          <a:effectRef idx="0">
+            <a:schemeClr val="accent1"/>
+          </a:effectRef>
+          <a:fontRef idx="minor">
+            <a:schemeClr val="lt1"/>
+          </a:fontRef>
+        </p:style>
+        <p:txBody>
+          <a:bodyPr rtlCol="0" anchor="ctr"/>
+          <a:lstStyle/>
+          <a:p>
+            <a:pPr algn="ctr"/>
+            <a:r>
+              <a:rPr lang="en-US" sz="1400" dirty="0"/>
+              <a:t>Log Activity</a:t>
+            </a:r>
+            <a:endParaRPr lang="en-US" sz="1400" dirty="0"/>
+          </a:p>
+        </p:txBody>
+      </p:sp>
+      <p:sp>
+        <p:nvSpPr>
+          <p:cNvPr id="10" name="Rectangle 9"/>
+          <p:cNvSpPr/>
+          <p:nvPr/>
+        </p:nvSpPr>
+        <p:spPr>
+          <a:xfrm>
+            <a:off x="2341418" y="152400"/>
+            <a:ext cx="990600" cy="685800"/>
+          </a:xfrm>
+          <a:prstGeom prst="rect">
+            <a:avLst/>
+          </a:prstGeom>
+        </p:spPr>
+        <p:style>
+          <a:lnRef idx="2">
+            <a:schemeClr val="accent1">
+              <a:shade val="50000"/>
+            </a:schemeClr>
+          </a:lnRef>
+          <a:fillRef idx="1">
+            <a:schemeClr val="accent1"/>
+          </a:fillRef>
+          <a:effectRef idx="0">
+            <a:schemeClr val="accent1"/>
+          </a:effectRef>
+          <a:fontRef idx="minor">
+            <a:schemeClr val="lt1"/>
+          </a:fontRef>
+        </p:style>
+        <p:txBody>
+          <a:bodyPr rtlCol="0" anchor="ctr"/>
+          <a:lstStyle/>
+          <a:p>
+            <a:pPr algn="ctr"/>
+            <a:r>
+              <a:rPr lang="en-US" sz="1400" dirty="0" smtClean="0"/>
+              <a:t>Generator</a:t>
+            </a:r>
+            <a:endParaRPr lang="en-US" sz="1400" dirty="0"/>
+          </a:p>
+        </p:txBody>
+      </p:sp>
+      <p:sp>
+        <p:nvSpPr>
+          <p:cNvPr id="11" name="Rectangle 10"/>
+          <p:cNvSpPr/>
+          <p:nvPr/>
+        </p:nvSpPr>
+        <p:spPr>
+          <a:xfrm>
+            <a:off x="3383972" y="152400"/>
+            <a:ext cx="990600" cy="685800"/>
+          </a:xfrm>
+          <a:prstGeom prst="rect">
+            <a:avLst/>
+          </a:prstGeom>
+        </p:spPr>
+        <p:style>
+          <a:lnRef idx="2">
+            <a:schemeClr val="accent1">
+              <a:shade val="50000"/>
+            </a:schemeClr>
+          </a:lnRef>
+          <a:fillRef idx="1">
+            <a:schemeClr val="accent1"/>
+          </a:fillRef>
+          <a:effectRef idx="0">
+            <a:schemeClr val="accent1"/>
+          </a:effectRef>
+          <a:fontRef idx="minor">
+            <a:schemeClr val="lt1"/>
+          </a:fontRef>
+        </p:style>
+        <p:txBody>
+          <a:bodyPr rtlCol="0" anchor="ctr"/>
+          <a:lstStyle/>
+          <a:p>
+            <a:pPr algn="ctr"/>
+            <a:r>
+              <a:rPr lang="en-US" sz="1400" dirty="0" smtClean="0"/>
+              <a:t>Metrics</a:t>
+            </a:r>
+            <a:endParaRPr lang="en-US" sz="1400" dirty="0"/>
+          </a:p>
+        </p:txBody>
+      </p:sp>
+      <p:sp>
+        <p:nvSpPr>
+          <p:cNvPr id="25" name="Rectangle 24"/>
+          <p:cNvSpPr/>
+          <p:nvPr/>
+        </p:nvSpPr>
+        <p:spPr>
+          <a:xfrm>
+            <a:off x="4426526" y="152400"/>
+            <a:ext cx="990600" cy="685800"/>
+          </a:xfrm>
+          <a:prstGeom prst="rect">
+            <a:avLst/>
+          </a:prstGeom>
+        </p:spPr>
+        <p:style>
+          <a:lnRef idx="2">
+            <a:schemeClr val="accent1">
+              <a:shade val="50000"/>
+            </a:schemeClr>
+          </a:lnRef>
+          <a:fillRef idx="1">
+            <a:schemeClr val="accent1"/>
+          </a:fillRef>
+          <a:effectRef idx="0">
+            <a:schemeClr val="accent1"/>
+          </a:effectRef>
+          <a:fontRef idx="minor">
+            <a:schemeClr val="lt1"/>
+          </a:fontRef>
+        </p:style>
+        <p:txBody>
+          <a:bodyPr rtlCol="0" anchor="ctr"/>
+          <a:lstStyle/>
+          <a:p>
+            <a:pPr algn="ctr"/>
+            <a:r>
+              <a:rPr lang="en-US" sz="1400" dirty="0" smtClean="0"/>
+              <a:t>Users</a:t>
+            </a:r>
+            <a:endParaRPr lang="en-US" sz="1400" dirty="0"/>
+          </a:p>
+        </p:txBody>
+      </p:sp>
+    </p:spTree>
+    <p:extLst>
+      <p:ext uri="{BB962C8B-B14F-4D97-AF65-F5344CB8AC3E}">
+        <p14:creationId xmlns:p14="http://schemas.microsoft.com/office/powerpoint/2010/main" val="3045908288"/>
+      </p:ext>
+    </p:extLst>
+  </p:cSld>
+  <p:clrMapOvr>
+    <a:masterClrMapping/>
+  </p:clrMapOvr>
+  <p:timing>
+    <p:tnLst>
+      <p:par>
+        <p:cTn id="1" dur="indefinite" restart="never" nodeType="tmRoot"/>
+      </p:par>
+    </p:tnLst>
+  </p:timing>
+</p:sld>
+</file>
+
+<file path=ppt/slides/slide6.xml><?xml version="1.0" encoding="utf-8"?>
+<p:sld xmlns:a="http://schemas.openxmlformats.org/drawingml/2006/main" xmlns:r="http://schemas.openxmlformats.org/officeDocument/2006/relationships" xmlns:p="http://schemas.openxmlformats.org/presentationml/2006/main">
+  <p:cSld>
+    <p:spTree>
+      <p:nvGrpSpPr>
+        <p:cNvPr id="1" name=""/>
+        <p:cNvGrpSpPr/>
+        <p:nvPr/>
+      </p:nvGrpSpPr>
+      <p:grpSpPr>
+        <a:xfrm>
+          <a:off x="0" y="0"/>
+          <a:ext cx="0" cy="0"/>
+          <a:chOff x="0" y="0"/>
+          <a:chExt cx="0" cy="0"/>
+        </a:xfrm>
+      </p:grpSpPr>
+      <p:sp>
+        <p:nvSpPr>
+          <p:cNvPr id="5" name="Rectangle 4"/>
+          <p:cNvSpPr/>
+          <p:nvPr/>
+        </p:nvSpPr>
+        <p:spPr>
+          <a:xfrm>
+            <a:off x="0" y="0"/>
+            <a:ext cx="9144000" cy="990600"/>
+          </a:xfrm>
+          <a:prstGeom prst="rect">
+            <a:avLst/>
+          </a:prstGeom>
+        </p:spPr>
+        <p:style>
+          <a:lnRef idx="2">
+            <a:schemeClr val="accent1">
+              <a:shade val="50000"/>
+            </a:schemeClr>
+          </a:lnRef>
+          <a:fillRef idx="1">
+            <a:schemeClr val="accent1"/>
+          </a:fillRef>
+          <a:effectRef idx="0">
+            <a:schemeClr val="accent1"/>
+          </a:effectRef>
+          <a:fontRef idx="minor">
+            <a:schemeClr val="lt1"/>
+          </a:fontRef>
+        </p:style>
+        <p:txBody>
+          <a:bodyPr rtlCol="0" anchor="ctr"/>
+          <a:lstStyle/>
+          <a:p>
+            <a:pPr algn="ctr"/>
+            <a:endParaRPr lang="en-US" dirty="0"/>
+          </a:p>
+        </p:txBody>
+      </p:sp>
+      <p:sp>
+        <p:nvSpPr>
+          <p:cNvPr id="7" name="Rectangle 6"/>
+          <p:cNvSpPr/>
+          <p:nvPr/>
+        </p:nvSpPr>
+        <p:spPr>
+          <a:xfrm>
+            <a:off x="152400" y="1143000"/>
+            <a:ext cx="8839200" cy="5562600"/>
+          </a:xfrm>
+          <a:prstGeom prst="rect">
+            <a:avLst/>
+          </a:prstGeom>
+        </p:spPr>
+        <p:style>
+          <a:lnRef idx="2">
+            <a:schemeClr val="accent1">
+              <a:shade val="50000"/>
+            </a:schemeClr>
+          </a:lnRef>
+          <a:fillRef idx="1">
+            <a:schemeClr val="accent1"/>
+          </a:fillRef>
+          <a:effectRef idx="0">
+            <a:schemeClr val="accent1"/>
+          </a:effectRef>
+          <a:fontRef idx="minor">
+            <a:schemeClr val="lt1"/>
+          </a:fontRef>
+        </p:style>
+        <p:txBody>
+          <a:bodyPr rtlCol="0" anchor="ctr"/>
+          <a:lstStyle/>
+          <a:p>
+            <a:pPr algn="ctr"/>
+            <a:endParaRPr lang="en-US" dirty="0"/>
+          </a:p>
+        </p:txBody>
+      </p:sp>
+      <p:sp>
+        <p:nvSpPr>
+          <p:cNvPr id="8" name="Rectangle 7"/>
+          <p:cNvSpPr/>
+          <p:nvPr/>
+        </p:nvSpPr>
+        <p:spPr>
+          <a:xfrm>
+            <a:off x="219529" y="152400"/>
+            <a:ext cx="990600" cy="685800"/>
+          </a:xfrm>
+          <a:prstGeom prst="rect">
+            <a:avLst/>
+          </a:prstGeom>
+        </p:spPr>
+        <p:style>
+          <a:lnRef idx="2">
+            <a:schemeClr val="accent1">
+              <a:shade val="50000"/>
+            </a:schemeClr>
+          </a:lnRef>
+          <a:fillRef idx="1">
+            <a:schemeClr val="accent1"/>
+          </a:fillRef>
+          <a:effectRef idx="0">
+            <a:schemeClr val="accent1"/>
+          </a:effectRef>
+          <a:fontRef idx="minor">
+            <a:schemeClr val="lt1"/>
+          </a:fontRef>
+        </p:style>
+        <p:txBody>
+          <a:bodyPr rtlCol="0" anchor="ctr"/>
+          <a:lstStyle/>
+          <a:p>
+            <a:pPr algn="ctr"/>
+            <a:r>
+              <a:rPr lang="en-US" sz="1400" dirty="0" smtClean="0"/>
+              <a:t>Home</a:t>
+            </a:r>
+            <a:endParaRPr lang="en-US" sz="1400" dirty="0"/>
+          </a:p>
+        </p:txBody>
+      </p:sp>
+      <p:sp>
+        <p:nvSpPr>
+          <p:cNvPr id="9" name="Rectangle 8"/>
+          <p:cNvSpPr/>
+          <p:nvPr/>
+        </p:nvSpPr>
+        <p:spPr>
+          <a:xfrm>
+            <a:off x="1280887" y="152400"/>
+            <a:ext cx="990600" cy="685800"/>
+          </a:xfrm>
+          <a:prstGeom prst="rect">
+            <a:avLst/>
+          </a:prstGeom>
+        </p:spPr>
+        <p:style>
+          <a:lnRef idx="2">
+            <a:schemeClr val="accent1">
+              <a:shade val="50000"/>
+            </a:schemeClr>
+          </a:lnRef>
+          <a:fillRef idx="1">
+            <a:schemeClr val="accent1"/>
+          </a:fillRef>
+          <a:effectRef idx="0">
+            <a:schemeClr val="accent1"/>
+          </a:effectRef>
+          <a:fontRef idx="minor">
+            <a:schemeClr val="lt1"/>
+          </a:fontRef>
+        </p:style>
+        <p:txBody>
+          <a:bodyPr rtlCol="0" anchor="ctr"/>
+          <a:lstStyle/>
+          <a:p>
+            <a:pPr algn="ctr"/>
+            <a:r>
+              <a:rPr lang="en-US" sz="1400" dirty="0" smtClean="0"/>
+              <a:t>Log Activity</a:t>
+            </a:r>
+            <a:endParaRPr lang="en-US" sz="1400" dirty="0"/>
+          </a:p>
+        </p:txBody>
+      </p:sp>
+      <p:sp>
+        <p:nvSpPr>
+          <p:cNvPr id="10" name="Rectangle 9"/>
+          <p:cNvSpPr/>
+          <p:nvPr/>
+        </p:nvSpPr>
+        <p:spPr>
+          <a:xfrm>
+            <a:off x="2341418" y="152400"/>
+            <a:ext cx="990600" cy="685800"/>
+          </a:xfrm>
+          <a:prstGeom prst="rect">
+            <a:avLst/>
+          </a:prstGeom>
+          <a:solidFill>
+            <a:srgbClr val="FFC000"/>
+          </a:solidFill>
+        </p:spPr>
+        <p:style>
+          <a:lnRef idx="2">
+            <a:schemeClr val="accent1">
+              <a:shade val="50000"/>
+            </a:schemeClr>
+          </a:lnRef>
+          <a:fillRef idx="1">
+            <a:schemeClr val="accent1"/>
+          </a:fillRef>
+          <a:effectRef idx="0">
+            <a:schemeClr val="accent1"/>
+          </a:effectRef>
+          <a:fontRef idx="minor">
+            <a:schemeClr val="lt1"/>
+          </a:fontRef>
+        </p:style>
+        <p:txBody>
+          <a:bodyPr rtlCol="0" anchor="ctr"/>
+          <a:lstStyle/>
+          <a:p>
+            <a:pPr algn="ctr"/>
+            <a:r>
+              <a:rPr lang="en-US" sz="1400" dirty="0" smtClean="0"/>
+              <a:t>Generator</a:t>
+            </a:r>
+            <a:endParaRPr lang="en-US" sz="1400" dirty="0"/>
+          </a:p>
+        </p:txBody>
+      </p:sp>
+      <p:sp>
+        <p:nvSpPr>
+          <p:cNvPr id="11" name="Rectangle 10"/>
+          <p:cNvSpPr/>
+          <p:nvPr/>
+        </p:nvSpPr>
+        <p:spPr>
+          <a:xfrm>
+            <a:off x="3383972" y="152400"/>
+            <a:ext cx="990600" cy="685800"/>
+          </a:xfrm>
+          <a:prstGeom prst="rect">
+            <a:avLst/>
+          </a:prstGeom>
+        </p:spPr>
+        <p:style>
+          <a:lnRef idx="2">
+            <a:schemeClr val="accent1">
+              <a:shade val="50000"/>
+            </a:schemeClr>
+          </a:lnRef>
+          <a:fillRef idx="1">
+            <a:schemeClr val="accent1"/>
+          </a:fillRef>
+          <a:effectRef idx="0">
+            <a:schemeClr val="accent1"/>
+          </a:effectRef>
+          <a:fontRef idx="minor">
+            <a:schemeClr val="lt1"/>
+          </a:fontRef>
+        </p:style>
+        <p:txBody>
+          <a:bodyPr rtlCol="0" anchor="ctr"/>
+          <a:lstStyle/>
+          <a:p>
+            <a:pPr algn="ctr"/>
+            <a:r>
+              <a:rPr lang="en-US" sz="1400" dirty="0" smtClean="0"/>
+              <a:t>Metrics</a:t>
+            </a:r>
+            <a:endParaRPr lang="en-US" sz="1400" dirty="0"/>
+          </a:p>
+        </p:txBody>
+      </p:sp>
+      <p:sp>
+        <p:nvSpPr>
+          <p:cNvPr id="25" name="Rectangle 24"/>
+          <p:cNvSpPr/>
+          <p:nvPr/>
+        </p:nvSpPr>
+        <p:spPr>
+          <a:xfrm>
+            <a:off x="4426526" y="152400"/>
+            <a:ext cx="990600" cy="685800"/>
+          </a:xfrm>
+          <a:prstGeom prst="rect">
+            <a:avLst/>
+          </a:prstGeom>
+        </p:spPr>
+        <p:style>
+          <a:lnRef idx="2">
+            <a:schemeClr val="accent1">
+              <a:shade val="50000"/>
+            </a:schemeClr>
+          </a:lnRef>
+          <a:fillRef idx="1">
+            <a:schemeClr val="accent1"/>
+          </a:fillRef>
+          <a:effectRef idx="0">
+            <a:schemeClr val="accent1"/>
+          </a:effectRef>
+          <a:fontRef idx="minor">
+            <a:schemeClr val="lt1"/>
+          </a:fontRef>
+        </p:style>
+        <p:txBody>
+          <a:bodyPr rtlCol="0" anchor="ctr"/>
+          <a:lstStyle/>
+          <a:p>
+            <a:pPr algn="ctr"/>
+            <a:r>
+              <a:rPr lang="en-US" sz="1400" dirty="0" smtClean="0"/>
+              <a:t>Users</a:t>
+            </a:r>
+            <a:endParaRPr lang="en-US" sz="1400" dirty="0"/>
+          </a:p>
+        </p:txBody>
+      </p:sp>
+    </p:spTree>
+    <p:extLst>
+      <p:ext uri="{BB962C8B-B14F-4D97-AF65-F5344CB8AC3E}">
+        <p14:creationId xmlns:p14="http://schemas.microsoft.com/office/powerpoint/2010/main" val="764055123"/>
+      </p:ext>
+    </p:extLst>
+  </p:cSld>
+  <p:clrMapOvr>
+    <a:masterClrMapping/>
+  </p:clrMapOvr>
+  <p:timing>
+    <p:tnLst>
+      <p:par>
+        <p:cTn id="1" dur="indefinite" restart="never" nodeType="tmRoot"/>
+      </p:par>
+    </p:tnLst>
+  </p:timing>
+</p:sld>
+</file>
+
+<file path=ppt/slides/slide7.xml><?xml version="1.0" encoding="utf-8"?>
+<p:sld xmlns:a="http://schemas.openxmlformats.org/drawingml/2006/main" xmlns:r="http://schemas.openxmlformats.org/officeDocument/2006/relationships" xmlns:p="http://schemas.openxmlformats.org/presentationml/2006/main">
+  <p:cSld>
+    <p:spTree>
+      <p:nvGrpSpPr>
+        <p:cNvPr id="1" name=""/>
+        <p:cNvGrpSpPr/>
+        <p:nvPr/>
+      </p:nvGrpSpPr>
+      <p:grpSpPr>
+        <a:xfrm>
+          <a:off x="0" y="0"/>
+          <a:ext cx="0" cy="0"/>
+          <a:chOff x="0" y="0"/>
+          <a:chExt cx="0" cy="0"/>
+        </a:xfrm>
+      </p:grpSpPr>
+      <p:sp>
+        <p:nvSpPr>
+          <p:cNvPr id="5" name="Rectangle 4"/>
+          <p:cNvSpPr/>
+          <p:nvPr/>
+        </p:nvSpPr>
+        <p:spPr>
+          <a:xfrm>
+            <a:off x="0" y="0"/>
+            <a:ext cx="9144000" cy="990600"/>
+          </a:xfrm>
+          <a:prstGeom prst="rect">
+            <a:avLst/>
+          </a:prstGeom>
+        </p:spPr>
+        <p:style>
+          <a:lnRef idx="2">
+            <a:schemeClr val="accent1">
+              <a:shade val="50000"/>
+            </a:schemeClr>
+          </a:lnRef>
+          <a:fillRef idx="1">
+            <a:schemeClr val="accent1"/>
+          </a:fillRef>
+          <a:effectRef idx="0">
+            <a:schemeClr val="accent1"/>
+          </a:effectRef>
+          <a:fontRef idx="minor">
+            <a:schemeClr val="lt1"/>
+          </a:fontRef>
+        </p:style>
+        <p:txBody>
+          <a:bodyPr rtlCol="0" anchor="ctr"/>
+          <a:lstStyle/>
+          <a:p>
+            <a:pPr algn="ctr"/>
+            <a:endParaRPr lang="en-US" dirty="0"/>
+          </a:p>
+        </p:txBody>
+      </p:sp>
+      <p:sp>
+        <p:nvSpPr>
+          <p:cNvPr id="7" name="Rectangle 6"/>
+          <p:cNvSpPr/>
+          <p:nvPr/>
+        </p:nvSpPr>
+        <p:spPr>
+          <a:xfrm>
+            <a:off x="152400" y="1143000"/>
+            <a:ext cx="8839200" cy="5562600"/>
+          </a:xfrm>
+          <a:prstGeom prst="rect">
+            <a:avLst/>
+          </a:prstGeom>
+        </p:spPr>
+        <p:style>
+          <a:lnRef idx="2">
+            <a:schemeClr val="accent1">
+              <a:shade val="50000"/>
+            </a:schemeClr>
+          </a:lnRef>
+          <a:fillRef idx="1">
+            <a:schemeClr val="accent1"/>
+          </a:fillRef>
+          <a:effectRef idx="0">
+            <a:schemeClr val="accent1"/>
+          </a:effectRef>
+          <a:fontRef idx="minor">
+            <a:schemeClr val="lt1"/>
+          </a:fontRef>
+        </p:style>
+        <p:txBody>
+          <a:bodyPr rtlCol="0" anchor="ctr"/>
+          <a:lstStyle/>
+          <a:p>
+            <a:pPr algn="ctr"/>
+            <a:endParaRPr lang="en-US" dirty="0"/>
+          </a:p>
+        </p:txBody>
+      </p:sp>
+      <p:sp>
+        <p:nvSpPr>
+          <p:cNvPr id="8" name="Rectangle 7"/>
+          <p:cNvSpPr/>
+          <p:nvPr/>
+        </p:nvSpPr>
+        <p:spPr>
+          <a:xfrm>
+            <a:off x="219529" y="152400"/>
+            <a:ext cx="990600" cy="685800"/>
+          </a:xfrm>
+          <a:prstGeom prst="rect">
+            <a:avLst/>
+          </a:prstGeom>
+        </p:spPr>
+        <p:style>
+          <a:lnRef idx="2">
+            <a:schemeClr val="accent1">
+              <a:shade val="50000"/>
+            </a:schemeClr>
+          </a:lnRef>
+          <a:fillRef idx="1">
+            <a:schemeClr val="accent1"/>
+          </a:fillRef>
+          <a:effectRef idx="0">
+            <a:schemeClr val="accent1"/>
+          </a:effectRef>
+          <a:fontRef idx="minor">
+            <a:schemeClr val="lt1"/>
+          </a:fontRef>
+        </p:style>
+        <p:txBody>
+          <a:bodyPr rtlCol="0" anchor="ctr"/>
+          <a:lstStyle/>
+          <a:p>
+            <a:pPr algn="ctr"/>
+            <a:r>
+              <a:rPr lang="en-US" sz="1400" dirty="0" smtClean="0"/>
+              <a:t>Home</a:t>
+            </a:r>
+            <a:endParaRPr lang="en-US" sz="1400" dirty="0"/>
+          </a:p>
+        </p:txBody>
+      </p:sp>
+      <p:sp>
+        <p:nvSpPr>
+          <p:cNvPr id="9" name="Rectangle 8"/>
+          <p:cNvSpPr/>
+          <p:nvPr/>
+        </p:nvSpPr>
+        <p:spPr>
+          <a:xfrm>
+            <a:off x="1280887" y="152400"/>
+            <a:ext cx="990600" cy="685800"/>
+          </a:xfrm>
+          <a:prstGeom prst="rect">
+            <a:avLst/>
+          </a:prstGeom>
+        </p:spPr>
+        <p:style>
+          <a:lnRef idx="2">
+            <a:schemeClr val="accent1">
+              <a:shade val="50000"/>
+            </a:schemeClr>
+          </a:lnRef>
+          <a:fillRef idx="1">
+            <a:schemeClr val="accent1"/>
+          </a:fillRef>
+          <a:effectRef idx="0">
+            <a:schemeClr val="accent1"/>
+          </a:effectRef>
+          <a:fontRef idx="minor">
+            <a:schemeClr val="lt1"/>
+          </a:fontRef>
+        </p:style>
+        <p:txBody>
+          <a:bodyPr rtlCol="0" anchor="ctr"/>
+          <a:lstStyle/>
+          <a:p>
+            <a:pPr algn="ctr"/>
+            <a:r>
+              <a:rPr lang="en-US" sz="1400" dirty="0" smtClean="0"/>
+              <a:t>Log Activity</a:t>
+            </a:r>
+            <a:endParaRPr lang="en-US" sz="1400" dirty="0"/>
+          </a:p>
+        </p:txBody>
+      </p:sp>
+      <p:sp>
+        <p:nvSpPr>
+          <p:cNvPr id="10" name="Rectangle 9"/>
+          <p:cNvSpPr/>
+          <p:nvPr/>
+        </p:nvSpPr>
+        <p:spPr>
+          <a:xfrm>
+            <a:off x="2341418" y="152400"/>
+            <a:ext cx="990600" cy="685800"/>
+          </a:xfrm>
+          <a:prstGeom prst="rect">
+            <a:avLst/>
+          </a:prstGeom>
+        </p:spPr>
+        <p:style>
+          <a:lnRef idx="2">
+            <a:schemeClr val="accent1">
+              <a:shade val="50000"/>
+            </a:schemeClr>
+          </a:lnRef>
+          <a:fillRef idx="1">
+            <a:schemeClr val="accent1"/>
+          </a:fillRef>
+          <a:effectRef idx="0">
+            <a:schemeClr val="accent1"/>
+          </a:effectRef>
+          <a:fontRef idx="minor">
+            <a:schemeClr val="lt1"/>
+          </a:fontRef>
+        </p:style>
+        <p:txBody>
+          <a:bodyPr rtlCol="0" anchor="ctr"/>
+          <a:lstStyle/>
+          <a:p>
+            <a:pPr algn="ctr"/>
+            <a:r>
+              <a:rPr lang="en-US" sz="1400" dirty="0"/>
+              <a:t>Generator</a:t>
+            </a:r>
+            <a:endParaRPr lang="en-US" sz="1400" dirty="0"/>
+          </a:p>
+        </p:txBody>
+      </p:sp>
+      <p:sp>
+        <p:nvSpPr>
+          <p:cNvPr id="11" name="Rectangle 10"/>
+          <p:cNvSpPr/>
+          <p:nvPr/>
+        </p:nvSpPr>
+        <p:spPr>
+          <a:xfrm>
+            <a:off x="3383972" y="152400"/>
+            <a:ext cx="990600" cy="685800"/>
+          </a:xfrm>
+          <a:prstGeom prst="rect">
+            <a:avLst/>
+          </a:prstGeom>
+          <a:solidFill>
+            <a:srgbClr val="FFC000"/>
+          </a:solidFill>
+        </p:spPr>
+        <p:style>
+          <a:lnRef idx="2">
+            <a:schemeClr val="accent1">
+              <a:shade val="50000"/>
+            </a:schemeClr>
+          </a:lnRef>
+          <a:fillRef idx="1">
+            <a:schemeClr val="accent1"/>
+          </a:fillRef>
+          <a:effectRef idx="0">
+            <a:schemeClr val="accent1"/>
+          </a:effectRef>
+          <a:fontRef idx="minor">
+            <a:schemeClr val="lt1"/>
+          </a:fontRef>
+        </p:style>
+        <p:txBody>
+          <a:bodyPr rtlCol="0" anchor="ctr"/>
+          <a:lstStyle/>
+          <a:p>
+            <a:pPr algn="ctr"/>
+            <a:r>
+              <a:rPr lang="en-US" sz="1400" dirty="0"/>
+              <a:t>Metrics</a:t>
+            </a:r>
+            <a:endParaRPr lang="en-US" sz="1400" dirty="0"/>
+          </a:p>
+        </p:txBody>
+      </p:sp>
+      <p:sp>
+        <p:nvSpPr>
+          <p:cNvPr id="14" name="Rectangle 13"/>
+          <p:cNvSpPr/>
+          <p:nvPr/>
+        </p:nvSpPr>
+        <p:spPr>
+          <a:xfrm>
+            <a:off x="4426526" y="152400"/>
+            <a:ext cx="990600" cy="685800"/>
+          </a:xfrm>
+          <a:prstGeom prst="rect">
+            <a:avLst/>
+          </a:prstGeom>
+        </p:spPr>
+        <p:style>
+          <a:lnRef idx="2">
+            <a:schemeClr val="accent1">
+              <a:shade val="50000"/>
+            </a:schemeClr>
+          </a:lnRef>
+          <a:fillRef idx="1">
+            <a:schemeClr val="accent1"/>
+          </a:fillRef>
+          <a:effectRef idx="0">
+            <a:schemeClr val="accent1"/>
+          </a:effectRef>
+          <a:fontRef idx="minor">
+            <a:schemeClr val="lt1"/>
+          </a:fontRef>
+        </p:style>
+        <p:txBody>
+          <a:bodyPr rtlCol="0" anchor="ctr"/>
+          <a:lstStyle/>
+          <a:p>
+            <a:pPr algn="ctr"/>
+            <a:r>
+              <a:rPr lang="en-US" sz="1400" dirty="0" smtClean="0"/>
+              <a:t>Users</a:t>
+            </a:r>
+            <a:endParaRPr lang="en-US" sz="1400" dirty="0"/>
+          </a:p>
+        </p:txBody>
+      </p:sp>
+    </p:spTree>
+    <p:extLst>
+      <p:ext uri="{BB962C8B-B14F-4D97-AF65-F5344CB8AC3E}">
+        <p14:creationId xmlns:p14="http://schemas.microsoft.com/office/powerpoint/2010/main" val="276314143"/>
+      </p:ext>
+    </p:extLst>
+  </p:cSld>
+  <p:clrMapOvr>
+    <a:masterClrMapping/>
+  </p:clrMapOvr>
+  <p:timing>
+    <p:tnLst>
+      <p:par>
+        <p:cTn id="1" dur="indefinite" restart="never" nodeType="tmRoot"/>
+      </p:par>
+    </p:tnLst>
+  </p:timing>
+</p:sld>
+</file>
+
+<file path=ppt/slides/slide8.xml><?xml version="1.0" encoding="utf-8"?>
+<p:sld xmlns:a="http://schemas.openxmlformats.org/drawingml/2006/main" xmlns:r="http://schemas.openxmlformats.org/officeDocument/2006/relationships" xmlns:p="http://schemas.openxmlformats.org/presentationml/2006/main">
+  <p:cSld>
+    <p:spTree>
+      <p:nvGrpSpPr>
+        <p:cNvPr id="1" name=""/>
+        <p:cNvGrpSpPr/>
+        <p:nvPr/>
+      </p:nvGrpSpPr>
+      <p:grpSpPr>
+        <a:xfrm>
+          <a:off x="0" y="0"/>
+          <a:ext cx="0" cy="0"/>
+          <a:chOff x="0" y="0"/>
+          <a:chExt cx="0" cy="0"/>
+        </a:xfrm>
+      </p:grpSpPr>
+      <p:sp>
+        <p:nvSpPr>
+          <p:cNvPr id="5" name="Rectangle 4"/>
+          <p:cNvSpPr/>
+          <p:nvPr/>
+        </p:nvSpPr>
+        <p:spPr>
+          <a:xfrm>
+            <a:off x="0" y="0"/>
+            <a:ext cx="9144000" cy="990600"/>
+          </a:xfrm>
+          <a:prstGeom prst="rect">
+            <a:avLst/>
+          </a:prstGeom>
+        </p:spPr>
+        <p:style>
+          <a:lnRef idx="2">
+            <a:schemeClr val="accent1">
+              <a:shade val="50000"/>
+            </a:schemeClr>
+          </a:lnRef>
+          <a:fillRef idx="1">
+            <a:schemeClr val="accent1"/>
+          </a:fillRef>
+          <a:effectRef idx="0">
+            <a:schemeClr val="accent1"/>
+          </a:effectRef>
+          <a:fontRef idx="minor">
+            <a:schemeClr val="lt1"/>
+          </a:fontRef>
+        </p:style>
+        <p:txBody>
+          <a:bodyPr rtlCol="0" anchor="ctr"/>
+          <a:lstStyle/>
+          <a:p>
+            <a:pPr algn="ctr"/>
+            <a:endParaRPr lang="en-US" dirty="0"/>
+          </a:p>
+        </p:txBody>
+      </p:sp>
+      <p:sp>
+        <p:nvSpPr>
+          <p:cNvPr id="7" name="Rectangle 6"/>
+          <p:cNvSpPr/>
+          <p:nvPr/>
+        </p:nvSpPr>
+        <p:spPr>
+          <a:xfrm>
+            <a:off x="152400" y="1143000"/>
+            <a:ext cx="8839200" cy="5562600"/>
+          </a:xfrm>
+          <a:prstGeom prst="rect">
+            <a:avLst/>
+          </a:prstGeom>
+        </p:spPr>
+        <p:style>
+          <a:lnRef idx="2">
+            <a:schemeClr val="accent1">
+              <a:shade val="50000"/>
+            </a:schemeClr>
+          </a:lnRef>
+          <a:fillRef idx="1">
+            <a:schemeClr val="accent1"/>
+          </a:fillRef>
+          <a:effectRef idx="0">
+            <a:schemeClr val="accent1"/>
+          </a:effectRef>
+          <a:fontRef idx="minor">
+            <a:schemeClr val="lt1"/>
+          </a:fontRef>
+        </p:style>
+        <p:txBody>
+          <a:bodyPr rtlCol="0" anchor="ctr"/>
+          <a:lstStyle/>
+          <a:p>
+            <a:pPr algn="ctr"/>
+            <a:endParaRPr lang="en-US" dirty="0"/>
+          </a:p>
+        </p:txBody>
+      </p:sp>
+      <p:sp>
+        <p:nvSpPr>
+          <p:cNvPr id="8" name="Rectangle 7"/>
+          <p:cNvSpPr/>
+          <p:nvPr/>
+        </p:nvSpPr>
+        <p:spPr>
+          <a:xfrm>
+            <a:off x="219529" y="152400"/>
+            <a:ext cx="990600" cy="685800"/>
+          </a:xfrm>
+          <a:prstGeom prst="rect">
+            <a:avLst/>
+          </a:prstGeom>
+        </p:spPr>
+        <p:style>
+          <a:lnRef idx="2">
+            <a:schemeClr val="accent1">
+              <a:shade val="50000"/>
+            </a:schemeClr>
+          </a:lnRef>
+          <a:fillRef idx="1">
+            <a:schemeClr val="accent1"/>
+          </a:fillRef>
+          <a:effectRef idx="0">
+            <a:schemeClr val="accent1"/>
+          </a:effectRef>
+          <a:fontRef idx="minor">
+            <a:schemeClr val="lt1"/>
+          </a:fontRef>
+        </p:style>
+        <p:txBody>
+          <a:bodyPr rtlCol="0" anchor="ctr"/>
+          <a:lstStyle/>
+          <a:p>
+            <a:pPr algn="ctr"/>
+            <a:r>
+              <a:rPr lang="en-US" sz="1400" dirty="0" smtClean="0"/>
+              <a:t>Home</a:t>
+            </a:r>
+            <a:endParaRPr lang="en-US" sz="1400" dirty="0"/>
+          </a:p>
+        </p:txBody>
+      </p:sp>
+      <p:sp>
+        <p:nvSpPr>
+          <p:cNvPr id="9" name="Rectangle 8"/>
+          <p:cNvSpPr/>
+          <p:nvPr/>
+        </p:nvSpPr>
+        <p:spPr>
+          <a:xfrm>
+            <a:off x="1280887" y="152400"/>
+            <a:ext cx="990600" cy="685800"/>
+          </a:xfrm>
+          <a:prstGeom prst="rect">
+            <a:avLst/>
+          </a:prstGeom>
+        </p:spPr>
+        <p:style>
+          <a:lnRef idx="2">
+            <a:schemeClr val="accent1">
+              <a:shade val="50000"/>
+            </a:schemeClr>
+          </a:lnRef>
+          <a:fillRef idx="1">
+            <a:schemeClr val="accent1"/>
+          </a:fillRef>
+          <a:effectRef idx="0">
+            <a:schemeClr val="accent1"/>
+          </a:effectRef>
+          <a:fontRef idx="minor">
+            <a:schemeClr val="lt1"/>
+          </a:fontRef>
+        </p:style>
+        <p:txBody>
+          <a:bodyPr rtlCol="0" anchor="ctr"/>
+          <a:lstStyle/>
+          <a:p>
+            <a:pPr algn="ctr"/>
+            <a:r>
+              <a:rPr lang="en-US" sz="1400" dirty="0" smtClean="0"/>
+              <a:t>Log Activity</a:t>
+            </a:r>
+            <a:endParaRPr lang="en-US" sz="1400" dirty="0"/>
+          </a:p>
+        </p:txBody>
+      </p:sp>
+      <p:sp>
+        <p:nvSpPr>
+          <p:cNvPr id="10" name="Rectangle 9"/>
+          <p:cNvSpPr/>
+          <p:nvPr/>
+        </p:nvSpPr>
+        <p:spPr>
+          <a:xfrm>
+            <a:off x="2341418" y="152400"/>
+            <a:ext cx="990600" cy="685800"/>
+          </a:xfrm>
+          <a:prstGeom prst="rect">
+            <a:avLst/>
+          </a:prstGeom>
+        </p:spPr>
+        <p:style>
+          <a:lnRef idx="2">
+            <a:schemeClr val="accent1">
+              <a:shade val="50000"/>
+            </a:schemeClr>
+          </a:lnRef>
+          <a:fillRef idx="1">
+            <a:schemeClr val="accent1"/>
+          </a:fillRef>
+          <a:effectRef idx="0">
+            <a:schemeClr val="accent1"/>
+          </a:effectRef>
+          <a:fontRef idx="minor">
+            <a:schemeClr val="lt1"/>
+          </a:fontRef>
+        </p:style>
+        <p:txBody>
+          <a:bodyPr rtlCol="0" anchor="ctr"/>
+          <a:lstStyle/>
+          <a:p>
+            <a:pPr algn="ctr"/>
+            <a:r>
+              <a:rPr lang="en-US" sz="1400" dirty="0"/>
+              <a:t>Generator</a:t>
+            </a:r>
+            <a:endParaRPr lang="en-US" sz="1400" dirty="0"/>
+          </a:p>
+        </p:txBody>
+      </p:sp>
+      <p:sp>
+        <p:nvSpPr>
+          <p:cNvPr id="11" name="Rectangle 10"/>
+          <p:cNvSpPr/>
+          <p:nvPr/>
+        </p:nvSpPr>
+        <p:spPr>
+          <a:xfrm>
+            <a:off x="3383972" y="152400"/>
+            <a:ext cx="990600" cy="685800"/>
+          </a:xfrm>
+          <a:prstGeom prst="rect">
+            <a:avLst/>
+          </a:prstGeom>
+        </p:spPr>
+        <p:style>
+          <a:lnRef idx="2">
+            <a:schemeClr val="accent1">
+              <a:shade val="50000"/>
+            </a:schemeClr>
+          </a:lnRef>
+          <a:fillRef idx="1">
+            <a:schemeClr val="accent1"/>
+          </a:fillRef>
+          <a:effectRef idx="0">
+            <a:schemeClr val="accent1"/>
+          </a:effectRef>
+          <a:fontRef idx="minor">
+            <a:schemeClr val="lt1"/>
+          </a:fontRef>
+        </p:style>
+        <p:txBody>
+          <a:bodyPr rtlCol="0" anchor="ctr"/>
+          <a:lstStyle/>
+          <a:p>
+            <a:pPr algn="ctr"/>
+            <a:r>
+              <a:rPr lang="en-US" sz="1400" dirty="0"/>
+              <a:t>Metrics</a:t>
+            </a:r>
+            <a:endParaRPr lang="en-US" sz="1400" dirty="0"/>
+          </a:p>
+        </p:txBody>
+      </p:sp>
+      <p:sp>
+        <p:nvSpPr>
+          <p:cNvPr id="14" name="Rectangle 13"/>
+          <p:cNvSpPr/>
+          <p:nvPr/>
+        </p:nvSpPr>
+        <p:spPr>
+          <a:xfrm>
+            <a:off x="4426526" y="152400"/>
+            <a:ext cx="990600" cy="685800"/>
+          </a:xfrm>
+          <a:prstGeom prst="rect">
+            <a:avLst/>
+          </a:prstGeom>
+          <a:solidFill>
+            <a:srgbClr val="FFC000"/>
+          </a:solidFill>
+        </p:spPr>
+        <p:style>
+          <a:lnRef idx="2">
+            <a:schemeClr val="accent1">
+              <a:shade val="50000"/>
+            </a:schemeClr>
+          </a:lnRef>
+          <a:fillRef idx="1">
+            <a:schemeClr val="accent1"/>
+          </a:fillRef>
+          <a:effectRef idx="0">
+            <a:schemeClr val="accent1"/>
+          </a:effectRef>
+          <a:fontRef idx="minor">
+            <a:schemeClr val="lt1"/>
+          </a:fontRef>
+        </p:style>
+        <p:txBody>
+          <a:bodyPr rtlCol="0" anchor="ctr"/>
+          <a:lstStyle/>
+          <a:p>
+            <a:pPr algn="ctr"/>
+            <a:r>
+              <a:rPr lang="en-US" sz="1400" dirty="0"/>
+              <a:t>Users</a:t>
+            </a:r>
+            <a:endParaRPr lang="en-US" sz="1400" dirty="0"/>
+          </a:p>
+        </p:txBody>
+      </p:sp>
+    </p:spTree>
+    <p:extLst>
+      <p:ext uri="{BB962C8B-B14F-4D97-AF65-F5344CB8AC3E}">
+        <p14:creationId xmlns:p14="http://schemas.microsoft.com/office/powerpoint/2010/main" val="779288040"/>
+      </p:ext>
+    </p:extLst>
+  </p:cSld>
+  <p:clrMapOvr>
+    <a:masterClrMapping/>
+  </p:clrMapOvr>
+  <p:timing>
+    <p:tnLst>
+      <p:par>
+        <p:cTn id="1" dur="indefinite" restart="never" nodeType="tmRoot"/>
+      </p:par>
+    </p:tnLst>
+  </p:timing>
 </p:sld>
 </file>
 

--- a/Outline.pptx
+++ b/Outline.pptx
@@ -4,15 +4,21 @@
   <p:sldMasterIdLst>
     <p:sldMasterId id="2147483648" r:id="rId1"/>
   </p:sldMasterIdLst>
+  <p:notesMasterIdLst>
+    <p:notesMasterId r:id="rId13"/>
+  </p:notesMasterIdLst>
   <p:sldIdLst>
     <p:sldId id="260" r:id="rId2"/>
     <p:sldId id="258" r:id="rId3"/>
     <p:sldId id="259" r:id="rId4"/>
     <p:sldId id="256" r:id="rId5"/>
-    <p:sldId id="262" r:id="rId6"/>
-    <p:sldId id="261" r:id="rId7"/>
-    <p:sldId id="263" r:id="rId8"/>
-    <p:sldId id="264" r:id="rId9"/>
+    <p:sldId id="267" r:id="rId6"/>
+    <p:sldId id="262" r:id="rId7"/>
+    <p:sldId id="266" r:id="rId8"/>
+    <p:sldId id="261" r:id="rId9"/>
+    <p:sldId id="263" r:id="rId10"/>
+    <p:sldId id="264" r:id="rId11"/>
+    <p:sldId id="265" r:id="rId12"/>
   </p:sldIdLst>
   <p:sldSz cx="9144000" cy="6858000" type="screen4x3"/>
   <p:notesSz cx="6858000" cy="9144000"/>
@@ -128,6 +134,1118 @@
     </p:ext>
   </p:extLst>
 </p:presentation>
+</file>
+
+<file path=ppt/notesMasters/notesMaster1.xml><?xml version="1.0" encoding="utf-8"?>
+<p:notesMaster xmlns:a="http://schemas.openxmlformats.org/drawingml/2006/main" xmlns:r="http://schemas.openxmlformats.org/officeDocument/2006/relationships" xmlns:p="http://schemas.openxmlformats.org/presentationml/2006/main">
+  <p:cSld>
+    <p:bg>
+      <p:bgRef idx="1001">
+        <a:schemeClr val="bg1"/>
+      </p:bgRef>
+    </p:bg>
+    <p:spTree>
+      <p:nvGrpSpPr>
+        <p:cNvPr id="1" name=""/>
+        <p:cNvGrpSpPr/>
+        <p:nvPr/>
+      </p:nvGrpSpPr>
+      <p:grpSpPr>
+        <a:xfrm>
+          <a:off x="0" y="0"/>
+          <a:ext cx="0" cy="0"/>
+          <a:chOff x="0" y="0"/>
+          <a:chExt cx="0" cy="0"/>
+        </a:xfrm>
+      </p:grpSpPr>
+      <p:sp>
+        <p:nvSpPr>
+          <p:cNvPr id="2" name="Header Placeholder 1"/>
+          <p:cNvSpPr>
+            <a:spLocks noGrp="1"/>
+          </p:cNvSpPr>
+          <p:nvPr>
+            <p:ph type="hdr" sz="quarter"/>
+          </p:nvPr>
+        </p:nvSpPr>
+        <p:spPr>
+          <a:xfrm>
+            <a:off x="0" y="0"/>
+            <a:ext cx="2971800" cy="458788"/>
+          </a:xfrm>
+          <a:prstGeom prst="rect">
+            <a:avLst/>
+          </a:prstGeom>
+        </p:spPr>
+        <p:txBody>
+          <a:bodyPr vert="horz" lIns="91440" tIns="45720" rIns="91440" bIns="45720" rtlCol="0"/>
+          <a:lstStyle>
+            <a:lvl1pPr algn="l">
+              <a:defRPr sz="1200"/>
+            </a:lvl1pPr>
+          </a:lstStyle>
+          <a:p>
+            <a:endParaRPr lang="en-US"/>
+          </a:p>
+        </p:txBody>
+      </p:sp>
+      <p:sp>
+        <p:nvSpPr>
+          <p:cNvPr id="3" name="Date Placeholder 2"/>
+          <p:cNvSpPr>
+            <a:spLocks noGrp="1"/>
+          </p:cNvSpPr>
+          <p:nvPr>
+            <p:ph type="dt" idx="1"/>
+          </p:nvPr>
+        </p:nvSpPr>
+        <p:spPr>
+          <a:xfrm>
+            <a:off x="3884613" y="0"/>
+            <a:ext cx="2971800" cy="458788"/>
+          </a:xfrm>
+          <a:prstGeom prst="rect">
+            <a:avLst/>
+          </a:prstGeom>
+        </p:spPr>
+        <p:txBody>
+          <a:bodyPr vert="horz" lIns="91440" tIns="45720" rIns="91440" bIns="45720" rtlCol="0"/>
+          <a:lstStyle>
+            <a:lvl1pPr algn="r">
+              <a:defRPr sz="1200"/>
+            </a:lvl1pPr>
+          </a:lstStyle>
+          <a:p>
+            <a:fld id="{030CD7A8-4ACD-483A-B68D-DD0DCB121A8F}" type="datetimeFigureOut">
+              <a:rPr lang="en-US" smtClean="0"/>
+              <a:t>7/3/2019</a:t>
+            </a:fld>
+            <a:endParaRPr lang="en-US"/>
+          </a:p>
+        </p:txBody>
+      </p:sp>
+      <p:sp>
+        <p:nvSpPr>
+          <p:cNvPr id="4" name="Slide Image Placeholder 3"/>
+          <p:cNvSpPr>
+            <a:spLocks noGrp="1" noRot="1" noChangeAspect="1"/>
+          </p:cNvSpPr>
+          <p:nvPr>
+            <p:ph type="sldImg" idx="2"/>
+          </p:nvPr>
+        </p:nvSpPr>
+        <p:spPr>
+          <a:xfrm>
+            <a:off x="1371600" y="1143000"/>
+            <a:ext cx="4114800" cy="3086100"/>
+          </a:xfrm>
+          <a:prstGeom prst="rect">
+            <a:avLst/>
+          </a:prstGeom>
+          <a:noFill/>
+          <a:ln w="12700">
+            <a:solidFill>
+              <a:prstClr val="black"/>
+            </a:solidFill>
+          </a:ln>
+        </p:spPr>
+        <p:txBody>
+          <a:bodyPr vert="horz" lIns="91440" tIns="45720" rIns="91440" bIns="45720" rtlCol="0" anchor="ctr"/>
+          <a:lstStyle/>
+          <a:p>
+            <a:endParaRPr lang="en-US"/>
+          </a:p>
+        </p:txBody>
+      </p:sp>
+      <p:sp>
+        <p:nvSpPr>
+          <p:cNvPr id="5" name="Notes Placeholder 4"/>
+          <p:cNvSpPr>
+            <a:spLocks noGrp="1"/>
+          </p:cNvSpPr>
+          <p:nvPr>
+            <p:ph type="body" sz="quarter" idx="3"/>
+          </p:nvPr>
+        </p:nvSpPr>
+        <p:spPr>
+          <a:xfrm>
+            <a:off x="685800" y="4400550"/>
+            <a:ext cx="5486400" cy="3600450"/>
+          </a:xfrm>
+          <a:prstGeom prst="rect">
+            <a:avLst/>
+          </a:prstGeom>
+        </p:spPr>
+        <p:txBody>
+          <a:bodyPr vert="horz" lIns="91440" tIns="45720" rIns="91440" bIns="45720" rtlCol="0"/>
+          <a:lstStyle/>
+          <a:p>
+            <a:pPr lvl="0"/>
+            <a:r>
+              <a:rPr lang="en-US" smtClean="0"/>
+              <a:t>Click to edit Master text styles</a:t>
+            </a:r>
+          </a:p>
+          <a:p>
+            <a:pPr lvl="1"/>
+            <a:r>
+              <a:rPr lang="en-US" smtClean="0"/>
+              <a:t>Second level</a:t>
+            </a:r>
+          </a:p>
+          <a:p>
+            <a:pPr lvl="2"/>
+            <a:r>
+              <a:rPr lang="en-US" smtClean="0"/>
+              <a:t>Third level</a:t>
+            </a:r>
+          </a:p>
+          <a:p>
+            <a:pPr lvl="3"/>
+            <a:r>
+              <a:rPr lang="en-US" smtClean="0"/>
+              <a:t>Fourth level</a:t>
+            </a:r>
+          </a:p>
+          <a:p>
+            <a:pPr lvl="4"/>
+            <a:r>
+              <a:rPr lang="en-US" smtClean="0"/>
+              <a:t>Fifth level</a:t>
+            </a:r>
+            <a:endParaRPr lang="en-US"/>
+          </a:p>
+        </p:txBody>
+      </p:sp>
+      <p:sp>
+        <p:nvSpPr>
+          <p:cNvPr id="6" name="Footer Placeholder 5"/>
+          <p:cNvSpPr>
+            <a:spLocks noGrp="1"/>
+          </p:cNvSpPr>
+          <p:nvPr>
+            <p:ph type="ftr" sz="quarter" idx="4"/>
+          </p:nvPr>
+        </p:nvSpPr>
+        <p:spPr>
+          <a:xfrm>
+            <a:off x="0" y="8685213"/>
+            <a:ext cx="2971800" cy="458787"/>
+          </a:xfrm>
+          <a:prstGeom prst="rect">
+            <a:avLst/>
+          </a:prstGeom>
+        </p:spPr>
+        <p:txBody>
+          <a:bodyPr vert="horz" lIns="91440" tIns="45720" rIns="91440" bIns="45720" rtlCol="0" anchor="b"/>
+          <a:lstStyle>
+            <a:lvl1pPr algn="l">
+              <a:defRPr sz="1200"/>
+            </a:lvl1pPr>
+          </a:lstStyle>
+          <a:p>
+            <a:endParaRPr lang="en-US"/>
+          </a:p>
+        </p:txBody>
+      </p:sp>
+      <p:sp>
+        <p:nvSpPr>
+          <p:cNvPr id="7" name="Slide Number Placeholder 6"/>
+          <p:cNvSpPr>
+            <a:spLocks noGrp="1"/>
+          </p:cNvSpPr>
+          <p:nvPr>
+            <p:ph type="sldNum" sz="quarter" idx="5"/>
+          </p:nvPr>
+        </p:nvSpPr>
+        <p:spPr>
+          <a:xfrm>
+            <a:off x="3884613" y="8685213"/>
+            <a:ext cx="2971800" cy="458787"/>
+          </a:xfrm>
+          <a:prstGeom prst="rect">
+            <a:avLst/>
+          </a:prstGeom>
+        </p:spPr>
+        <p:txBody>
+          <a:bodyPr vert="horz" lIns="91440" tIns="45720" rIns="91440" bIns="45720" rtlCol="0" anchor="b"/>
+          <a:lstStyle>
+            <a:lvl1pPr algn="r">
+              <a:defRPr sz="1200"/>
+            </a:lvl1pPr>
+          </a:lstStyle>
+          <a:p>
+            <a:fld id="{BD204984-C8E0-4A36-ACA8-0903ABDD621F}" type="slidenum">
+              <a:rPr lang="en-US" smtClean="0"/>
+              <a:t>‹#›</a:t>
+            </a:fld>
+            <a:endParaRPr lang="en-US"/>
+          </a:p>
+        </p:txBody>
+      </p:sp>
+    </p:spTree>
+    <p:extLst>
+      <p:ext uri="{BB962C8B-B14F-4D97-AF65-F5344CB8AC3E}">
+        <p14:creationId xmlns:p14="http://schemas.microsoft.com/office/powerpoint/2010/main" val="1939625044"/>
+      </p:ext>
+    </p:extLst>
+  </p:cSld>
+  <p:clrMap bg1="lt1" tx1="dk1" bg2="lt2" tx2="dk2" accent1="accent1" accent2="accent2" accent3="accent3" accent4="accent4" accent5="accent5" accent6="accent6" hlink="hlink" folHlink="folHlink"/>
+  <p:notesStyle>
+    <a:lvl1pPr marL="0" algn="l" defTabSz="914400" rtl="0" eaLnBrk="1" latinLnBrk="0" hangingPunct="1">
+      <a:defRPr sz="1200" kern="1200">
+        <a:solidFill>
+          <a:schemeClr val="tx1"/>
+        </a:solidFill>
+        <a:latin typeface="+mn-lt"/>
+        <a:ea typeface="+mn-ea"/>
+        <a:cs typeface="+mn-cs"/>
+      </a:defRPr>
+    </a:lvl1pPr>
+    <a:lvl2pPr marL="457200" algn="l" defTabSz="914400" rtl="0" eaLnBrk="1" latinLnBrk="0" hangingPunct="1">
+      <a:defRPr sz="1200" kern="1200">
+        <a:solidFill>
+          <a:schemeClr val="tx1"/>
+        </a:solidFill>
+        <a:latin typeface="+mn-lt"/>
+        <a:ea typeface="+mn-ea"/>
+        <a:cs typeface="+mn-cs"/>
+      </a:defRPr>
+    </a:lvl2pPr>
+    <a:lvl3pPr marL="914400" algn="l" defTabSz="914400" rtl="0" eaLnBrk="1" latinLnBrk="0" hangingPunct="1">
+      <a:defRPr sz="1200" kern="1200">
+        <a:solidFill>
+          <a:schemeClr val="tx1"/>
+        </a:solidFill>
+        <a:latin typeface="+mn-lt"/>
+        <a:ea typeface="+mn-ea"/>
+        <a:cs typeface="+mn-cs"/>
+      </a:defRPr>
+    </a:lvl3pPr>
+    <a:lvl4pPr marL="1371600" algn="l" defTabSz="914400" rtl="0" eaLnBrk="1" latinLnBrk="0" hangingPunct="1">
+      <a:defRPr sz="1200" kern="1200">
+        <a:solidFill>
+          <a:schemeClr val="tx1"/>
+        </a:solidFill>
+        <a:latin typeface="+mn-lt"/>
+        <a:ea typeface="+mn-ea"/>
+        <a:cs typeface="+mn-cs"/>
+      </a:defRPr>
+    </a:lvl4pPr>
+    <a:lvl5pPr marL="1828800" algn="l" defTabSz="914400" rtl="0" eaLnBrk="1" latinLnBrk="0" hangingPunct="1">
+      <a:defRPr sz="1200" kern="1200">
+        <a:solidFill>
+          <a:schemeClr val="tx1"/>
+        </a:solidFill>
+        <a:latin typeface="+mn-lt"/>
+        <a:ea typeface="+mn-ea"/>
+        <a:cs typeface="+mn-cs"/>
+      </a:defRPr>
+    </a:lvl5pPr>
+    <a:lvl6pPr marL="2286000" algn="l" defTabSz="914400" rtl="0" eaLnBrk="1" latinLnBrk="0" hangingPunct="1">
+      <a:defRPr sz="1200" kern="1200">
+        <a:solidFill>
+          <a:schemeClr val="tx1"/>
+        </a:solidFill>
+        <a:latin typeface="+mn-lt"/>
+        <a:ea typeface="+mn-ea"/>
+        <a:cs typeface="+mn-cs"/>
+      </a:defRPr>
+    </a:lvl6pPr>
+    <a:lvl7pPr marL="2743200" algn="l" defTabSz="914400" rtl="0" eaLnBrk="1" latinLnBrk="0" hangingPunct="1">
+      <a:defRPr sz="1200" kern="1200">
+        <a:solidFill>
+          <a:schemeClr val="tx1"/>
+        </a:solidFill>
+        <a:latin typeface="+mn-lt"/>
+        <a:ea typeface="+mn-ea"/>
+        <a:cs typeface="+mn-cs"/>
+      </a:defRPr>
+    </a:lvl7pPr>
+    <a:lvl8pPr marL="3200400" algn="l" defTabSz="914400" rtl="0" eaLnBrk="1" latinLnBrk="0" hangingPunct="1">
+      <a:defRPr sz="1200" kern="1200">
+        <a:solidFill>
+          <a:schemeClr val="tx1"/>
+        </a:solidFill>
+        <a:latin typeface="+mn-lt"/>
+        <a:ea typeface="+mn-ea"/>
+        <a:cs typeface="+mn-cs"/>
+      </a:defRPr>
+    </a:lvl8pPr>
+    <a:lvl9pPr marL="3657600" algn="l" defTabSz="914400" rtl="0" eaLnBrk="1" latinLnBrk="0" hangingPunct="1">
+      <a:defRPr sz="1200" kern="1200">
+        <a:solidFill>
+          <a:schemeClr val="tx1"/>
+        </a:solidFill>
+        <a:latin typeface="+mn-lt"/>
+        <a:ea typeface="+mn-ea"/>
+        <a:cs typeface="+mn-cs"/>
+      </a:defRPr>
+    </a:lvl9pPr>
+  </p:notesStyle>
+</p:notesMaster>
+</file>
+
+<file path=ppt/notesSlides/notesSlide1.xml><?xml version="1.0" encoding="utf-8"?>
+<p:notes xmlns:a="http://schemas.openxmlformats.org/drawingml/2006/main" xmlns:r="http://schemas.openxmlformats.org/officeDocument/2006/relationships" xmlns:p="http://schemas.openxmlformats.org/presentationml/2006/main">
+  <p:cSld>
+    <p:spTree>
+      <p:nvGrpSpPr>
+        <p:cNvPr id="1" name=""/>
+        <p:cNvGrpSpPr/>
+        <p:nvPr/>
+      </p:nvGrpSpPr>
+      <p:grpSpPr>
+        <a:xfrm>
+          <a:off x="0" y="0"/>
+          <a:ext cx="0" cy="0"/>
+          <a:chOff x="0" y="0"/>
+          <a:chExt cx="0" cy="0"/>
+        </a:xfrm>
+      </p:grpSpPr>
+      <p:sp>
+        <p:nvSpPr>
+          <p:cNvPr id="2" name="Slide Image Placeholder 1"/>
+          <p:cNvSpPr>
+            <a:spLocks noGrp="1" noRot="1" noChangeAspect="1"/>
+          </p:cNvSpPr>
+          <p:nvPr>
+            <p:ph type="sldImg"/>
+          </p:nvPr>
+        </p:nvSpPr>
+        <p:spPr/>
+      </p:sp>
+      <p:sp>
+        <p:nvSpPr>
+          <p:cNvPr id="3" name="Notes Placeholder 2"/>
+          <p:cNvSpPr>
+            <a:spLocks noGrp="1"/>
+          </p:cNvSpPr>
+          <p:nvPr>
+            <p:ph type="body" idx="1"/>
+          </p:nvPr>
+        </p:nvSpPr>
+        <p:spPr/>
+        <p:txBody>
+          <a:bodyPr/>
+          <a:lstStyle/>
+          <a:p>
+            <a:r>
+              <a:rPr lang="en-US" dirty="0" smtClean="0"/>
+              <a:t>Choose type of activity:</a:t>
+            </a:r>
+            <a:r>
+              <a:rPr lang="en-US" baseline="0" dirty="0" smtClean="0"/>
+              <a:t> run, bike, swim, strength, other</a:t>
+            </a:r>
+          </a:p>
+          <a:p>
+            <a:r>
+              <a:rPr lang="en-US" baseline="0" dirty="0" smtClean="0"/>
+              <a:t>Click redirects to appropriate page</a:t>
+            </a:r>
+          </a:p>
+          <a:p>
+            <a:endParaRPr lang="en-US" baseline="0" dirty="0" smtClean="0"/>
+          </a:p>
+        </p:txBody>
+      </p:sp>
+      <p:sp>
+        <p:nvSpPr>
+          <p:cNvPr id="4" name="Slide Number Placeholder 3"/>
+          <p:cNvSpPr>
+            <a:spLocks noGrp="1"/>
+          </p:cNvSpPr>
+          <p:nvPr>
+            <p:ph type="sldNum" sz="quarter" idx="10"/>
+          </p:nvPr>
+        </p:nvSpPr>
+        <p:spPr/>
+        <p:txBody>
+          <a:bodyPr/>
+          <a:lstStyle/>
+          <a:p>
+            <a:fld id="{BD204984-C8E0-4A36-ACA8-0903ABDD621F}" type="slidenum">
+              <a:rPr lang="en-US" smtClean="0"/>
+              <a:t>6</a:t>
+            </a:fld>
+            <a:endParaRPr lang="en-US"/>
+          </a:p>
+        </p:txBody>
+      </p:sp>
+    </p:spTree>
+    <p:extLst>
+      <p:ext uri="{BB962C8B-B14F-4D97-AF65-F5344CB8AC3E}">
+        <p14:creationId xmlns:p14="http://schemas.microsoft.com/office/powerpoint/2010/main" val="2308089808"/>
+      </p:ext>
+    </p:extLst>
+  </p:cSld>
+  <p:clrMapOvr>
+    <a:masterClrMapping/>
+  </p:clrMapOvr>
+</p:notes>
+</file>
+
+<file path=ppt/notesSlides/notesSlide2.xml><?xml version="1.0" encoding="utf-8"?>
+<p:notes xmlns:a="http://schemas.openxmlformats.org/drawingml/2006/main" xmlns:r="http://schemas.openxmlformats.org/officeDocument/2006/relationships" xmlns:p="http://schemas.openxmlformats.org/presentationml/2006/main">
+  <p:cSld>
+    <p:spTree>
+      <p:nvGrpSpPr>
+        <p:cNvPr id="1" name=""/>
+        <p:cNvGrpSpPr/>
+        <p:nvPr/>
+      </p:nvGrpSpPr>
+      <p:grpSpPr>
+        <a:xfrm>
+          <a:off x="0" y="0"/>
+          <a:ext cx="0" cy="0"/>
+          <a:chOff x="0" y="0"/>
+          <a:chExt cx="0" cy="0"/>
+        </a:xfrm>
+      </p:grpSpPr>
+      <p:sp>
+        <p:nvSpPr>
+          <p:cNvPr id="2" name="Slide Image Placeholder 1"/>
+          <p:cNvSpPr>
+            <a:spLocks noGrp="1" noRot="1" noChangeAspect="1"/>
+          </p:cNvSpPr>
+          <p:nvPr>
+            <p:ph type="sldImg"/>
+          </p:nvPr>
+        </p:nvSpPr>
+        <p:spPr/>
+      </p:sp>
+      <p:sp>
+        <p:nvSpPr>
+          <p:cNvPr id="3" name="Notes Placeholder 2"/>
+          <p:cNvSpPr>
+            <a:spLocks noGrp="1"/>
+          </p:cNvSpPr>
+          <p:nvPr>
+            <p:ph type="body" idx="1"/>
+          </p:nvPr>
+        </p:nvSpPr>
+        <p:spPr/>
+        <p:txBody>
+          <a:bodyPr/>
+          <a:lstStyle/>
+          <a:p>
+            <a:r>
+              <a:rPr lang="en-US" baseline="0" dirty="0" smtClean="0"/>
+              <a:t>Run: Date, Distance, Total Time, Location, Primary Surface, Weather, Climb, Elevation, Max./Avg. Heart Rate, Avg. Grade, Shoes Worn, Notes, Link to Map</a:t>
+            </a:r>
+          </a:p>
+          <a:p>
+            <a:r>
+              <a:rPr lang="en-US" baseline="0" dirty="0" smtClean="0"/>
+              <a:t>Bike: Date, Distance, Total Time, Location, Primary Surface, Weather, Climb, Descent, Elevation, Max./Avg. Heart Rate, Avg. Grade, Bike Used, Notes, Link to Map</a:t>
+            </a:r>
+          </a:p>
+          <a:p>
+            <a:r>
+              <a:rPr lang="en-US" baseline="0" dirty="0" smtClean="0"/>
+              <a:t>Swim: Date, Distance, Total Time, Location, Type of Water, Laps, Max./Avg. Heart Rate, Strokes, Notes</a:t>
+            </a:r>
+          </a:p>
+          <a:p>
+            <a:r>
+              <a:rPr lang="en-US" baseline="0" dirty="0" smtClean="0"/>
+              <a:t>Strength: Date, Type of Workout, Exercise Name, Reps, Sets, Weight, Rest, Super Set, Interval, Notes, Max./Avg. Heart Rate overall, generator workout?, total duration</a:t>
+            </a:r>
+          </a:p>
+          <a:p>
+            <a:endParaRPr lang="en-US" baseline="0" dirty="0" smtClean="0"/>
+          </a:p>
+        </p:txBody>
+      </p:sp>
+      <p:sp>
+        <p:nvSpPr>
+          <p:cNvPr id="4" name="Slide Number Placeholder 3"/>
+          <p:cNvSpPr>
+            <a:spLocks noGrp="1"/>
+          </p:cNvSpPr>
+          <p:nvPr>
+            <p:ph type="sldNum" sz="quarter" idx="10"/>
+          </p:nvPr>
+        </p:nvSpPr>
+        <p:spPr/>
+        <p:txBody>
+          <a:bodyPr/>
+          <a:lstStyle/>
+          <a:p>
+            <a:fld id="{BD204984-C8E0-4A36-ACA8-0903ABDD621F}" type="slidenum">
+              <a:rPr lang="en-US" smtClean="0"/>
+              <a:t>7</a:t>
+            </a:fld>
+            <a:endParaRPr lang="en-US"/>
+          </a:p>
+        </p:txBody>
+      </p:sp>
+    </p:spTree>
+    <p:extLst>
+      <p:ext uri="{BB962C8B-B14F-4D97-AF65-F5344CB8AC3E}">
+        <p14:creationId xmlns:p14="http://schemas.microsoft.com/office/powerpoint/2010/main" val="1756014844"/>
+      </p:ext>
+    </p:extLst>
+  </p:cSld>
+  <p:clrMapOvr>
+    <a:masterClrMapping/>
+  </p:clrMapOvr>
+</p:notes>
+</file>
+
+<file path=ppt/notesSlides/notesSlide3.xml><?xml version="1.0" encoding="utf-8"?>
+<p:notes xmlns:a="http://schemas.openxmlformats.org/drawingml/2006/main" xmlns:r="http://schemas.openxmlformats.org/officeDocument/2006/relationships" xmlns:p="http://schemas.openxmlformats.org/presentationml/2006/main">
+  <p:cSld>
+    <p:spTree>
+      <p:nvGrpSpPr>
+        <p:cNvPr id="1" name=""/>
+        <p:cNvGrpSpPr/>
+        <p:nvPr/>
+      </p:nvGrpSpPr>
+      <p:grpSpPr>
+        <a:xfrm>
+          <a:off x="0" y="0"/>
+          <a:ext cx="0" cy="0"/>
+          <a:chOff x="0" y="0"/>
+          <a:chExt cx="0" cy="0"/>
+        </a:xfrm>
+      </p:grpSpPr>
+      <p:sp>
+        <p:nvSpPr>
+          <p:cNvPr id="2" name="Slide Image Placeholder 1"/>
+          <p:cNvSpPr>
+            <a:spLocks noGrp="1" noRot="1" noChangeAspect="1"/>
+          </p:cNvSpPr>
+          <p:nvPr>
+            <p:ph type="sldImg"/>
+          </p:nvPr>
+        </p:nvSpPr>
+        <p:spPr/>
+      </p:sp>
+      <p:sp>
+        <p:nvSpPr>
+          <p:cNvPr id="3" name="Notes Placeholder 2"/>
+          <p:cNvSpPr>
+            <a:spLocks noGrp="1"/>
+          </p:cNvSpPr>
+          <p:nvPr>
+            <p:ph type="body" idx="1"/>
+          </p:nvPr>
+        </p:nvSpPr>
+        <p:spPr/>
+        <p:txBody>
+          <a:bodyPr/>
+          <a:lstStyle/>
+          <a:p>
+            <a:r>
+              <a:rPr lang="en-US" sz="1200" dirty="0" smtClean="0"/>
+              <a:t>Generator: generates randomized workouts given user input parameters</a:t>
+            </a:r>
+          </a:p>
+          <a:p>
+            <a:pPr marL="171450" indent="-171450">
+              <a:buFont typeface="Arial" panose="020B0604020202020204" pitchFamily="34" charset="0"/>
+              <a:buChar char="•"/>
+            </a:pPr>
+            <a:r>
+              <a:rPr lang="en-US" sz="1200" dirty="0" smtClean="0"/>
+              <a:t>User can select the exercise equipment they own: kettle bell, dumbbells, weight vest, pull-up bar, </a:t>
+            </a:r>
+            <a:r>
+              <a:rPr lang="en-US" sz="1200" dirty="0" err="1" smtClean="0"/>
+              <a:t>paralettes</a:t>
+            </a:r>
+            <a:r>
+              <a:rPr lang="en-US" sz="1200" dirty="0" smtClean="0"/>
+              <a:t>, dip rack, ab roller</a:t>
+            </a:r>
+          </a:p>
+          <a:p>
+            <a:pPr marL="171450" indent="-171450">
+              <a:buFont typeface="Arial" panose="020B0604020202020204" pitchFamily="34" charset="0"/>
+              <a:buChar char="•"/>
+            </a:pPr>
+            <a:r>
+              <a:rPr lang="en-US" sz="1200" dirty="0" smtClean="0"/>
+              <a:t>Parameters: desired difficulty, muscle groups to focus on, muscle groups to avoid</a:t>
+            </a:r>
+          </a:p>
+          <a:p>
+            <a:pPr marL="171450" indent="-171450">
+              <a:buFont typeface="Arial" panose="020B0604020202020204" pitchFamily="34" charset="0"/>
+              <a:buChar char="•"/>
+            </a:pPr>
+            <a:r>
+              <a:rPr lang="en-US" sz="1200" dirty="0" smtClean="0"/>
+              <a:t>User can add their own exercises or exclude certain exercises</a:t>
+            </a:r>
+          </a:p>
+          <a:p>
+            <a:pPr marL="171450" indent="-171450">
+              <a:buFont typeface="Arial" panose="020B0604020202020204" pitchFamily="34" charset="0"/>
+              <a:buChar char="•"/>
+            </a:pPr>
+            <a:endParaRPr lang="en-US" sz="1200" dirty="0" smtClean="0"/>
+          </a:p>
+          <a:p>
+            <a:pPr marL="0" indent="0">
+              <a:buFont typeface="Arial" panose="020B0604020202020204" pitchFamily="34" charset="0"/>
+              <a:buNone/>
+            </a:pPr>
+            <a:r>
+              <a:rPr lang="en-US" sz="1200" dirty="0" smtClean="0"/>
+              <a:t>Select</a:t>
+            </a:r>
+            <a:r>
+              <a:rPr lang="en-US" sz="1200" baseline="0" dirty="0" smtClean="0"/>
+              <a:t> Equipment: default = none</a:t>
+            </a:r>
+          </a:p>
+          <a:p>
+            <a:pPr marL="0" indent="0">
+              <a:buFont typeface="Arial" panose="020B0604020202020204" pitchFamily="34" charset="0"/>
+              <a:buNone/>
+            </a:pPr>
+            <a:r>
+              <a:rPr lang="en-US" sz="1200" baseline="0" dirty="0" smtClean="0"/>
+              <a:t>Select Difficulty (Baby, Easy, Average, Superior, Superman, Rogan, </a:t>
+            </a:r>
+            <a:r>
+              <a:rPr lang="en-US" sz="1200" baseline="0" dirty="0" err="1" smtClean="0"/>
+              <a:t>Goggins</a:t>
+            </a:r>
+            <a:r>
+              <a:rPr lang="en-US" sz="1200" baseline="0" dirty="0" smtClean="0"/>
+              <a:t>)</a:t>
+            </a:r>
+          </a:p>
+          <a:p>
+            <a:pPr marL="0" indent="0">
+              <a:buFont typeface="Arial" panose="020B0604020202020204" pitchFamily="34" charset="0"/>
+              <a:buNone/>
+            </a:pPr>
+            <a:r>
+              <a:rPr lang="en-US" sz="1200" baseline="0" dirty="0" smtClean="0"/>
+              <a:t>Calculate difficulty based on number of sets and reps</a:t>
+            </a:r>
+          </a:p>
+          <a:p>
+            <a:pPr marL="0" indent="0">
+              <a:buFont typeface="Arial" panose="020B0604020202020204" pitchFamily="34" charset="0"/>
+              <a:buNone/>
+            </a:pPr>
+            <a:r>
+              <a:rPr lang="en-US" sz="1200" baseline="0" dirty="0" smtClean="0"/>
+              <a:t>Add/remove muscle groups: arms, legs, abs, chest, back, default</a:t>
+            </a:r>
+          </a:p>
+          <a:p>
+            <a:pPr marL="0" marR="0" lvl="0" indent="0" algn="l" defTabSz="914400" rtl="0" eaLnBrk="1" fontAlgn="auto" latinLnBrk="0" hangingPunct="1">
+              <a:lnSpc>
+                <a:spcPct val="100000"/>
+              </a:lnSpc>
+              <a:spcBef>
+                <a:spcPts val="0"/>
+              </a:spcBef>
+              <a:spcAft>
+                <a:spcPts val="0"/>
+              </a:spcAft>
+              <a:buClrTx/>
+              <a:buSzTx/>
+              <a:buFont typeface="Arial" panose="020B0604020202020204" pitchFamily="34" charset="0"/>
+              <a:buNone/>
+              <a:tabLst/>
+              <a:defRPr/>
+            </a:pPr>
+            <a:r>
+              <a:rPr lang="en-US" sz="1200" baseline="0" dirty="0" smtClean="0"/>
+              <a:t>Have a timer on page, option for laps upon set completion?</a:t>
+            </a:r>
+          </a:p>
+          <a:p>
+            <a:pPr marL="0" indent="0">
+              <a:buFont typeface="Arial" panose="020B0604020202020204" pitchFamily="34" charset="0"/>
+              <a:buNone/>
+            </a:pPr>
+            <a:r>
+              <a:rPr lang="en-US" sz="1200" baseline="0" dirty="0" smtClean="0"/>
+              <a:t>Generate button -&gt; Complete button</a:t>
+            </a:r>
+          </a:p>
+          <a:p>
+            <a:pPr marL="0" indent="0">
+              <a:buFont typeface="Arial" panose="020B0604020202020204" pitchFamily="34" charset="0"/>
+              <a:buNone/>
+            </a:pPr>
+            <a:r>
+              <a:rPr lang="en-US" sz="1200" baseline="0" dirty="0" smtClean="0"/>
+              <a:t>Complete button -&gt; submit workout to database</a:t>
+            </a:r>
+          </a:p>
+          <a:p>
+            <a:pPr marL="0" indent="0">
+              <a:buFont typeface="Arial" panose="020B0604020202020204" pitchFamily="34" charset="0"/>
+              <a:buNone/>
+            </a:pPr>
+            <a:endParaRPr lang="en-US" sz="1200" baseline="0" dirty="0" smtClean="0"/>
+          </a:p>
+          <a:p>
+            <a:pPr marL="0" indent="0">
+              <a:buFont typeface="Arial" panose="020B0604020202020204" pitchFamily="34" charset="0"/>
+              <a:buNone/>
+            </a:pPr>
+            <a:endParaRPr lang="en-US" sz="1200" baseline="0" dirty="0" smtClean="0"/>
+          </a:p>
+        </p:txBody>
+      </p:sp>
+      <p:sp>
+        <p:nvSpPr>
+          <p:cNvPr id="4" name="Slide Number Placeholder 3"/>
+          <p:cNvSpPr>
+            <a:spLocks noGrp="1"/>
+          </p:cNvSpPr>
+          <p:nvPr>
+            <p:ph type="sldNum" sz="quarter" idx="10"/>
+          </p:nvPr>
+        </p:nvSpPr>
+        <p:spPr/>
+        <p:txBody>
+          <a:bodyPr/>
+          <a:lstStyle/>
+          <a:p>
+            <a:fld id="{BD204984-C8E0-4A36-ACA8-0903ABDD621F}" type="slidenum">
+              <a:rPr lang="en-US" smtClean="0"/>
+              <a:t>8</a:t>
+            </a:fld>
+            <a:endParaRPr lang="en-US"/>
+          </a:p>
+        </p:txBody>
+      </p:sp>
+    </p:spTree>
+    <p:extLst>
+      <p:ext uri="{BB962C8B-B14F-4D97-AF65-F5344CB8AC3E}">
+        <p14:creationId xmlns:p14="http://schemas.microsoft.com/office/powerpoint/2010/main" val="2365851148"/>
+      </p:ext>
+    </p:extLst>
+  </p:cSld>
+  <p:clrMapOvr>
+    <a:masterClrMapping/>
+  </p:clrMapOvr>
+</p:notes>
+</file>
+
+<file path=ppt/notesSlides/notesSlide4.xml><?xml version="1.0" encoding="utf-8"?>
+<p:notes xmlns:a="http://schemas.openxmlformats.org/drawingml/2006/main" xmlns:r="http://schemas.openxmlformats.org/officeDocument/2006/relationships" xmlns:p="http://schemas.openxmlformats.org/presentationml/2006/main">
+  <p:cSld>
+    <p:spTree>
+      <p:nvGrpSpPr>
+        <p:cNvPr id="1" name=""/>
+        <p:cNvGrpSpPr/>
+        <p:nvPr/>
+      </p:nvGrpSpPr>
+      <p:grpSpPr>
+        <a:xfrm>
+          <a:off x="0" y="0"/>
+          <a:ext cx="0" cy="0"/>
+          <a:chOff x="0" y="0"/>
+          <a:chExt cx="0" cy="0"/>
+        </a:xfrm>
+      </p:grpSpPr>
+      <p:sp>
+        <p:nvSpPr>
+          <p:cNvPr id="2" name="Slide Image Placeholder 1"/>
+          <p:cNvSpPr>
+            <a:spLocks noGrp="1" noRot="1" noChangeAspect="1"/>
+          </p:cNvSpPr>
+          <p:nvPr>
+            <p:ph type="sldImg"/>
+          </p:nvPr>
+        </p:nvSpPr>
+        <p:spPr/>
+      </p:sp>
+      <p:sp>
+        <p:nvSpPr>
+          <p:cNvPr id="3" name="Notes Placeholder 2"/>
+          <p:cNvSpPr>
+            <a:spLocks noGrp="1"/>
+          </p:cNvSpPr>
+          <p:nvPr>
+            <p:ph type="body" idx="1"/>
+          </p:nvPr>
+        </p:nvSpPr>
+        <p:spPr/>
+        <p:txBody>
+          <a:bodyPr/>
+          <a:lstStyle/>
+          <a:p>
+            <a:r>
+              <a:rPr lang="en-US" dirty="0" smtClean="0"/>
+              <a:t>Scalable</a:t>
+            </a:r>
+            <a:r>
+              <a:rPr lang="en-US" baseline="0" dirty="0" smtClean="0"/>
+              <a:t> graph showing miles run</a:t>
+            </a:r>
+          </a:p>
+          <a:p>
+            <a:r>
+              <a:rPr lang="en-US" dirty="0" smtClean="0"/>
+              <a:t>View: streaks, all workouts, your workouts, runs, bikes, swims,</a:t>
+            </a:r>
+            <a:r>
+              <a:rPr lang="en-US" baseline="0" dirty="0" smtClean="0"/>
+              <a:t> strength, push-ups, pull-ups</a:t>
+            </a:r>
+            <a:endParaRPr lang="en-US" dirty="0"/>
+          </a:p>
+        </p:txBody>
+      </p:sp>
+      <p:sp>
+        <p:nvSpPr>
+          <p:cNvPr id="4" name="Slide Number Placeholder 3"/>
+          <p:cNvSpPr>
+            <a:spLocks noGrp="1"/>
+          </p:cNvSpPr>
+          <p:nvPr>
+            <p:ph type="sldNum" sz="quarter" idx="10"/>
+          </p:nvPr>
+        </p:nvSpPr>
+        <p:spPr/>
+        <p:txBody>
+          <a:bodyPr/>
+          <a:lstStyle/>
+          <a:p>
+            <a:fld id="{BD204984-C8E0-4A36-ACA8-0903ABDD621F}" type="slidenum">
+              <a:rPr lang="en-US" smtClean="0"/>
+              <a:t>9</a:t>
+            </a:fld>
+            <a:endParaRPr lang="en-US"/>
+          </a:p>
+        </p:txBody>
+      </p:sp>
+    </p:spTree>
+    <p:extLst>
+      <p:ext uri="{BB962C8B-B14F-4D97-AF65-F5344CB8AC3E}">
+        <p14:creationId xmlns:p14="http://schemas.microsoft.com/office/powerpoint/2010/main" val="293978876"/>
+      </p:ext>
+    </p:extLst>
+  </p:cSld>
+  <p:clrMapOvr>
+    <a:masterClrMapping/>
+  </p:clrMapOvr>
+</p:notes>
+</file>
+
+<file path=ppt/notesSlides/notesSlide5.xml><?xml version="1.0" encoding="utf-8"?>
+<p:notes xmlns:a="http://schemas.openxmlformats.org/drawingml/2006/main" xmlns:r="http://schemas.openxmlformats.org/officeDocument/2006/relationships" xmlns:p="http://schemas.openxmlformats.org/presentationml/2006/main">
+  <p:cSld>
+    <p:spTree>
+      <p:nvGrpSpPr>
+        <p:cNvPr id="1" name=""/>
+        <p:cNvGrpSpPr/>
+        <p:nvPr/>
+      </p:nvGrpSpPr>
+      <p:grpSpPr>
+        <a:xfrm>
+          <a:off x="0" y="0"/>
+          <a:ext cx="0" cy="0"/>
+          <a:chOff x="0" y="0"/>
+          <a:chExt cx="0" cy="0"/>
+        </a:xfrm>
+      </p:grpSpPr>
+      <p:sp>
+        <p:nvSpPr>
+          <p:cNvPr id="2" name="Slide Image Placeholder 1"/>
+          <p:cNvSpPr>
+            <a:spLocks noGrp="1" noRot="1" noChangeAspect="1"/>
+          </p:cNvSpPr>
+          <p:nvPr>
+            <p:ph type="sldImg"/>
+          </p:nvPr>
+        </p:nvSpPr>
+        <p:spPr/>
+      </p:sp>
+      <p:sp>
+        <p:nvSpPr>
+          <p:cNvPr id="3" name="Notes Placeholder 2"/>
+          <p:cNvSpPr>
+            <a:spLocks noGrp="1"/>
+          </p:cNvSpPr>
+          <p:nvPr>
+            <p:ph type="body" idx="1"/>
+          </p:nvPr>
+        </p:nvSpPr>
+        <p:spPr/>
+        <p:txBody>
+          <a:bodyPr/>
+          <a:lstStyle/>
+          <a:p>
+            <a:r>
+              <a:rPr lang="en-US" dirty="0" smtClean="0"/>
+              <a:t>Search for users. </a:t>
+            </a:r>
+          </a:p>
+          <a:p>
+            <a:r>
+              <a:rPr lang="en-US" dirty="0" smtClean="0"/>
+              <a:t>View profile from results. </a:t>
+            </a:r>
+          </a:p>
+          <a:p>
+            <a:r>
+              <a:rPr lang="en-US" dirty="0" smtClean="0"/>
+              <a:t>Follow</a:t>
+            </a:r>
+            <a:r>
+              <a:rPr lang="en-US" baseline="0" dirty="0" smtClean="0"/>
+              <a:t>/unfollow user.</a:t>
+            </a:r>
+            <a:endParaRPr lang="en-US" dirty="0"/>
+          </a:p>
+        </p:txBody>
+      </p:sp>
+      <p:sp>
+        <p:nvSpPr>
+          <p:cNvPr id="4" name="Slide Number Placeholder 3"/>
+          <p:cNvSpPr>
+            <a:spLocks noGrp="1"/>
+          </p:cNvSpPr>
+          <p:nvPr>
+            <p:ph type="sldNum" sz="quarter" idx="10"/>
+          </p:nvPr>
+        </p:nvSpPr>
+        <p:spPr/>
+        <p:txBody>
+          <a:bodyPr/>
+          <a:lstStyle/>
+          <a:p>
+            <a:fld id="{BD204984-C8E0-4A36-ACA8-0903ABDD621F}" type="slidenum">
+              <a:rPr lang="en-US" smtClean="0"/>
+              <a:t>10</a:t>
+            </a:fld>
+            <a:endParaRPr lang="en-US"/>
+          </a:p>
+        </p:txBody>
+      </p:sp>
+    </p:spTree>
+    <p:extLst>
+      <p:ext uri="{BB962C8B-B14F-4D97-AF65-F5344CB8AC3E}">
+        <p14:creationId xmlns:p14="http://schemas.microsoft.com/office/powerpoint/2010/main" val="2881138107"/>
+      </p:ext>
+    </p:extLst>
+  </p:cSld>
+  <p:clrMapOvr>
+    <a:masterClrMapping/>
+  </p:clrMapOvr>
+</p:notes>
+</file>
+
+<file path=ppt/notesSlides/notesSlide6.xml><?xml version="1.0" encoding="utf-8"?>
+<p:notes xmlns:a="http://schemas.openxmlformats.org/drawingml/2006/main" xmlns:r="http://schemas.openxmlformats.org/officeDocument/2006/relationships" xmlns:p="http://schemas.openxmlformats.org/presentationml/2006/main">
+  <p:cSld>
+    <p:spTree>
+      <p:nvGrpSpPr>
+        <p:cNvPr id="1" name=""/>
+        <p:cNvGrpSpPr/>
+        <p:nvPr/>
+      </p:nvGrpSpPr>
+      <p:grpSpPr>
+        <a:xfrm>
+          <a:off x="0" y="0"/>
+          <a:ext cx="0" cy="0"/>
+          <a:chOff x="0" y="0"/>
+          <a:chExt cx="0" cy="0"/>
+        </a:xfrm>
+      </p:grpSpPr>
+      <p:sp>
+        <p:nvSpPr>
+          <p:cNvPr id="2" name="Slide Image Placeholder 1"/>
+          <p:cNvSpPr>
+            <a:spLocks noGrp="1" noRot="1" noChangeAspect="1"/>
+          </p:cNvSpPr>
+          <p:nvPr>
+            <p:ph type="sldImg"/>
+          </p:nvPr>
+        </p:nvSpPr>
+        <p:spPr/>
+      </p:sp>
+      <p:sp>
+        <p:nvSpPr>
+          <p:cNvPr id="3" name="Notes Placeholder 2"/>
+          <p:cNvSpPr>
+            <a:spLocks noGrp="1"/>
+          </p:cNvSpPr>
+          <p:nvPr>
+            <p:ph type="body" idx="1"/>
+          </p:nvPr>
+        </p:nvSpPr>
+        <p:spPr/>
+        <p:txBody>
+          <a:bodyPr/>
+          <a:lstStyle/>
+          <a:p>
+            <a:r>
+              <a:rPr lang="en-US" dirty="0" smtClean="0"/>
+              <a:t>Settings: </a:t>
+            </a:r>
+          </a:p>
+          <a:p>
+            <a:endParaRPr lang="en-US" dirty="0" smtClean="0"/>
+          </a:p>
+          <a:p>
+            <a:r>
+              <a:rPr lang="en-US" dirty="0" smtClean="0"/>
+              <a:t>Logout</a:t>
+            </a:r>
+          </a:p>
+          <a:p>
+            <a:r>
+              <a:rPr lang="en-US" dirty="0" smtClean="0"/>
+              <a:t>Delete</a:t>
+            </a:r>
+            <a:r>
+              <a:rPr lang="en-US" baseline="0" dirty="0" smtClean="0"/>
+              <a:t> Account</a:t>
+            </a:r>
+            <a:endParaRPr lang="en-US" dirty="0"/>
+          </a:p>
+        </p:txBody>
+      </p:sp>
+      <p:sp>
+        <p:nvSpPr>
+          <p:cNvPr id="4" name="Slide Number Placeholder 3"/>
+          <p:cNvSpPr>
+            <a:spLocks noGrp="1"/>
+          </p:cNvSpPr>
+          <p:nvPr>
+            <p:ph type="sldNum" sz="quarter" idx="10"/>
+          </p:nvPr>
+        </p:nvSpPr>
+        <p:spPr/>
+        <p:txBody>
+          <a:bodyPr/>
+          <a:lstStyle/>
+          <a:p>
+            <a:fld id="{BD204984-C8E0-4A36-ACA8-0903ABDD621F}" type="slidenum">
+              <a:rPr lang="en-US" smtClean="0"/>
+              <a:t>11</a:t>
+            </a:fld>
+            <a:endParaRPr lang="en-US"/>
+          </a:p>
+        </p:txBody>
+      </p:sp>
+    </p:spTree>
+    <p:extLst>
+      <p:ext uri="{BB962C8B-B14F-4D97-AF65-F5344CB8AC3E}">
+        <p14:creationId xmlns:p14="http://schemas.microsoft.com/office/powerpoint/2010/main" val="855514300"/>
+      </p:ext>
+    </p:extLst>
+  </p:cSld>
+  <p:clrMapOvr>
+    <a:masterClrMapping/>
+  </p:clrMapOvr>
+</p:notes>
 </file>
 
 <file path=ppt/slideLayouts/slideLayout1.xml><?xml version="1.0" encoding="utf-8"?>
@@ -3421,6 +4539,774 @@
 </p:sld>
 </file>
 
+<file path=ppt/slides/slide10.xml><?xml version="1.0" encoding="utf-8"?>
+<p:sld xmlns:a="http://schemas.openxmlformats.org/drawingml/2006/main" xmlns:r="http://schemas.openxmlformats.org/officeDocument/2006/relationships" xmlns:p="http://schemas.openxmlformats.org/presentationml/2006/main">
+  <p:cSld>
+    <p:spTree>
+      <p:nvGrpSpPr>
+        <p:cNvPr id="1" name=""/>
+        <p:cNvGrpSpPr/>
+        <p:nvPr/>
+      </p:nvGrpSpPr>
+      <p:grpSpPr>
+        <a:xfrm>
+          <a:off x="0" y="0"/>
+          <a:ext cx="0" cy="0"/>
+          <a:chOff x="0" y="0"/>
+          <a:chExt cx="0" cy="0"/>
+        </a:xfrm>
+      </p:grpSpPr>
+      <p:sp>
+        <p:nvSpPr>
+          <p:cNvPr id="5" name="Rectangle 4"/>
+          <p:cNvSpPr/>
+          <p:nvPr/>
+        </p:nvSpPr>
+        <p:spPr>
+          <a:xfrm>
+            <a:off x="0" y="0"/>
+            <a:ext cx="9144000" cy="990600"/>
+          </a:xfrm>
+          <a:prstGeom prst="rect">
+            <a:avLst/>
+          </a:prstGeom>
+        </p:spPr>
+        <p:style>
+          <a:lnRef idx="2">
+            <a:schemeClr val="accent1">
+              <a:shade val="50000"/>
+            </a:schemeClr>
+          </a:lnRef>
+          <a:fillRef idx="1">
+            <a:schemeClr val="accent1"/>
+          </a:fillRef>
+          <a:effectRef idx="0">
+            <a:schemeClr val="accent1"/>
+          </a:effectRef>
+          <a:fontRef idx="minor">
+            <a:schemeClr val="lt1"/>
+          </a:fontRef>
+        </p:style>
+        <p:txBody>
+          <a:bodyPr rtlCol="0" anchor="ctr"/>
+          <a:lstStyle/>
+          <a:p>
+            <a:pPr algn="ctr"/>
+            <a:endParaRPr lang="en-US" dirty="0"/>
+          </a:p>
+        </p:txBody>
+      </p:sp>
+      <p:sp>
+        <p:nvSpPr>
+          <p:cNvPr id="7" name="Rectangle 6"/>
+          <p:cNvSpPr/>
+          <p:nvPr/>
+        </p:nvSpPr>
+        <p:spPr>
+          <a:xfrm>
+            <a:off x="152400" y="1143000"/>
+            <a:ext cx="8839200" cy="5562600"/>
+          </a:xfrm>
+          <a:prstGeom prst="rect">
+            <a:avLst/>
+          </a:prstGeom>
+        </p:spPr>
+        <p:style>
+          <a:lnRef idx="2">
+            <a:schemeClr val="accent1">
+              <a:shade val="50000"/>
+            </a:schemeClr>
+          </a:lnRef>
+          <a:fillRef idx="1">
+            <a:schemeClr val="accent1"/>
+          </a:fillRef>
+          <a:effectRef idx="0">
+            <a:schemeClr val="accent1"/>
+          </a:effectRef>
+          <a:fontRef idx="minor">
+            <a:schemeClr val="lt1"/>
+          </a:fontRef>
+        </p:style>
+        <p:txBody>
+          <a:bodyPr rtlCol="0" anchor="ctr"/>
+          <a:lstStyle/>
+          <a:p>
+            <a:pPr algn="ctr"/>
+            <a:endParaRPr lang="en-US" dirty="0"/>
+          </a:p>
+        </p:txBody>
+      </p:sp>
+      <p:sp>
+        <p:nvSpPr>
+          <p:cNvPr id="8" name="Rectangle 7"/>
+          <p:cNvSpPr/>
+          <p:nvPr/>
+        </p:nvSpPr>
+        <p:spPr>
+          <a:xfrm>
+            <a:off x="219529" y="152400"/>
+            <a:ext cx="990600" cy="685800"/>
+          </a:xfrm>
+          <a:prstGeom prst="rect">
+            <a:avLst/>
+          </a:prstGeom>
+        </p:spPr>
+        <p:style>
+          <a:lnRef idx="2">
+            <a:schemeClr val="accent1">
+              <a:shade val="50000"/>
+            </a:schemeClr>
+          </a:lnRef>
+          <a:fillRef idx="1">
+            <a:schemeClr val="accent1"/>
+          </a:fillRef>
+          <a:effectRef idx="0">
+            <a:schemeClr val="accent1"/>
+          </a:effectRef>
+          <a:fontRef idx="minor">
+            <a:schemeClr val="lt1"/>
+          </a:fontRef>
+        </p:style>
+        <p:txBody>
+          <a:bodyPr rtlCol="0" anchor="ctr"/>
+          <a:lstStyle/>
+          <a:p>
+            <a:pPr algn="ctr"/>
+            <a:r>
+              <a:rPr lang="en-US" sz="1400" dirty="0" smtClean="0"/>
+              <a:t>Home</a:t>
+            </a:r>
+            <a:endParaRPr lang="en-US" sz="1400" dirty="0"/>
+          </a:p>
+        </p:txBody>
+      </p:sp>
+      <p:sp>
+        <p:nvSpPr>
+          <p:cNvPr id="9" name="Rectangle 8"/>
+          <p:cNvSpPr/>
+          <p:nvPr/>
+        </p:nvSpPr>
+        <p:spPr>
+          <a:xfrm>
+            <a:off x="1280887" y="152400"/>
+            <a:ext cx="990600" cy="685800"/>
+          </a:xfrm>
+          <a:prstGeom prst="rect">
+            <a:avLst/>
+          </a:prstGeom>
+        </p:spPr>
+        <p:style>
+          <a:lnRef idx="2">
+            <a:schemeClr val="accent1">
+              <a:shade val="50000"/>
+            </a:schemeClr>
+          </a:lnRef>
+          <a:fillRef idx="1">
+            <a:schemeClr val="accent1"/>
+          </a:fillRef>
+          <a:effectRef idx="0">
+            <a:schemeClr val="accent1"/>
+          </a:effectRef>
+          <a:fontRef idx="minor">
+            <a:schemeClr val="lt1"/>
+          </a:fontRef>
+        </p:style>
+        <p:txBody>
+          <a:bodyPr rtlCol="0" anchor="ctr"/>
+          <a:lstStyle/>
+          <a:p>
+            <a:pPr algn="ctr"/>
+            <a:r>
+              <a:rPr lang="en-US" sz="1400" dirty="0" smtClean="0"/>
+              <a:t>Log Activity</a:t>
+            </a:r>
+            <a:endParaRPr lang="en-US" sz="1400" dirty="0"/>
+          </a:p>
+        </p:txBody>
+      </p:sp>
+      <p:sp>
+        <p:nvSpPr>
+          <p:cNvPr id="10" name="Rectangle 9"/>
+          <p:cNvSpPr/>
+          <p:nvPr/>
+        </p:nvSpPr>
+        <p:spPr>
+          <a:xfrm>
+            <a:off x="2341418" y="152400"/>
+            <a:ext cx="990600" cy="685800"/>
+          </a:xfrm>
+          <a:prstGeom prst="rect">
+            <a:avLst/>
+          </a:prstGeom>
+        </p:spPr>
+        <p:style>
+          <a:lnRef idx="2">
+            <a:schemeClr val="accent1">
+              <a:shade val="50000"/>
+            </a:schemeClr>
+          </a:lnRef>
+          <a:fillRef idx="1">
+            <a:schemeClr val="accent1"/>
+          </a:fillRef>
+          <a:effectRef idx="0">
+            <a:schemeClr val="accent1"/>
+          </a:effectRef>
+          <a:fontRef idx="minor">
+            <a:schemeClr val="lt1"/>
+          </a:fontRef>
+        </p:style>
+        <p:txBody>
+          <a:bodyPr rtlCol="0" anchor="ctr"/>
+          <a:lstStyle/>
+          <a:p>
+            <a:pPr algn="ctr"/>
+            <a:r>
+              <a:rPr lang="en-US" sz="1400" dirty="0"/>
+              <a:t>Generator</a:t>
+            </a:r>
+            <a:endParaRPr lang="en-US" sz="1400" dirty="0"/>
+          </a:p>
+        </p:txBody>
+      </p:sp>
+      <p:sp>
+        <p:nvSpPr>
+          <p:cNvPr id="11" name="Rectangle 10"/>
+          <p:cNvSpPr/>
+          <p:nvPr/>
+        </p:nvSpPr>
+        <p:spPr>
+          <a:xfrm>
+            <a:off x="3383972" y="152400"/>
+            <a:ext cx="990600" cy="685800"/>
+          </a:xfrm>
+          <a:prstGeom prst="rect">
+            <a:avLst/>
+          </a:prstGeom>
+        </p:spPr>
+        <p:style>
+          <a:lnRef idx="2">
+            <a:schemeClr val="accent1">
+              <a:shade val="50000"/>
+            </a:schemeClr>
+          </a:lnRef>
+          <a:fillRef idx="1">
+            <a:schemeClr val="accent1"/>
+          </a:fillRef>
+          <a:effectRef idx="0">
+            <a:schemeClr val="accent1"/>
+          </a:effectRef>
+          <a:fontRef idx="minor">
+            <a:schemeClr val="lt1"/>
+          </a:fontRef>
+        </p:style>
+        <p:txBody>
+          <a:bodyPr rtlCol="0" anchor="ctr"/>
+          <a:lstStyle/>
+          <a:p>
+            <a:pPr algn="ctr"/>
+            <a:r>
+              <a:rPr lang="en-US" sz="1400" dirty="0"/>
+              <a:t>Metrics</a:t>
+            </a:r>
+            <a:endParaRPr lang="en-US" sz="1400" dirty="0"/>
+          </a:p>
+        </p:txBody>
+      </p:sp>
+      <p:sp>
+        <p:nvSpPr>
+          <p:cNvPr id="14" name="Rectangle 13"/>
+          <p:cNvSpPr/>
+          <p:nvPr/>
+        </p:nvSpPr>
+        <p:spPr>
+          <a:xfrm>
+            <a:off x="4426526" y="152400"/>
+            <a:ext cx="990600" cy="685800"/>
+          </a:xfrm>
+          <a:prstGeom prst="rect">
+            <a:avLst/>
+          </a:prstGeom>
+          <a:solidFill>
+            <a:srgbClr val="FFC000"/>
+          </a:solidFill>
+        </p:spPr>
+        <p:style>
+          <a:lnRef idx="2">
+            <a:schemeClr val="accent1">
+              <a:shade val="50000"/>
+            </a:schemeClr>
+          </a:lnRef>
+          <a:fillRef idx="1">
+            <a:schemeClr val="accent1"/>
+          </a:fillRef>
+          <a:effectRef idx="0">
+            <a:schemeClr val="accent1"/>
+          </a:effectRef>
+          <a:fontRef idx="minor">
+            <a:schemeClr val="lt1"/>
+          </a:fontRef>
+        </p:style>
+        <p:txBody>
+          <a:bodyPr rtlCol="0" anchor="ctr"/>
+          <a:lstStyle/>
+          <a:p>
+            <a:pPr algn="ctr"/>
+            <a:r>
+              <a:rPr lang="en-US" sz="1400" dirty="0"/>
+              <a:t>Users</a:t>
+            </a:r>
+            <a:endParaRPr lang="en-US" sz="1400" dirty="0"/>
+          </a:p>
+        </p:txBody>
+      </p:sp>
+      <p:sp>
+        <p:nvSpPr>
+          <p:cNvPr id="12" name="Rectangle 11"/>
+          <p:cNvSpPr/>
+          <p:nvPr/>
+        </p:nvSpPr>
+        <p:spPr>
+          <a:xfrm>
+            <a:off x="5469080" y="152400"/>
+            <a:ext cx="990600" cy="685800"/>
+          </a:xfrm>
+          <a:prstGeom prst="rect">
+            <a:avLst/>
+          </a:prstGeom>
+        </p:spPr>
+        <p:style>
+          <a:lnRef idx="2">
+            <a:schemeClr val="accent1">
+              <a:shade val="50000"/>
+            </a:schemeClr>
+          </a:lnRef>
+          <a:fillRef idx="1">
+            <a:schemeClr val="accent1"/>
+          </a:fillRef>
+          <a:effectRef idx="0">
+            <a:schemeClr val="accent1"/>
+          </a:effectRef>
+          <a:fontRef idx="minor">
+            <a:schemeClr val="lt1"/>
+          </a:fontRef>
+        </p:style>
+        <p:txBody>
+          <a:bodyPr rtlCol="0" anchor="ctr"/>
+          <a:lstStyle/>
+          <a:p>
+            <a:pPr algn="ctr"/>
+            <a:r>
+              <a:rPr lang="en-US" sz="1400" dirty="0" smtClean="0"/>
+              <a:t>Settings</a:t>
+            </a:r>
+            <a:endParaRPr lang="en-US" sz="1400" dirty="0"/>
+          </a:p>
+        </p:txBody>
+      </p:sp>
+    </p:spTree>
+    <p:extLst>
+      <p:ext uri="{BB962C8B-B14F-4D97-AF65-F5344CB8AC3E}">
+        <p14:creationId xmlns:p14="http://schemas.microsoft.com/office/powerpoint/2010/main" val="779288040"/>
+      </p:ext>
+    </p:extLst>
+  </p:cSld>
+  <p:clrMapOvr>
+    <a:masterClrMapping/>
+  </p:clrMapOvr>
+  <p:timing>
+    <p:tnLst>
+      <p:par>
+        <p:cTn id="1" dur="indefinite" restart="never" nodeType="tmRoot"/>
+      </p:par>
+    </p:tnLst>
+  </p:timing>
+</p:sld>
+</file>
+
+<file path=ppt/slides/slide11.xml><?xml version="1.0" encoding="utf-8"?>
+<p:sld xmlns:a="http://schemas.openxmlformats.org/drawingml/2006/main" xmlns:r="http://schemas.openxmlformats.org/officeDocument/2006/relationships" xmlns:p="http://schemas.openxmlformats.org/presentationml/2006/main">
+  <p:cSld>
+    <p:spTree>
+      <p:nvGrpSpPr>
+        <p:cNvPr id="1" name=""/>
+        <p:cNvGrpSpPr/>
+        <p:nvPr/>
+      </p:nvGrpSpPr>
+      <p:grpSpPr>
+        <a:xfrm>
+          <a:off x="0" y="0"/>
+          <a:ext cx="0" cy="0"/>
+          <a:chOff x="0" y="0"/>
+          <a:chExt cx="0" cy="0"/>
+        </a:xfrm>
+      </p:grpSpPr>
+      <p:sp>
+        <p:nvSpPr>
+          <p:cNvPr id="5" name="Rectangle 4"/>
+          <p:cNvSpPr/>
+          <p:nvPr/>
+        </p:nvSpPr>
+        <p:spPr>
+          <a:xfrm>
+            <a:off x="0" y="0"/>
+            <a:ext cx="9144000" cy="990600"/>
+          </a:xfrm>
+          <a:prstGeom prst="rect">
+            <a:avLst/>
+          </a:prstGeom>
+        </p:spPr>
+        <p:style>
+          <a:lnRef idx="2">
+            <a:schemeClr val="accent1">
+              <a:shade val="50000"/>
+            </a:schemeClr>
+          </a:lnRef>
+          <a:fillRef idx="1">
+            <a:schemeClr val="accent1"/>
+          </a:fillRef>
+          <a:effectRef idx="0">
+            <a:schemeClr val="accent1"/>
+          </a:effectRef>
+          <a:fontRef idx="minor">
+            <a:schemeClr val="lt1"/>
+          </a:fontRef>
+        </p:style>
+        <p:txBody>
+          <a:bodyPr rtlCol="0" anchor="ctr"/>
+          <a:lstStyle/>
+          <a:p>
+            <a:pPr algn="ctr"/>
+            <a:endParaRPr lang="en-US" dirty="0"/>
+          </a:p>
+        </p:txBody>
+      </p:sp>
+      <p:sp>
+        <p:nvSpPr>
+          <p:cNvPr id="7" name="Rectangle 6"/>
+          <p:cNvSpPr/>
+          <p:nvPr/>
+        </p:nvSpPr>
+        <p:spPr>
+          <a:xfrm>
+            <a:off x="152400" y="1143000"/>
+            <a:ext cx="8839200" cy="5562600"/>
+          </a:xfrm>
+          <a:prstGeom prst="rect">
+            <a:avLst/>
+          </a:prstGeom>
+        </p:spPr>
+        <p:style>
+          <a:lnRef idx="2">
+            <a:schemeClr val="accent1">
+              <a:shade val="50000"/>
+            </a:schemeClr>
+          </a:lnRef>
+          <a:fillRef idx="1">
+            <a:schemeClr val="accent1"/>
+          </a:fillRef>
+          <a:effectRef idx="0">
+            <a:schemeClr val="accent1"/>
+          </a:effectRef>
+          <a:fontRef idx="minor">
+            <a:schemeClr val="lt1"/>
+          </a:fontRef>
+        </p:style>
+        <p:txBody>
+          <a:bodyPr rtlCol="0" anchor="ctr"/>
+          <a:lstStyle/>
+          <a:p>
+            <a:pPr algn="ctr"/>
+            <a:endParaRPr lang="en-US" dirty="0"/>
+          </a:p>
+        </p:txBody>
+      </p:sp>
+      <p:sp>
+        <p:nvSpPr>
+          <p:cNvPr id="8" name="Rectangle 7"/>
+          <p:cNvSpPr/>
+          <p:nvPr/>
+        </p:nvSpPr>
+        <p:spPr>
+          <a:xfrm>
+            <a:off x="219529" y="152400"/>
+            <a:ext cx="990600" cy="685800"/>
+          </a:xfrm>
+          <a:prstGeom prst="rect">
+            <a:avLst/>
+          </a:prstGeom>
+        </p:spPr>
+        <p:style>
+          <a:lnRef idx="2">
+            <a:schemeClr val="accent1">
+              <a:shade val="50000"/>
+            </a:schemeClr>
+          </a:lnRef>
+          <a:fillRef idx="1">
+            <a:schemeClr val="accent1"/>
+          </a:fillRef>
+          <a:effectRef idx="0">
+            <a:schemeClr val="accent1"/>
+          </a:effectRef>
+          <a:fontRef idx="minor">
+            <a:schemeClr val="lt1"/>
+          </a:fontRef>
+        </p:style>
+        <p:txBody>
+          <a:bodyPr rtlCol="0" anchor="ctr"/>
+          <a:lstStyle/>
+          <a:p>
+            <a:pPr algn="ctr"/>
+            <a:r>
+              <a:rPr lang="en-US" sz="1400" dirty="0" smtClean="0"/>
+              <a:t>Home</a:t>
+            </a:r>
+            <a:endParaRPr lang="en-US" sz="1400" dirty="0"/>
+          </a:p>
+        </p:txBody>
+      </p:sp>
+      <p:sp>
+        <p:nvSpPr>
+          <p:cNvPr id="9" name="Rectangle 8"/>
+          <p:cNvSpPr/>
+          <p:nvPr/>
+        </p:nvSpPr>
+        <p:spPr>
+          <a:xfrm>
+            <a:off x="1280887" y="152400"/>
+            <a:ext cx="990600" cy="685800"/>
+          </a:xfrm>
+          <a:prstGeom prst="rect">
+            <a:avLst/>
+          </a:prstGeom>
+        </p:spPr>
+        <p:style>
+          <a:lnRef idx="2">
+            <a:schemeClr val="accent1">
+              <a:shade val="50000"/>
+            </a:schemeClr>
+          </a:lnRef>
+          <a:fillRef idx="1">
+            <a:schemeClr val="accent1"/>
+          </a:fillRef>
+          <a:effectRef idx="0">
+            <a:schemeClr val="accent1"/>
+          </a:effectRef>
+          <a:fontRef idx="minor">
+            <a:schemeClr val="lt1"/>
+          </a:fontRef>
+        </p:style>
+        <p:txBody>
+          <a:bodyPr rtlCol="0" anchor="ctr"/>
+          <a:lstStyle/>
+          <a:p>
+            <a:pPr algn="ctr"/>
+            <a:r>
+              <a:rPr lang="en-US" sz="1400" dirty="0" smtClean="0"/>
+              <a:t>Log Activity</a:t>
+            </a:r>
+            <a:endParaRPr lang="en-US" sz="1400" dirty="0"/>
+          </a:p>
+        </p:txBody>
+      </p:sp>
+      <p:sp>
+        <p:nvSpPr>
+          <p:cNvPr id="10" name="Rectangle 9"/>
+          <p:cNvSpPr/>
+          <p:nvPr/>
+        </p:nvSpPr>
+        <p:spPr>
+          <a:xfrm>
+            <a:off x="2341418" y="152400"/>
+            <a:ext cx="990600" cy="685800"/>
+          </a:xfrm>
+          <a:prstGeom prst="rect">
+            <a:avLst/>
+          </a:prstGeom>
+        </p:spPr>
+        <p:style>
+          <a:lnRef idx="2">
+            <a:schemeClr val="accent1">
+              <a:shade val="50000"/>
+            </a:schemeClr>
+          </a:lnRef>
+          <a:fillRef idx="1">
+            <a:schemeClr val="accent1"/>
+          </a:fillRef>
+          <a:effectRef idx="0">
+            <a:schemeClr val="accent1"/>
+          </a:effectRef>
+          <a:fontRef idx="minor">
+            <a:schemeClr val="lt1"/>
+          </a:fontRef>
+        </p:style>
+        <p:txBody>
+          <a:bodyPr rtlCol="0" anchor="ctr"/>
+          <a:lstStyle/>
+          <a:p>
+            <a:pPr algn="ctr"/>
+            <a:r>
+              <a:rPr lang="en-US" sz="1400" dirty="0"/>
+              <a:t>Generator</a:t>
+            </a:r>
+            <a:endParaRPr lang="en-US" sz="1400" dirty="0"/>
+          </a:p>
+        </p:txBody>
+      </p:sp>
+      <p:sp>
+        <p:nvSpPr>
+          <p:cNvPr id="11" name="Rectangle 10"/>
+          <p:cNvSpPr/>
+          <p:nvPr/>
+        </p:nvSpPr>
+        <p:spPr>
+          <a:xfrm>
+            <a:off x="3383972" y="152400"/>
+            <a:ext cx="990600" cy="685800"/>
+          </a:xfrm>
+          <a:prstGeom prst="rect">
+            <a:avLst/>
+          </a:prstGeom>
+        </p:spPr>
+        <p:style>
+          <a:lnRef idx="2">
+            <a:schemeClr val="accent1">
+              <a:shade val="50000"/>
+            </a:schemeClr>
+          </a:lnRef>
+          <a:fillRef idx="1">
+            <a:schemeClr val="accent1"/>
+          </a:fillRef>
+          <a:effectRef idx="0">
+            <a:schemeClr val="accent1"/>
+          </a:effectRef>
+          <a:fontRef idx="minor">
+            <a:schemeClr val="lt1"/>
+          </a:fontRef>
+        </p:style>
+        <p:txBody>
+          <a:bodyPr rtlCol="0" anchor="ctr"/>
+          <a:lstStyle/>
+          <a:p>
+            <a:pPr algn="ctr"/>
+            <a:r>
+              <a:rPr lang="en-US" sz="1400" dirty="0"/>
+              <a:t>Metrics</a:t>
+            </a:r>
+            <a:endParaRPr lang="en-US" sz="1400" dirty="0"/>
+          </a:p>
+        </p:txBody>
+      </p:sp>
+      <p:sp>
+        <p:nvSpPr>
+          <p:cNvPr id="14" name="Rectangle 13"/>
+          <p:cNvSpPr/>
+          <p:nvPr/>
+        </p:nvSpPr>
+        <p:spPr>
+          <a:xfrm>
+            <a:off x="4426526" y="152400"/>
+            <a:ext cx="990600" cy="685800"/>
+          </a:xfrm>
+          <a:prstGeom prst="rect">
+            <a:avLst/>
+          </a:prstGeom>
+        </p:spPr>
+        <p:style>
+          <a:lnRef idx="2">
+            <a:schemeClr val="accent1">
+              <a:shade val="50000"/>
+            </a:schemeClr>
+          </a:lnRef>
+          <a:fillRef idx="1">
+            <a:schemeClr val="accent1"/>
+          </a:fillRef>
+          <a:effectRef idx="0">
+            <a:schemeClr val="accent1"/>
+          </a:effectRef>
+          <a:fontRef idx="minor">
+            <a:schemeClr val="lt1"/>
+          </a:fontRef>
+        </p:style>
+        <p:txBody>
+          <a:bodyPr rtlCol="0" anchor="ctr"/>
+          <a:lstStyle/>
+          <a:p>
+            <a:pPr algn="ctr"/>
+            <a:r>
+              <a:rPr lang="en-US" sz="1400" dirty="0"/>
+              <a:t>Users</a:t>
+            </a:r>
+            <a:endParaRPr lang="en-US" sz="1400" dirty="0"/>
+          </a:p>
+        </p:txBody>
+      </p:sp>
+      <p:sp>
+        <p:nvSpPr>
+          <p:cNvPr id="12" name="Rectangle 11"/>
+          <p:cNvSpPr/>
+          <p:nvPr/>
+        </p:nvSpPr>
+        <p:spPr>
+          <a:xfrm>
+            <a:off x="5469080" y="152400"/>
+            <a:ext cx="990600" cy="685800"/>
+          </a:xfrm>
+          <a:prstGeom prst="rect">
+            <a:avLst/>
+          </a:prstGeom>
+          <a:solidFill>
+            <a:srgbClr val="FFC000"/>
+          </a:solidFill>
+        </p:spPr>
+        <p:style>
+          <a:lnRef idx="2">
+            <a:schemeClr val="accent1">
+              <a:shade val="50000"/>
+            </a:schemeClr>
+          </a:lnRef>
+          <a:fillRef idx="1">
+            <a:schemeClr val="accent1"/>
+          </a:fillRef>
+          <a:effectRef idx="0">
+            <a:schemeClr val="accent1"/>
+          </a:effectRef>
+          <a:fontRef idx="minor">
+            <a:schemeClr val="lt1"/>
+          </a:fontRef>
+        </p:style>
+        <p:txBody>
+          <a:bodyPr rtlCol="0" anchor="ctr"/>
+          <a:lstStyle/>
+          <a:p>
+            <a:pPr algn="ctr"/>
+            <a:r>
+              <a:rPr lang="en-US" sz="1400" dirty="0"/>
+              <a:t>Settings</a:t>
+            </a:r>
+            <a:endParaRPr lang="en-US" sz="1400" dirty="0"/>
+          </a:p>
+        </p:txBody>
+      </p:sp>
+    </p:spTree>
+    <p:extLst>
+      <p:ext uri="{BB962C8B-B14F-4D97-AF65-F5344CB8AC3E}">
+        <p14:creationId xmlns:p14="http://schemas.microsoft.com/office/powerpoint/2010/main" val="1199516898"/>
+      </p:ext>
+    </p:extLst>
+  </p:cSld>
+  <p:clrMapOvr>
+    <a:masterClrMapping/>
+  </p:clrMapOvr>
+  <p:timing>
+    <p:tnLst>
+      <p:par>
+        <p:cTn id="1" dur="indefinite" restart="never" nodeType="tmRoot"/>
+      </p:par>
+    </p:tnLst>
+  </p:timing>
+</p:sld>
+</file>
+
 <file path=ppt/slides/slide2.xml><?xml version="1.0" encoding="utf-8"?>
 <p:sld xmlns:a="http://schemas.openxmlformats.org/drawingml/2006/main" xmlns:r="http://schemas.openxmlformats.org/officeDocument/2006/relationships" xmlns:p="http://schemas.openxmlformats.org/presentationml/2006/main">
   <p:cSld>
@@ -3447,7 +5333,7 @@
         <p:spPr>
           <a:xfrm>
             <a:off x="609600" y="872074"/>
-            <a:ext cx="1513043" cy="2862322"/>
+            <a:ext cx="1560620" cy="4524315"/>
           </a:xfrm>
           <a:prstGeom prst="rect">
             <a:avLst/>
@@ -3498,8 +5384,44 @@
           <a:p>
             <a:r>
               <a:rPr lang="en-US" dirty="0" smtClean="0"/>
-              <a:t>Log Workout</a:t>
-            </a:r>
+              <a:t>Your Workouts</a:t>
+            </a:r>
+            <a:endParaRPr lang="en-US" dirty="0" smtClean="0"/>
+          </a:p>
+          <a:p>
+            <a:r>
+              <a:rPr lang="en-US" dirty="0" smtClean="0"/>
+              <a:t>Log </a:t>
+            </a:r>
+            <a:r>
+              <a:rPr lang="en-US" dirty="0" smtClean="0"/>
+              <a:t>Workout</a:t>
+            </a:r>
+          </a:p>
+          <a:p>
+            <a:r>
+              <a:rPr lang="en-US" dirty="0" smtClean="0"/>
+              <a:t>Run</a:t>
+            </a:r>
+          </a:p>
+          <a:p>
+            <a:r>
+              <a:rPr lang="en-US" dirty="0" smtClean="0"/>
+              <a:t>Bike</a:t>
+            </a:r>
+          </a:p>
+          <a:p>
+            <a:r>
+              <a:rPr lang="en-US" dirty="0" smtClean="0"/>
+              <a:t>Swim</a:t>
+            </a:r>
+          </a:p>
+          <a:p>
+            <a:r>
+              <a:rPr lang="en-US" dirty="0" smtClean="0"/>
+              <a:t>Strength</a:t>
+            </a:r>
+            <a:endParaRPr lang="en-US" dirty="0" smtClean="0"/>
           </a:p>
           <a:p>
             <a:r>
@@ -3518,6 +5440,13 @@
               <a:rPr lang="en-US" dirty="0" smtClean="0"/>
               <a:t>Generator</a:t>
             </a:r>
+          </a:p>
+          <a:p>
+            <a:r>
+              <a:rPr lang="en-US" dirty="0" smtClean="0"/>
+              <a:t>Profile</a:t>
+            </a:r>
+            <a:endParaRPr lang="en-US" dirty="0" smtClean="0"/>
           </a:p>
         </p:txBody>
       </p:sp>
@@ -3722,7 +5651,7 @@
         <p:spPr>
           <a:xfrm>
             <a:off x="609600" y="872074"/>
-            <a:ext cx="986104" cy="2308324"/>
+            <a:ext cx="7778924" cy="2308324"/>
           </a:xfrm>
           <a:prstGeom prst="rect">
             <a:avLst/>
@@ -3751,14 +5680,24 @@
           <a:p>
             <a:r>
               <a:rPr lang="en-US" dirty="0" smtClean="0"/>
-              <a:t>Users</a:t>
-            </a:r>
+              <a:t>Users: </a:t>
+            </a:r>
+            <a:r>
+              <a:rPr lang="en-US" dirty="0" err="1" smtClean="0"/>
+              <a:t>userID</a:t>
+            </a:r>
+            <a:r>
+              <a:rPr lang="en-US" dirty="0" smtClean="0"/>
+              <a:t>, FN, LN, email, weight</a:t>
+            </a:r>
+            <a:endParaRPr lang="en-US" dirty="0" smtClean="0"/>
           </a:p>
           <a:p>
             <a:r>
               <a:rPr lang="en-US" dirty="0" smtClean="0"/>
               <a:t>Runs</a:t>
             </a:r>
+            <a:endParaRPr lang="en-US" dirty="0" smtClean="0"/>
           </a:p>
           <a:p>
             <a:r>
@@ -3777,12 +5716,22 @@
               <a:rPr lang="en-US" dirty="0" smtClean="0"/>
               <a:t>Strength</a:t>
             </a:r>
+            <a:endParaRPr lang="en-US" dirty="0" smtClean="0"/>
           </a:p>
           <a:p>
             <a:r>
               <a:rPr lang="en-US" dirty="0" smtClean="0"/>
-              <a:t>Other</a:t>
-            </a:r>
+              <a:t>Generator: </a:t>
+            </a:r>
+            <a:r>
+              <a:rPr lang="en-US" dirty="0" err="1" smtClean="0"/>
+              <a:t>userID</a:t>
+            </a:r>
+            <a:r>
+              <a:rPr lang="en-US" dirty="0" smtClean="0"/>
+              <a:t>, date, difficulty, push-ups, pull-ups, workout (string), total time</a:t>
+            </a:r>
+            <a:endParaRPr lang="en-US" dirty="0" smtClean="0"/>
           </a:p>
           <a:p>
             <a:endParaRPr lang="en-US" dirty="0"/>
@@ -3827,8 +5776,8 @@
         </p:nvSpPr>
         <p:spPr>
           <a:xfrm>
-            <a:off x="1847850" y="872074"/>
-            <a:ext cx="1880195" cy="2031325"/>
+            <a:off x="609600" y="3581400"/>
+            <a:ext cx="1880195" cy="2308324"/>
           </a:xfrm>
           <a:prstGeom prst="rect">
             <a:avLst/>
@@ -3878,8 +5827,19 @@
           <a:p>
             <a:r>
               <a:rPr lang="en-US" dirty="0" smtClean="0"/>
-              <a:t>Resets (password)</a:t>
-            </a:r>
+              <a:t>Resets (password</a:t>
+            </a:r>
+            <a:r>
+              <a:rPr lang="en-US" dirty="0" smtClean="0"/>
+              <a:t>)</a:t>
+            </a:r>
+          </a:p>
+          <a:p>
+            <a:r>
+              <a:rPr lang="en-US" dirty="0" smtClean="0"/>
+              <a:t>Generator</a:t>
+            </a:r>
+            <a:endParaRPr lang="en-US" dirty="0" smtClean="0"/>
           </a:p>
           <a:p>
             <a:endParaRPr lang="en-US" dirty="0" smtClean="0"/>
@@ -3896,6 +5856,13 @@
   <p:clrMapOvr>
     <a:masterClrMapping/>
   </p:clrMapOvr>
+  <p:timing>
+    <p:tnLst>
+      <p:par>
+        <p:cTn id="1" dur="indefinite" restart="never" nodeType="tmRoot"/>
+      </p:par>
+    </p:tnLst>
+  </p:timing>
 </p:sld>
 </file>
 
@@ -4095,7 +6062,7 @@
         </p:nvSpPr>
         <p:spPr>
           <a:xfrm>
-            <a:off x="1280887" y="152400"/>
+            <a:off x="1280887" y="169333"/>
             <a:ext cx="990600" cy="685800"/>
           </a:xfrm>
           <a:prstGeom prst="rect">
@@ -4125,7 +6092,7 @@
             <a:pPr algn="ctr"/>
             <a:r>
               <a:rPr lang="en-US" sz="1400" dirty="0" smtClean="0"/>
-              <a:t>Log Activity</a:t>
+              <a:t>My Workouts</a:t>
             </a:r>
             <a:endParaRPr lang="en-US" sz="1400" dirty="0"/>
           </a:p>
@@ -4139,7 +6106,7 @@
         </p:nvSpPr>
         <p:spPr>
           <a:xfrm>
-            <a:off x="2341418" y="152400"/>
+            <a:off x="3427168" y="169333"/>
             <a:ext cx="990600" cy="685800"/>
           </a:xfrm>
           <a:prstGeom prst="rect">
@@ -4183,7 +6150,7 @@
         </p:nvSpPr>
         <p:spPr>
           <a:xfrm>
-            <a:off x="3383972" y="152400"/>
+            <a:off x="4469722" y="169333"/>
             <a:ext cx="990600" cy="685800"/>
           </a:xfrm>
           <a:prstGeom prst="rect">
@@ -4271,7 +6238,7 @@
         </p:nvSpPr>
         <p:spPr>
           <a:xfrm>
-            <a:off x="4426526" y="152400"/>
+            <a:off x="5512276" y="169333"/>
             <a:ext cx="990600" cy="685800"/>
           </a:xfrm>
           <a:prstGeom prst="rect">
@@ -4791,6 +6758,138 @@
           <a:p>
             <a:pPr algn="ctr"/>
             <a:endParaRPr lang="en-US" dirty="0"/>
+          </a:p>
+        </p:txBody>
+      </p:sp>
+      <p:sp>
+        <p:nvSpPr>
+          <p:cNvPr id="25" name="Rectangle 24"/>
+          <p:cNvSpPr/>
+          <p:nvPr/>
+        </p:nvSpPr>
+        <p:spPr>
+          <a:xfrm>
+            <a:off x="6554830" y="169333"/>
+            <a:ext cx="990600" cy="685800"/>
+          </a:xfrm>
+          <a:prstGeom prst="rect">
+            <a:avLst/>
+          </a:prstGeom>
+        </p:spPr>
+        <p:style>
+          <a:lnRef idx="2">
+            <a:schemeClr val="accent1">
+              <a:shade val="50000"/>
+            </a:schemeClr>
+          </a:lnRef>
+          <a:fillRef idx="1">
+            <a:schemeClr val="accent1"/>
+          </a:fillRef>
+          <a:effectRef idx="0">
+            <a:schemeClr val="accent1"/>
+          </a:effectRef>
+          <a:fontRef idx="minor">
+            <a:schemeClr val="lt1"/>
+          </a:fontRef>
+        </p:style>
+        <p:txBody>
+          <a:bodyPr rtlCol="0" anchor="ctr"/>
+          <a:lstStyle/>
+          <a:p>
+            <a:pPr algn="ctr"/>
+            <a:r>
+              <a:rPr lang="en-US" sz="1400" dirty="0" smtClean="0"/>
+              <a:t>Settings</a:t>
+            </a:r>
+            <a:endParaRPr lang="en-US" sz="1400" dirty="0"/>
+          </a:p>
+        </p:txBody>
+      </p:sp>
+      <p:sp>
+        <p:nvSpPr>
+          <p:cNvPr id="29" name="Rectangle 28"/>
+          <p:cNvSpPr/>
+          <p:nvPr/>
+        </p:nvSpPr>
+        <p:spPr>
+          <a:xfrm>
+            <a:off x="2366637" y="169333"/>
+            <a:ext cx="990600" cy="685800"/>
+          </a:xfrm>
+          <a:prstGeom prst="rect">
+            <a:avLst/>
+          </a:prstGeom>
+        </p:spPr>
+        <p:style>
+          <a:lnRef idx="2">
+            <a:schemeClr val="accent1">
+              <a:shade val="50000"/>
+            </a:schemeClr>
+          </a:lnRef>
+          <a:fillRef idx="1">
+            <a:schemeClr val="accent1"/>
+          </a:fillRef>
+          <a:effectRef idx="0">
+            <a:schemeClr val="accent1"/>
+          </a:effectRef>
+          <a:fontRef idx="minor">
+            <a:schemeClr val="lt1"/>
+          </a:fontRef>
+        </p:style>
+        <p:txBody>
+          <a:bodyPr rtlCol="0" anchor="ctr"/>
+          <a:lstStyle/>
+          <a:p>
+            <a:pPr algn="ctr"/>
+            <a:r>
+              <a:rPr lang="en-US" sz="1400" dirty="0" smtClean="0"/>
+              <a:t>Log Activity</a:t>
+            </a:r>
+            <a:endParaRPr lang="en-US" sz="1400" dirty="0"/>
+          </a:p>
+        </p:txBody>
+      </p:sp>
+      <p:sp>
+        <p:nvSpPr>
+          <p:cNvPr id="30" name="Rectangle 29"/>
+          <p:cNvSpPr/>
+          <p:nvPr/>
+        </p:nvSpPr>
+        <p:spPr>
+          <a:xfrm>
+            <a:off x="7597384" y="169333"/>
+            <a:ext cx="990600" cy="685800"/>
+          </a:xfrm>
+          <a:prstGeom prst="rect">
+            <a:avLst/>
+          </a:prstGeom>
+        </p:spPr>
+        <p:style>
+          <a:lnRef idx="2">
+            <a:schemeClr val="accent1">
+              <a:shade val="50000"/>
+            </a:schemeClr>
+          </a:lnRef>
+          <a:fillRef idx="1">
+            <a:schemeClr val="accent1"/>
+          </a:fillRef>
+          <a:effectRef idx="0">
+            <a:schemeClr val="accent1"/>
+          </a:effectRef>
+          <a:fontRef idx="minor">
+            <a:schemeClr val="lt1"/>
+          </a:fontRef>
+        </p:style>
+        <p:txBody>
+          <a:bodyPr rtlCol="0" anchor="ctr"/>
+          <a:lstStyle/>
+          <a:p>
+            <a:pPr algn="ctr"/>
+            <a:r>
+              <a:rPr lang="en-US" sz="1400" dirty="0" smtClean="0"/>
+              <a:t>Profile</a:t>
+            </a:r>
+            <a:endParaRPr lang="en-US" sz="1400" dirty="0"/>
           </a:p>
         </p:txBody>
       </p:sp>
@@ -4963,7 +7062,7 @@
         </p:nvSpPr>
         <p:spPr>
           <a:xfrm>
-            <a:off x="1280887" y="152400"/>
+            <a:off x="1280887" y="169333"/>
             <a:ext cx="990600" cy="685800"/>
           </a:xfrm>
           <a:prstGeom prst="rect">
@@ -4996,7 +7095,7 @@
             <a:pPr algn="ctr"/>
             <a:r>
               <a:rPr lang="en-US" sz="1400" dirty="0"/>
-              <a:t>Log Activity</a:t>
+              <a:t>My Workouts</a:t>
             </a:r>
             <a:endParaRPr lang="en-US" sz="1400" dirty="0"/>
           </a:p>
@@ -5010,7 +7109,7 @@
         </p:nvSpPr>
         <p:spPr>
           <a:xfrm>
-            <a:off x="2341418" y="152400"/>
+            <a:off x="3427168" y="169333"/>
             <a:ext cx="990600" cy="685800"/>
           </a:xfrm>
           <a:prstGeom prst="rect">
@@ -5054,7 +7153,7 @@
         </p:nvSpPr>
         <p:spPr>
           <a:xfrm>
-            <a:off x="3383972" y="152400"/>
+            <a:off x="4469722" y="169333"/>
             <a:ext cx="990600" cy="685800"/>
           </a:xfrm>
           <a:prstGeom prst="rect">
@@ -5092,13 +7191,13 @@
       </p:sp>
       <p:sp>
         <p:nvSpPr>
-          <p:cNvPr id="25" name="Rectangle 24"/>
+          <p:cNvPr id="15" name="Rectangle 14"/>
           <p:cNvSpPr/>
           <p:nvPr/>
         </p:nvSpPr>
         <p:spPr>
           <a:xfrm>
-            <a:off x="4426526" y="152400"/>
+            <a:off x="5512276" y="169333"/>
             <a:ext cx="990600" cy="685800"/>
           </a:xfrm>
           <a:prstGeom prst="rect">
@@ -5134,10 +7233,98 @@
           </a:p>
         </p:txBody>
       </p:sp>
+      <p:sp>
+        <p:nvSpPr>
+          <p:cNvPr id="25" name="Rectangle 24"/>
+          <p:cNvSpPr/>
+          <p:nvPr/>
+        </p:nvSpPr>
+        <p:spPr>
+          <a:xfrm>
+            <a:off x="6554830" y="169333"/>
+            <a:ext cx="990600" cy="685800"/>
+          </a:xfrm>
+          <a:prstGeom prst="rect">
+            <a:avLst/>
+          </a:prstGeom>
+        </p:spPr>
+        <p:style>
+          <a:lnRef idx="2">
+            <a:schemeClr val="accent1">
+              <a:shade val="50000"/>
+            </a:schemeClr>
+          </a:lnRef>
+          <a:fillRef idx="1">
+            <a:schemeClr val="accent1"/>
+          </a:fillRef>
+          <a:effectRef idx="0">
+            <a:schemeClr val="accent1"/>
+          </a:effectRef>
+          <a:fontRef idx="minor">
+            <a:schemeClr val="lt1"/>
+          </a:fontRef>
+        </p:style>
+        <p:txBody>
+          <a:bodyPr rtlCol="0" anchor="ctr"/>
+          <a:lstStyle/>
+          <a:p>
+            <a:pPr algn="ctr"/>
+            <a:r>
+              <a:rPr lang="en-US" sz="1400" dirty="0" smtClean="0"/>
+              <a:t>Settings</a:t>
+            </a:r>
+            <a:endParaRPr lang="en-US" sz="1400" dirty="0"/>
+          </a:p>
+        </p:txBody>
+      </p:sp>
+      <p:sp>
+        <p:nvSpPr>
+          <p:cNvPr id="29" name="Rectangle 28"/>
+          <p:cNvSpPr/>
+          <p:nvPr/>
+        </p:nvSpPr>
+        <p:spPr>
+          <a:xfrm>
+            <a:off x="2366637" y="169333"/>
+            <a:ext cx="990600" cy="685800"/>
+          </a:xfrm>
+          <a:prstGeom prst="rect">
+            <a:avLst/>
+          </a:prstGeom>
+        </p:spPr>
+        <p:style>
+          <a:lnRef idx="2">
+            <a:schemeClr val="accent1">
+              <a:shade val="50000"/>
+            </a:schemeClr>
+          </a:lnRef>
+          <a:fillRef idx="1">
+            <a:schemeClr val="accent1"/>
+          </a:fillRef>
+          <a:effectRef idx="0">
+            <a:schemeClr val="accent1"/>
+          </a:effectRef>
+          <a:fontRef idx="minor">
+            <a:schemeClr val="lt1"/>
+          </a:fontRef>
+        </p:style>
+        <p:txBody>
+          <a:bodyPr rtlCol="0" anchor="ctr"/>
+          <a:lstStyle/>
+          <a:p>
+            <a:pPr algn="ctr"/>
+            <a:r>
+              <a:rPr lang="en-US" sz="1400" dirty="0" smtClean="0"/>
+              <a:t>Log Activity</a:t>
+            </a:r>
+            <a:endParaRPr lang="en-US" sz="1400" dirty="0"/>
+          </a:p>
+        </p:txBody>
+      </p:sp>
     </p:spTree>
     <p:extLst>
       <p:ext uri="{BB962C8B-B14F-4D97-AF65-F5344CB8AC3E}">
-        <p14:creationId xmlns:p14="http://schemas.microsoft.com/office/powerpoint/2010/main" val="3045908288"/>
+        <p14:creationId xmlns:p14="http://schemas.microsoft.com/office/powerpoint/2010/main" val="1298857576"/>
       </p:ext>
     </p:extLst>
   </p:cSld>
@@ -5288,7 +7475,7 @@
           <a:p>
             <a:pPr algn="ctr"/>
             <a:r>
-              <a:rPr lang="en-US" sz="1400" dirty="0" smtClean="0"/>
+              <a:rPr lang="en-US" sz="1400" dirty="0"/>
               <a:t>Home</a:t>
             </a:r>
             <a:endParaRPr lang="en-US" sz="1400" dirty="0"/>
@@ -5309,6 +7496,9 @@
           <a:prstGeom prst="rect">
             <a:avLst/>
           </a:prstGeom>
+          <a:solidFill>
+            <a:srgbClr val="FFC000"/>
+          </a:solidFill>
         </p:spPr>
         <p:style>
           <a:lnRef idx="2">
@@ -5332,7 +7522,7 @@
           <a:p>
             <a:pPr algn="ctr"/>
             <a:r>
-              <a:rPr lang="en-US" sz="1400" dirty="0" smtClean="0"/>
+              <a:rPr lang="en-US" sz="1400" dirty="0"/>
               <a:t>Log Activity</a:t>
             </a:r>
             <a:endParaRPr lang="en-US" sz="1400" dirty="0"/>
@@ -5353,9 +7543,6 @@
           <a:prstGeom prst="rect">
             <a:avLst/>
           </a:prstGeom>
-          <a:solidFill>
-            <a:srgbClr val="FFC000"/>
-          </a:solidFill>
         </p:spPr>
         <p:style>
           <a:lnRef idx="2">
@@ -5474,10 +7661,250 @@
           </a:p>
         </p:txBody>
       </p:sp>
+      <p:sp>
+        <p:nvSpPr>
+          <p:cNvPr id="29" name="Rectangle 28"/>
+          <p:cNvSpPr/>
+          <p:nvPr/>
+        </p:nvSpPr>
+        <p:spPr>
+          <a:xfrm>
+            <a:off x="5469080" y="152400"/>
+            <a:ext cx="990600" cy="685800"/>
+          </a:xfrm>
+          <a:prstGeom prst="rect">
+            <a:avLst/>
+          </a:prstGeom>
+        </p:spPr>
+        <p:style>
+          <a:lnRef idx="2">
+            <a:schemeClr val="accent1">
+              <a:shade val="50000"/>
+            </a:schemeClr>
+          </a:lnRef>
+          <a:fillRef idx="1">
+            <a:schemeClr val="accent1"/>
+          </a:fillRef>
+          <a:effectRef idx="0">
+            <a:schemeClr val="accent1"/>
+          </a:effectRef>
+          <a:fontRef idx="minor">
+            <a:schemeClr val="lt1"/>
+          </a:fontRef>
+        </p:style>
+        <p:txBody>
+          <a:bodyPr rtlCol="0" anchor="ctr"/>
+          <a:lstStyle/>
+          <a:p>
+            <a:pPr algn="ctr"/>
+            <a:r>
+              <a:rPr lang="en-US" sz="1400" dirty="0" smtClean="0"/>
+              <a:t>Settings</a:t>
+            </a:r>
+            <a:endParaRPr lang="en-US" sz="1400" dirty="0"/>
+          </a:p>
+        </p:txBody>
+      </p:sp>
+      <p:sp>
+        <p:nvSpPr>
+          <p:cNvPr id="2" name="Rectangle 1"/>
+          <p:cNvSpPr/>
+          <p:nvPr/>
+        </p:nvSpPr>
+        <p:spPr>
+          <a:xfrm>
+            <a:off x="1700646" y="3048000"/>
+            <a:ext cx="1295400" cy="1143000"/>
+          </a:xfrm>
+          <a:prstGeom prst="rect">
+            <a:avLst/>
+          </a:prstGeom>
+          <a:solidFill>
+            <a:schemeClr val="bg1">
+              <a:lumMod val="50000"/>
+            </a:schemeClr>
+          </a:solidFill>
+        </p:spPr>
+        <p:style>
+          <a:lnRef idx="2">
+            <a:schemeClr val="accent1">
+              <a:shade val="50000"/>
+            </a:schemeClr>
+          </a:lnRef>
+          <a:fillRef idx="1">
+            <a:schemeClr val="accent1"/>
+          </a:fillRef>
+          <a:effectRef idx="0">
+            <a:schemeClr val="accent1"/>
+          </a:effectRef>
+          <a:fontRef idx="minor">
+            <a:schemeClr val="lt1"/>
+          </a:fontRef>
+        </p:style>
+        <p:txBody>
+          <a:bodyPr rtlCol="0" anchor="ctr"/>
+          <a:lstStyle/>
+          <a:p>
+            <a:pPr algn="ctr"/>
+            <a:r>
+              <a:rPr lang="en-US" dirty="0" smtClean="0"/>
+              <a:t>Run</a:t>
+            </a:r>
+            <a:endParaRPr lang="en-US" dirty="0"/>
+          </a:p>
+        </p:txBody>
+      </p:sp>
+      <p:sp>
+        <p:nvSpPr>
+          <p:cNvPr id="30" name="Rectangle 29"/>
+          <p:cNvSpPr/>
+          <p:nvPr/>
+        </p:nvSpPr>
+        <p:spPr>
+          <a:xfrm>
+            <a:off x="3089564" y="3048000"/>
+            <a:ext cx="1295400" cy="1143000"/>
+          </a:xfrm>
+          <a:prstGeom prst="rect">
+            <a:avLst/>
+          </a:prstGeom>
+          <a:solidFill>
+            <a:schemeClr val="bg1">
+              <a:lumMod val="50000"/>
+            </a:schemeClr>
+          </a:solidFill>
+        </p:spPr>
+        <p:style>
+          <a:lnRef idx="2">
+            <a:schemeClr val="accent1">
+              <a:shade val="50000"/>
+            </a:schemeClr>
+          </a:lnRef>
+          <a:fillRef idx="1">
+            <a:schemeClr val="accent1"/>
+          </a:fillRef>
+          <a:effectRef idx="0">
+            <a:schemeClr val="accent1"/>
+          </a:effectRef>
+          <a:fontRef idx="minor">
+            <a:schemeClr val="lt1"/>
+          </a:fontRef>
+        </p:style>
+        <p:txBody>
+          <a:bodyPr rtlCol="0" anchor="ctr"/>
+          <a:lstStyle/>
+          <a:p>
+            <a:pPr algn="ctr"/>
+            <a:r>
+              <a:rPr lang="en-US" dirty="0" smtClean="0"/>
+              <a:t>Bike</a:t>
+            </a:r>
+            <a:endParaRPr lang="en-US" dirty="0"/>
+          </a:p>
+        </p:txBody>
+      </p:sp>
+      <p:sp>
+        <p:nvSpPr>
+          <p:cNvPr id="31" name="Rectangle 30"/>
+          <p:cNvSpPr/>
+          <p:nvPr/>
+        </p:nvSpPr>
+        <p:spPr>
+          <a:xfrm>
+            <a:off x="4478482" y="3043767"/>
+            <a:ext cx="1295400" cy="1143000"/>
+          </a:xfrm>
+          <a:prstGeom prst="rect">
+            <a:avLst/>
+          </a:prstGeom>
+          <a:solidFill>
+            <a:schemeClr val="bg1">
+              <a:lumMod val="50000"/>
+            </a:schemeClr>
+          </a:solidFill>
+        </p:spPr>
+        <p:style>
+          <a:lnRef idx="2">
+            <a:schemeClr val="accent1">
+              <a:shade val="50000"/>
+            </a:schemeClr>
+          </a:lnRef>
+          <a:fillRef idx="1">
+            <a:schemeClr val="accent1"/>
+          </a:fillRef>
+          <a:effectRef idx="0">
+            <a:schemeClr val="accent1"/>
+          </a:effectRef>
+          <a:fontRef idx="minor">
+            <a:schemeClr val="lt1"/>
+          </a:fontRef>
+        </p:style>
+        <p:txBody>
+          <a:bodyPr rtlCol="0" anchor="ctr"/>
+          <a:lstStyle/>
+          <a:p>
+            <a:pPr algn="ctr"/>
+            <a:r>
+              <a:rPr lang="en-US" dirty="0" smtClean="0"/>
+              <a:t>Swim</a:t>
+            </a:r>
+            <a:endParaRPr lang="en-US" dirty="0"/>
+          </a:p>
+        </p:txBody>
+      </p:sp>
+      <p:sp>
+        <p:nvSpPr>
+          <p:cNvPr id="32" name="Rectangle 31"/>
+          <p:cNvSpPr/>
+          <p:nvPr/>
+        </p:nvSpPr>
+        <p:spPr>
+          <a:xfrm>
+            <a:off x="5867400" y="3043767"/>
+            <a:ext cx="1295400" cy="1143000"/>
+          </a:xfrm>
+          <a:prstGeom prst="rect">
+            <a:avLst/>
+          </a:prstGeom>
+          <a:solidFill>
+            <a:schemeClr val="bg1">
+              <a:lumMod val="50000"/>
+            </a:schemeClr>
+          </a:solidFill>
+        </p:spPr>
+        <p:style>
+          <a:lnRef idx="2">
+            <a:schemeClr val="accent1">
+              <a:shade val="50000"/>
+            </a:schemeClr>
+          </a:lnRef>
+          <a:fillRef idx="1">
+            <a:schemeClr val="accent1"/>
+          </a:fillRef>
+          <a:effectRef idx="0">
+            <a:schemeClr val="accent1"/>
+          </a:effectRef>
+          <a:fontRef idx="minor">
+            <a:schemeClr val="lt1"/>
+          </a:fontRef>
+        </p:style>
+        <p:txBody>
+          <a:bodyPr rtlCol="0" anchor="ctr"/>
+          <a:lstStyle/>
+          <a:p>
+            <a:pPr algn="ctr"/>
+            <a:r>
+              <a:rPr lang="en-US" dirty="0" smtClean="0"/>
+              <a:t>Strength</a:t>
+            </a:r>
+            <a:endParaRPr lang="en-US" dirty="0"/>
+          </a:p>
+        </p:txBody>
+      </p:sp>
     </p:spTree>
     <p:extLst>
       <p:ext uri="{BB962C8B-B14F-4D97-AF65-F5344CB8AC3E}">
-        <p14:creationId xmlns:p14="http://schemas.microsoft.com/office/powerpoint/2010/main" val="764055123"/>
+        <p14:creationId xmlns:p14="http://schemas.microsoft.com/office/powerpoint/2010/main" val="3045908288"/>
       </p:ext>
     </p:extLst>
   </p:cSld>
@@ -5628,7 +8055,7 @@
           <a:p>
             <a:pPr algn="ctr"/>
             <a:r>
-              <a:rPr lang="en-US" sz="1400" dirty="0" smtClean="0"/>
+              <a:rPr lang="en-US" sz="1400" dirty="0"/>
               <a:t>Home</a:t>
             </a:r>
             <a:endParaRPr lang="en-US" sz="1400" dirty="0"/>
@@ -5649,6 +8076,9 @@
           <a:prstGeom prst="rect">
             <a:avLst/>
           </a:prstGeom>
+          <a:solidFill>
+            <a:srgbClr val="FFC000"/>
+          </a:solidFill>
         </p:spPr>
         <p:style>
           <a:lnRef idx="2">
@@ -5672,7 +8102,7 @@
           <a:p>
             <a:pPr algn="ctr"/>
             <a:r>
-              <a:rPr lang="en-US" sz="1400" dirty="0" smtClean="0"/>
+              <a:rPr lang="en-US" sz="1400" dirty="0"/>
               <a:t>Log Activity</a:t>
             </a:r>
             <a:endParaRPr lang="en-US" sz="1400" dirty="0"/>
@@ -5716,7 +8146,7 @@
           <a:p>
             <a:pPr algn="ctr"/>
             <a:r>
-              <a:rPr lang="en-US" sz="1400" dirty="0"/>
+              <a:rPr lang="en-US" sz="1400" dirty="0" smtClean="0"/>
               <a:t>Generator</a:t>
             </a:r>
             <a:endParaRPr lang="en-US" sz="1400" dirty="0"/>
@@ -5737,9 +8167,6 @@
           <a:prstGeom prst="rect">
             <a:avLst/>
           </a:prstGeom>
-          <a:solidFill>
-            <a:srgbClr val="FFC000"/>
-          </a:solidFill>
         </p:spPr>
         <p:style>
           <a:lnRef idx="2">
@@ -5763,7 +8190,7 @@
           <a:p>
             <a:pPr algn="ctr"/>
             <a:r>
-              <a:rPr lang="en-US" sz="1400" dirty="0"/>
+              <a:rPr lang="en-US" sz="1400" dirty="0" smtClean="0"/>
               <a:t>Metrics</a:t>
             </a:r>
             <a:endParaRPr lang="en-US" sz="1400" dirty="0"/>
@@ -5772,7 +8199,7 @@
       </p:sp>
       <p:sp>
         <p:nvSpPr>
-          <p:cNvPr id="14" name="Rectangle 13"/>
+          <p:cNvPr id="25" name="Rectangle 24"/>
           <p:cNvSpPr/>
           <p:nvPr/>
         </p:nvSpPr>
@@ -5814,10 +8241,152 @@
           </a:p>
         </p:txBody>
       </p:sp>
+      <p:sp>
+        <p:nvSpPr>
+          <p:cNvPr id="29" name="Rectangle 28"/>
+          <p:cNvSpPr/>
+          <p:nvPr/>
+        </p:nvSpPr>
+        <p:spPr>
+          <a:xfrm>
+            <a:off x="5469080" y="152400"/>
+            <a:ext cx="990600" cy="685800"/>
+          </a:xfrm>
+          <a:prstGeom prst="rect">
+            <a:avLst/>
+          </a:prstGeom>
+        </p:spPr>
+        <p:style>
+          <a:lnRef idx="2">
+            <a:schemeClr val="accent1">
+              <a:shade val="50000"/>
+            </a:schemeClr>
+          </a:lnRef>
+          <a:fillRef idx="1">
+            <a:schemeClr val="accent1"/>
+          </a:fillRef>
+          <a:effectRef idx="0">
+            <a:schemeClr val="accent1"/>
+          </a:effectRef>
+          <a:fontRef idx="minor">
+            <a:schemeClr val="lt1"/>
+          </a:fontRef>
+        </p:style>
+        <p:txBody>
+          <a:bodyPr rtlCol="0" anchor="ctr"/>
+          <a:lstStyle/>
+          <a:p>
+            <a:pPr algn="ctr"/>
+            <a:r>
+              <a:rPr lang="en-US" sz="1400" dirty="0" smtClean="0"/>
+              <a:t>Settings</a:t>
+            </a:r>
+            <a:endParaRPr lang="en-US" sz="1400" dirty="0"/>
+          </a:p>
+        </p:txBody>
+      </p:sp>
+      <p:sp>
+        <p:nvSpPr>
+          <p:cNvPr id="2" name="Rectangle 1"/>
+          <p:cNvSpPr/>
+          <p:nvPr/>
+        </p:nvSpPr>
+        <p:spPr>
+          <a:xfrm>
+            <a:off x="304800" y="1295400"/>
+            <a:ext cx="2362200" cy="457200"/>
+          </a:xfrm>
+          <a:prstGeom prst="rect">
+            <a:avLst/>
+          </a:prstGeom>
+          <a:solidFill>
+            <a:schemeClr val="bg1">
+              <a:lumMod val="50000"/>
+            </a:schemeClr>
+          </a:solidFill>
+        </p:spPr>
+        <p:style>
+          <a:lnRef idx="2">
+            <a:schemeClr val="accent1">
+              <a:shade val="50000"/>
+            </a:schemeClr>
+          </a:lnRef>
+          <a:fillRef idx="1">
+            <a:schemeClr val="accent1"/>
+          </a:fillRef>
+          <a:effectRef idx="0">
+            <a:schemeClr val="accent1"/>
+          </a:effectRef>
+          <a:fontRef idx="minor">
+            <a:schemeClr val="lt1"/>
+          </a:fontRef>
+        </p:style>
+        <p:txBody>
+          <a:bodyPr rtlCol="0" anchor="ctr"/>
+          <a:lstStyle/>
+          <a:p>
+            <a:pPr algn="ctr"/>
+            <a:r>
+              <a:rPr lang="en-US" dirty="0" smtClean="0"/>
+              <a:t>Run</a:t>
+            </a:r>
+            <a:endParaRPr lang="en-US" dirty="0"/>
+          </a:p>
+        </p:txBody>
+      </p:sp>
+      <p:sp>
+        <p:nvSpPr>
+          <p:cNvPr id="14" name="Rectangle 13"/>
+          <p:cNvSpPr/>
+          <p:nvPr/>
+        </p:nvSpPr>
+        <p:spPr>
+          <a:xfrm>
+            <a:off x="6459680" y="6096000"/>
+            <a:ext cx="2362200" cy="457200"/>
+          </a:xfrm>
+          <a:prstGeom prst="rect">
+            <a:avLst/>
+          </a:prstGeom>
+          <a:solidFill>
+            <a:schemeClr val="bg1">
+              <a:lumMod val="50000"/>
+            </a:schemeClr>
+          </a:solidFill>
+        </p:spPr>
+        <p:style>
+          <a:lnRef idx="2">
+            <a:schemeClr val="accent1">
+              <a:shade val="50000"/>
+            </a:schemeClr>
+          </a:lnRef>
+          <a:fillRef idx="1">
+            <a:schemeClr val="accent1"/>
+          </a:fillRef>
+          <a:effectRef idx="0">
+            <a:schemeClr val="accent1"/>
+          </a:effectRef>
+          <a:fontRef idx="minor">
+            <a:schemeClr val="lt1"/>
+          </a:fontRef>
+        </p:style>
+        <p:txBody>
+          <a:bodyPr rtlCol="0" anchor="ctr"/>
+          <a:lstStyle/>
+          <a:p>
+            <a:pPr algn="ctr"/>
+            <a:r>
+              <a:rPr lang="en-US" dirty="0" smtClean="0"/>
+              <a:t>Submit</a:t>
+            </a:r>
+            <a:endParaRPr lang="en-US" dirty="0"/>
+          </a:p>
+        </p:txBody>
+      </p:sp>
     </p:spTree>
     <p:extLst>
       <p:ext uri="{BB962C8B-B14F-4D97-AF65-F5344CB8AC3E}">
-        <p14:creationId xmlns:p14="http://schemas.microsoft.com/office/powerpoint/2010/main" val="276314143"/>
+        <p14:creationId xmlns:p14="http://schemas.microsoft.com/office/powerpoint/2010/main" val="1599205068"/>
       </p:ext>
     </p:extLst>
   </p:cSld>
@@ -6033,6 +8602,9 @@
           <a:prstGeom prst="rect">
             <a:avLst/>
           </a:prstGeom>
+          <a:solidFill>
+            <a:srgbClr val="FFC000"/>
+          </a:solidFill>
         </p:spPr>
         <p:style>
           <a:lnRef idx="2">
@@ -6056,7 +8628,7 @@
           <a:p>
             <a:pPr algn="ctr"/>
             <a:r>
-              <a:rPr lang="en-US" sz="1400" dirty="0"/>
+              <a:rPr lang="en-US" sz="1400" dirty="0" smtClean="0"/>
               <a:t>Generator</a:t>
             </a:r>
             <a:endParaRPr lang="en-US" sz="1400" dirty="0"/>
@@ -6100,7 +8672,7 @@
           <a:p>
             <a:pPr algn="ctr"/>
             <a:r>
-              <a:rPr lang="en-US" sz="1400" dirty="0"/>
+              <a:rPr lang="en-US" sz="1400" dirty="0" smtClean="0"/>
               <a:t>Metrics</a:t>
             </a:r>
             <a:endParaRPr lang="en-US" sz="1400" dirty="0"/>
@@ -6109,7 +8681,7 @@
       </p:sp>
       <p:sp>
         <p:nvSpPr>
-          <p:cNvPr id="14" name="Rectangle 13"/>
+          <p:cNvPr id="25" name="Rectangle 24"/>
           <p:cNvSpPr/>
           <p:nvPr/>
         </p:nvSpPr>
@@ -6121,9 +8693,6 @@
           <a:prstGeom prst="rect">
             <a:avLst/>
           </a:prstGeom>
-          <a:solidFill>
-            <a:srgbClr val="FFC000"/>
-          </a:solidFill>
         </p:spPr>
         <p:style>
           <a:lnRef idx="2">
@@ -6147,8 +8716,52 @@
           <a:p>
             <a:pPr algn="ctr"/>
             <a:r>
-              <a:rPr lang="en-US" sz="1400" dirty="0"/>
+              <a:rPr lang="en-US" sz="1400" dirty="0" smtClean="0"/>
               <a:t>Users</a:t>
+            </a:r>
+            <a:endParaRPr lang="en-US" sz="1400" dirty="0"/>
+          </a:p>
+        </p:txBody>
+      </p:sp>
+      <p:sp>
+        <p:nvSpPr>
+          <p:cNvPr id="29" name="Rectangle 28"/>
+          <p:cNvSpPr/>
+          <p:nvPr/>
+        </p:nvSpPr>
+        <p:spPr>
+          <a:xfrm>
+            <a:off x="5469080" y="152400"/>
+            <a:ext cx="990600" cy="685800"/>
+          </a:xfrm>
+          <a:prstGeom prst="rect">
+            <a:avLst/>
+          </a:prstGeom>
+        </p:spPr>
+        <p:style>
+          <a:lnRef idx="2">
+            <a:schemeClr val="accent1">
+              <a:shade val="50000"/>
+            </a:schemeClr>
+          </a:lnRef>
+          <a:fillRef idx="1">
+            <a:schemeClr val="accent1"/>
+          </a:fillRef>
+          <a:effectRef idx="0">
+            <a:schemeClr val="accent1"/>
+          </a:effectRef>
+          <a:fontRef idx="minor">
+            <a:schemeClr val="lt1"/>
+          </a:fontRef>
+        </p:style>
+        <p:txBody>
+          <a:bodyPr rtlCol="0" anchor="ctr"/>
+          <a:lstStyle/>
+          <a:p>
+            <a:pPr algn="ctr"/>
+            <a:r>
+              <a:rPr lang="en-US" sz="1400" dirty="0" smtClean="0"/>
+              <a:t>Settings</a:t>
             </a:r>
             <a:endParaRPr lang="en-US" sz="1400" dirty="0"/>
           </a:p>
@@ -6157,7 +8770,391 @@
     </p:spTree>
     <p:extLst>
       <p:ext uri="{BB962C8B-B14F-4D97-AF65-F5344CB8AC3E}">
-        <p14:creationId xmlns:p14="http://schemas.microsoft.com/office/powerpoint/2010/main" val="779288040"/>
+        <p14:creationId xmlns:p14="http://schemas.microsoft.com/office/powerpoint/2010/main" val="764055123"/>
+      </p:ext>
+    </p:extLst>
+  </p:cSld>
+  <p:clrMapOvr>
+    <a:masterClrMapping/>
+  </p:clrMapOvr>
+  <p:timing>
+    <p:tnLst>
+      <p:par>
+        <p:cTn id="1" dur="indefinite" restart="never" nodeType="tmRoot"/>
+      </p:par>
+    </p:tnLst>
+  </p:timing>
+</p:sld>
+</file>
+
+<file path=ppt/slides/slide9.xml><?xml version="1.0" encoding="utf-8"?>
+<p:sld xmlns:a="http://schemas.openxmlformats.org/drawingml/2006/main" xmlns:r="http://schemas.openxmlformats.org/officeDocument/2006/relationships" xmlns:p="http://schemas.openxmlformats.org/presentationml/2006/main">
+  <p:cSld>
+    <p:spTree>
+      <p:nvGrpSpPr>
+        <p:cNvPr id="1" name=""/>
+        <p:cNvGrpSpPr/>
+        <p:nvPr/>
+      </p:nvGrpSpPr>
+      <p:grpSpPr>
+        <a:xfrm>
+          <a:off x="0" y="0"/>
+          <a:ext cx="0" cy="0"/>
+          <a:chOff x="0" y="0"/>
+          <a:chExt cx="0" cy="0"/>
+        </a:xfrm>
+      </p:grpSpPr>
+      <p:sp>
+        <p:nvSpPr>
+          <p:cNvPr id="5" name="Rectangle 4"/>
+          <p:cNvSpPr/>
+          <p:nvPr/>
+        </p:nvSpPr>
+        <p:spPr>
+          <a:xfrm>
+            <a:off x="0" y="0"/>
+            <a:ext cx="9144000" cy="990600"/>
+          </a:xfrm>
+          <a:prstGeom prst="rect">
+            <a:avLst/>
+          </a:prstGeom>
+        </p:spPr>
+        <p:style>
+          <a:lnRef idx="2">
+            <a:schemeClr val="accent1">
+              <a:shade val="50000"/>
+            </a:schemeClr>
+          </a:lnRef>
+          <a:fillRef idx="1">
+            <a:schemeClr val="accent1"/>
+          </a:fillRef>
+          <a:effectRef idx="0">
+            <a:schemeClr val="accent1"/>
+          </a:effectRef>
+          <a:fontRef idx="minor">
+            <a:schemeClr val="lt1"/>
+          </a:fontRef>
+        </p:style>
+        <p:txBody>
+          <a:bodyPr rtlCol="0" anchor="ctr"/>
+          <a:lstStyle/>
+          <a:p>
+            <a:pPr algn="ctr"/>
+            <a:endParaRPr lang="en-US" dirty="0"/>
+          </a:p>
+        </p:txBody>
+      </p:sp>
+      <p:sp>
+        <p:nvSpPr>
+          <p:cNvPr id="7" name="Rectangle 6"/>
+          <p:cNvSpPr/>
+          <p:nvPr/>
+        </p:nvSpPr>
+        <p:spPr>
+          <a:xfrm>
+            <a:off x="152400" y="1143000"/>
+            <a:ext cx="8839200" cy="5562600"/>
+          </a:xfrm>
+          <a:prstGeom prst="rect">
+            <a:avLst/>
+          </a:prstGeom>
+        </p:spPr>
+        <p:style>
+          <a:lnRef idx="2">
+            <a:schemeClr val="accent1">
+              <a:shade val="50000"/>
+            </a:schemeClr>
+          </a:lnRef>
+          <a:fillRef idx="1">
+            <a:schemeClr val="accent1"/>
+          </a:fillRef>
+          <a:effectRef idx="0">
+            <a:schemeClr val="accent1"/>
+          </a:effectRef>
+          <a:fontRef idx="minor">
+            <a:schemeClr val="lt1"/>
+          </a:fontRef>
+        </p:style>
+        <p:txBody>
+          <a:bodyPr rtlCol="0" anchor="ctr"/>
+          <a:lstStyle/>
+          <a:p>
+            <a:pPr algn="ctr"/>
+            <a:endParaRPr lang="en-US" dirty="0"/>
+          </a:p>
+        </p:txBody>
+      </p:sp>
+      <p:sp>
+        <p:nvSpPr>
+          <p:cNvPr id="8" name="Rectangle 7"/>
+          <p:cNvSpPr/>
+          <p:nvPr/>
+        </p:nvSpPr>
+        <p:spPr>
+          <a:xfrm>
+            <a:off x="219529" y="152400"/>
+            <a:ext cx="990600" cy="685800"/>
+          </a:xfrm>
+          <a:prstGeom prst="rect">
+            <a:avLst/>
+          </a:prstGeom>
+        </p:spPr>
+        <p:style>
+          <a:lnRef idx="2">
+            <a:schemeClr val="accent1">
+              <a:shade val="50000"/>
+            </a:schemeClr>
+          </a:lnRef>
+          <a:fillRef idx="1">
+            <a:schemeClr val="accent1"/>
+          </a:fillRef>
+          <a:effectRef idx="0">
+            <a:schemeClr val="accent1"/>
+          </a:effectRef>
+          <a:fontRef idx="minor">
+            <a:schemeClr val="lt1"/>
+          </a:fontRef>
+        </p:style>
+        <p:txBody>
+          <a:bodyPr rtlCol="0" anchor="ctr"/>
+          <a:lstStyle/>
+          <a:p>
+            <a:pPr algn="ctr"/>
+            <a:r>
+              <a:rPr lang="en-US" sz="1400" dirty="0" smtClean="0"/>
+              <a:t>Home</a:t>
+            </a:r>
+            <a:endParaRPr lang="en-US" sz="1400" dirty="0"/>
+          </a:p>
+        </p:txBody>
+      </p:sp>
+      <p:sp>
+        <p:nvSpPr>
+          <p:cNvPr id="9" name="Rectangle 8"/>
+          <p:cNvSpPr/>
+          <p:nvPr/>
+        </p:nvSpPr>
+        <p:spPr>
+          <a:xfrm>
+            <a:off x="1280887" y="152400"/>
+            <a:ext cx="990600" cy="685800"/>
+          </a:xfrm>
+          <a:prstGeom prst="rect">
+            <a:avLst/>
+          </a:prstGeom>
+        </p:spPr>
+        <p:style>
+          <a:lnRef idx="2">
+            <a:schemeClr val="accent1">
+              <a:shade val="50000"/>
+            </a:schemeClr>
+          </a:lnRef>
+          <a:fillRef idx="1">
+            <a:schemeClr val="accent1"/>
+          </a:fillRef>
+          <a:effectRef idx="0">
+            <a:schemeClr val="accent1"/>
+          </a:effectRef>
+          <a:fontRef idx="minor">
+            <a:schemeClr val="lt1"/>
+          </a:fontRef>
+        </p:style>
+        <p:txBody>
+          <a:bodyPr rtlCol="0" anchor="ctr"/>
+          <a:lstStyle/>
+          <a:p>
+            <a:pPr algn="ctr"/>
+            <a:r>
+              <a:rPr lang="en-US" sz="1400" dirty="0" smtClean="0"/>
+              <a:t>Log Activity</a:t>
+            </a:r>
+            <a:endParaRPr lang="en-US" sz="1400" dirty="0"/>
+          </a:p>
+        </p:txBody>
+      </p:sp>
+      <p:sp>
+        <p:nvSpPr>
+          <p:cNvPr id="10" name="Rectangle 9"/>
+          <p:cNvSpPr/>
+          <p:nvPr/>
+        </p:nvSpPr>
+        <p:spPr>
+          <a:xfrm>
+            <a:off x="2341418" y="152400"/>
+            <a:ext cx="990600" cy="685800"/>
+          </a:xfrm>
+          <a:prstGeom prst="rect">
+            <a:avLst/>
+          </a:prstGeom>
+        </p:spPr>
+        <p:style>
+          <a:lnRef idx="2">
+            <a:schemeClr val="accent1">
+              <a:shade val="50000"/>
+            </a:schemeClr>
+          </a:lnRef>
+          <a:fillRef idx="1">
+            <a:schemeClr val="accent1"/>
+          </a:fillRef>
+          <a:effectRef idx="0">
+            <a:schemeClr val="accent1"/>
+          </a:effectRef>
+          <a:fontRef idx="minor">
+            <a:schemeClr val="lt1"/>
+          </a:fontRef>
+        </p:style>
+        <p:txBody>
+          <a:bodyPr rtlCol="0" anchor="ctr"/>
+          <a:lstStyle/>
+          <a:p>
+            <a:pPr algn="ctr"/>
+            <a:r>
+              <a:rPr lang="en-US" sz="1400" dirty="0"/>
+              <a:t>Generator</a:t>
+            </a:r>
+            <a:endParaRPr lang="en-US" sz="1400" dirty="0"/>
+          </a:p>
+        </p:txBody>
+      </p:sp>
+      <p:sp>
+        <p:nvSpPr>
+          <p:cNvPr id="11" name="Rectangle 10"/>
+          <p:cNvSpPr/>
+          <p:nvPr/>
+        </p:nvSpPr>
+        <p:spPr>
+          <a:xfrm>
+            <a:off x="3383972" y="152400"/>
+            <a:ext cx="990600" cy="685800"/>
+          </a:xfrm>
+          <a:prstGeom prst="rect">
+            <a:avLst/>
+          </a:prstGeom>
+          <a:solidFill>
+            <a:srgbClr val="FFC000"/>
+          </a:solidFill>
+        </p:spPr>
+        <p:style>
+          <a:lnRef idx="2">
+            <a:schemeClr val="accent1">
+              <a:shade val="50000"/>
+            </a:schemeClr>
+          </a:lnRef>
+          <a:fillRef idx="1">
+            <a:schemeClr val="accent1"/>
+          </a:fillRef>
+          <a:effectRef idx="0">
+            <a:schemeClr val="accent1"/>
+          </a:effectRef>
+          <a:fontRef idx="minor">
+            <a:schemeClr val="lt1"/>
+          </a:fontRef>
+        </p:style>
+        <p:txBody>
+          <a:bodyPr rtlCol="0" anchor="ctr"/>
+          <a:lstStyle/>
+          <a:p>
+            <a:pPr algn="ctr"/>
+            <a:r>
+              <a:rPr lang="en-US" sz="1400" dirty="0"/>
+              <a:t>Metrics</a:t>
+            </a:r>
+            <a:endParaRPr lang="en-US" sz="1400" dirty="0"/>
+          </a:p>
+        </p:txBody>
+      </p:sp>
+      <p:sp>
+        <p:nvSpPr>
+          <p:cNvPr id="14" name="Rectangle 13"/>
+          <p:cNvSpPr/>
+          <p:nvPr/>
+        </p:nvSpPr>
+        <p:spPr>
+          <a:xfrm>
+            <a:off x="4426526" y="152400"/>
+            <a:ext cx="990600" cy="685800"/>
+          </a:xfrm>
+          <a:prstGeom prst="rect">
+            <a:avLst/>
+          </a:prstGeom>
+        </p:spPr>
+        <p:style>
+          <a:lnRef idx="2">
+            <a:schemeClr val="accent1">
+              <a:shade val="50000"/>
+            </a:schemeClr>
+          </a:lnRef>
+          <a:fillRef idx="1">
+            <a:schemeClr val="accent1"/>
+          </a:fillRef>
+          <a:effectRef idx="0">
+            <a:schemeClr val="accent1"/>
+          </a:effectRef>
+          <a:fontRef idx="minor">
+            <a:schemeClr val="lt1"/>
+          </a:fontRef>
+        </p:style>
+        <p:txBody>
+          <a:bodyPr rtlCol="0" anchor="ctr"/>
+          <a:lstStyle/>
+          <a:p>
+            <a:pPr algn="ctr"/>
+            <a:r>
+              <a:rPr lang="en-US" sz="1400" dirty="0" smtClean="0"/>
+              <a:t>Users</a:t>
+            </a:r>
+            <a:endParaRPr lang="en-US" sz="1400" dirty="0"/>
+          </a:p>
+        </p:txBody>
+      </p:sp>
+      <p:sp>
+        <p:nvSpPr>
+          <p:cNvPr id="16" name="Rectangle 15"/>
+          <p:cNvSpPr/>
+          <p:nvPr/>
+        </p:nvSpPr>
+        <p:spPr>
+          <a:xfrm>
+            <a:off x="5469080" y="152400"/>
+            <a:ext cx="990600" cy="685800"/>
+          </a:xfrm>
+          <a:prstGeom prst="rect">
+            <a:avLst/>
+          </a:prstGeom>
+        </p:spPr>
+        <p:style>
+          <a:lnRef idx="2">
+            <a:schemeClr val="accent1">
+              <a:shade val="50000"/>
+            </a:schemeClr>
+          </a:lnRef>
+          <a:fillRef idx="1">
+            <a:schemeClr val="accent1"/>
+          </a:fillRef>
+          <a:effectRef idx="0">
+            <a:schemeClr val="accent1"/>
+          </a:effectRef>
+          <a:fontRef idx="minor">
+            <a:schemeClr val="lt1"/>
+          </a:fontRef>
+        </p:style>
+        <p:txBody>
+          <a:bodyPr rtlCol="0" anchor="ctr"/>
+          <a:lstStyle/>
+          <a:p>
+            <a:pPr algn="ctr"/>
+            <a:r>
+              <a:rPr lang="en-US" sz="1400" dirty="0" smtClean="0"/>
+              <a:t>Settings</a:t>
+            </a:r>
+            <a:endParaRPr lang="en-US" sz="1400" dirty="0"/>
+          </a:p>
+        </p:txBody>
+      </p:sp>
+    </p:spTree>
+    <p:extLst>
+      <p:ext uri="{BB962C8B-B14F-4D97-AF65-F5344CB8AC3E}">
+        <p14:creationId xmlns:p14="http://schemas.microsoft.com/office/powerpoint/2010/main" val="276314143"/>
       </p:ext>
     </p:extLst>
   </p:cSld>
@@ -6457,4 +9454,265 @@
   <a:objectDefaults/>
   <a:extraClrSchemeLst/>
 </a:theme>
+</file>
+
+<file path=ppt/theme/theme2.xml><?xml version="1.0" encoding="utf-8"?>
+<a:theme xmlns:a="http://schemas.openxmlformats.org/drawingml/2006/main" name="Office Theme">
+  <a:themeElements>
+    <a:clrScheme name="Office">
+      <a:dk1>
+        <a:sysClr val="windowText" lastClr="000000"/>
+      </a:dk1>
+      <a:lt1>
+        <a:sysClr val="window" lastClr="FFFFFF"/>
+      </a:lt1>
+      <a:dk2>
+        <a:srgbClr val="44546A"/>
+      </a:dk2>
+      <a:lt2>
+        <a:srgbClr val="E7E6E6"/>
+      </a:lt2>
+      <a:accent1>
+        <a:srgbClr val="5B9BD5"/>
+      </a:accent1>
+      <a:accent2>
+        <a:srgbClr val="ED7D31"/>
+      </a:accent2>
+      <a:accent3>
+        <a:srgbClr val="A5A5A5"/>
+      </a:accent3>
+      <a:accent4>
+        <a:srgbClr val="FFC000"/>
+      </a:accent4>
+      <a:accent5>
+        <a:srgbClr val="4472C4"/>
+      </a:accent5>
+      <a:accent6>
+        <a:srgbClr val="70AD47"/>
+      </a:accent6>
+      <a:hlink>
+        <a:srgbClr val="0563C1"/>
+      </a:hlink>
+      <a:folHlink>
+        <a:srgbClr val="954F72"/>
+      </a:folHlink>
+    </a:clrScheme>
+    <a:fontScheme name="Office">
+      <a:majorFont>
+        <a:latin typeface="Calibri Light" panose="020F0302020204030204"/>
+        <a:ea typeface=""/>
+        <a:cs typeface=""/>
+        <a:font script="Jpan" typeface="ＭＳ Ｐゴシック"/>
+        <a:font script="Hang" typeface="맑은 고딕"/>
+        <a:font script="Hans" typeface="宋体"/>
+        <a:font script="Hant" typeface="新細明體"/>
+        <a:font script="Arab" typeface="Times New Roman"/>
+        <a:font script="Hebr" typeface="Times New Roman"/>
+        <a:font script="Thai" typeface="Angsana New"/>
+        <a:font script="Ethi" typeface="Nyala"/>
+        <a:font script="Beng" typeface="Vrinda"/>
+        <a:font script="Gujr" typeface="Shruti"/>
+        <a:font script="Khmr" typeface="MoolBoran"/>
+        <a:font script="Knda" typeface="Tunga"/>
+        <a:font script="Guru" typeface="Raavi"/>
+        <a:font script="Cans" typeface="Euphemia"/>
+        <a:font script="Cher" typeface="Plantagenet Cherokee"/>
+        <a:font script="Yiii" typeface="Microsoft Yi Baiti"/>
+        <a:font script="Tibt" typeface="Microsoft Himalaya"/>
+        <a:font script="Thaa" typeface="MV Boli"/>
+        <a:font script="Deva" typeface="Mangal"/>
+        <a:font script="Telu" typeface="Gautami"/>
+        <a:font script="Taml" typeface="Latha"/>
+        <a:font script="Syrc" typeface="Estrangelo Edessa"/>
+        <a:font script="Orya" typeface="Kalinga"/>
+        <a:font script="Mlym" typeface="Kartika"/>
+        <a:font script="Laoo" typeface="DokChampa"/>
+        <a:font script="Sinh" typeface="Iskoola Pota"/>
+        <a:font script="Mong" typeface="Mongolian Baiti"/>
+        <a:font script="Viet" typeface="Times New Roman"/>
+        <a:font script="Uigh" typeface="Microsoft Uighur"/>
+        <a:font script="Geor" typeface="Sylfaen"/>
+      </a:majorFont>
+      <a:minorFont>
+        <a:latin typeface="Calibri" panose="020F0502020204030204"/>
+        <a:ea typeface=""/>
+        <a:cs typeface=""/>
+        <a:font script="Jpan" typeface="ＭＳ Ｐゴシック"/>
+        <a:font script="Hang" typeface="맑은 고딕"/>
+        <a:font script="Hans" typeface="宋体"/>
+        <a:font script="Hant" typeface="新細明體"/>
+        <a:font script="Arab" typeface="Arial"/>
+        <a:font script="Hebr" typeface="Arial"/>
+        <a:font script="Thai" typeface="Cordia New"/>
+        <a:font script="Ethi" typeface="Nyala"/>
+        <a:font script="Beng" typeface="Vrinda"/>
+        <a:font script="Gujr" typeface="Shruti"/>
+        <a:font script="Khmr" typeface="DaunPenh"/>
+        <a:font script="Knda" typeface="Tunga"/>
+        <a:font script="Guru" typeface="Raavi"/>
+        <a:font script="Cans" typeface="Euphemia"/>
+        <a:font script="Cher" typeface="Plantagenet Cherokee"/>
+        <a:font script="Yiii" typeface="Microsoft Yi Baiti"/>
+        <a:font script="Tibt" typeface="Microsoft Himalaya"/>
+        <a:font script="Thaa" typeface="MV Boli"/>
+        <a:font script="Deva" typeface="Mangal"/>
+        <a:font script="Telu" typeface="Gautami"/>
+        <a:font script="Taml" typeface="Latha"/>
+        <a:font script="Syrc" typeface="Estrangelo Edessa"/>
+        <a:font script="Orya" typeface="Kalinga"/>
+        <a:font script="Mlym" typeface="Kartika"/>
+        <a:font script="Laoo" typeface="DokChampa"/>
+        <a:font script="Sinh" typeface="Iskoola Pota"/>
+        <a:font script="Mong" typeface="Mongolian Baiti"/>
+        <a:font script="Viet" typeface="Arial"/>
+        <a:font script="Uigh" typeface="Microsoft Uighur"/>
+        <a:font script="Geor" typeface="Sylfaen"/>
+      </a:minorFont>
+    </a:fontScheme>
+    <a:fmtScheme name="Office">
+      <a:fillStyleLst>
+        <a:solidFill>
+          <a:schemeClr val="phClr"/>
+        </a:solidFill>
+        <a:gradFill rotWithShape="1">
+          <a:gsLst>
+            <a:gs pos="0">
+              <a:schemeClr val="phClr">
+                <a:lumMod val="110000"/>
+                <a:satMod val="105000"/>
+                <a:tint val="67000"/>
+              </a:schemeClr>
+            </a:gs>
+            <a:gs pos="50000">
+              <a:schemeClr val="phClr">
+                <a:lumMod val="105000"/>
+                <a:satMod val="103000"/>
+                <a:tint val="73000"/>
+              </a:schemeClr>
+            </a:gs>
+            <a:gs pos="100000">
+              <a:schemeClr val="phClr">
+                <a:lumMod val="105000"/>
+                <a:satMod val="109000"/>
+                <a:tint val="81000"/>
+              </a:schemeClr>
+            </a:gs>
+          </a:gsLst>
+          <a:lin ang="5400000" scaled="0"/>
+        </a:gradFill>
+        <a:gradFill rotWithShape="1">
+          <a:gsLst>
+            <a:gs pos="0">
+              <a:schemeClr val="phClr">
+                <a:satMod val="103000"/>
+                <a:lumMod val="102000"/>
+                <a:tint val="94000"/>
+              </a:schemeClr>
+            </a:gs>
+            <a:gs pos="50000">
+              <a:schemeClr val="phClr">
+                <a:satMod val="110000"/>
+                <a:lumMod val="100000"/>
+                <a:shade val="100000"/>
+              </a:schemeClr>
+            </a:gs>
+            <a:gs pos="100000">
+              <a:schemeClr val="phClr">
+                <a:lumMod val="99000"/>
+                <a:satMod val="120000"/>
+                <a:shade val="78000"/>
+              </a:schemeClr>
+            </a:gs>
+          </a:gsLst>
+          <a:lin ang="5400000" scaled="0"/>
+        </a:gradFill>
+      </a:fillStyleLst>
+      <a:lnStyleLst>
+        <a:ln w="6350" cap="flat" cmpd="sng" algn="ctr">
+          <a:solidFill>
+            <a:schemeClr val="phClr"/>
+          </a:solidFill>
+          <a:prstDash val="solid"/>
+          <a:miter lim="800000"/>
+        </a:ln>
+        <a:ln w="12700" cap="flat" cmpd="sng" algn="ctr">
+          <a:solidFill>
+            <a:schemeClr val="phClr"/>
+          </a:solidFill>
+          <a:prstDash val="solid"/>
+          <a:miter lim="800000"/>
+        </a:ln>
+        <a:ln w="19050" cap="flat" cmpd="sng" algn="ctr">
+          <a:solidFill>
+            <a:schemeClr val="phClr"/>
+          </a:solidFill>
+          <a:prstDash val="solid"/>
+          <a:miter lim="800000"/>
+        </a:ln>
+      </a:lnStyleLst>
+      <a:effectStyleLst>
+        <a:effectStyle>
+          <a:effectLst/>
+        </a:effectStyle>
+        <a:effectStyle>
+          <a:effectLst/>
+        </a:effectStyle>
+        <a:effectStyle>
+          <a:effectLst>
+            <a:outerShdw blurRad="57150" dist="19050" dir="5400000" algn="ctr" rotWithShape="0">
+              <a:srgbClr val="000000">
+                <a:alpha val="63000"/>
+              </a:srgbClr>
+            </a:outerShdw>
+          </a:effectLst>
+        </a:effectStyle>
+      </a:effectStyleLst>
+      <a:bgFillStyleLst>
+        <a:solidFill>
+          <a:schemeClr val="phClr"/>
+        </a:solidFill>
+        <a:solidFill>
+          <a:schemeClr val="phClr">
+            <a:tint val="95000"/>
+            <a:satMod val="170000"/>
+          </a:schemeClr>
+        </a:solidFill>
+        <a:gradFill rotWithShape="1">
+          <a:gsLst>
+            <a:gs pos="0">
+              <a:schemeClr val="phClr">
+                <a:tint val="93000"/>
+                <a:satMod val="150000"/>
+                <a:shade val="98000"/>
+                <a:lumMod val="102000"/>
+              </a:schemeClr>
+            </a:gs>
+            <a:gs pos="50000">
+              <a:schemeClr val="phClr">
+                <a:tint val="98000"/>
+                <a:satMod val="130000"/>
+                <a:shade val="90000"/>
+                <a:lumMod val="103000"/>
+              </a:schemeClr>
+            </a:gs>
+            <a:gs pos="100000">
+              <a:schemeClr val="phClr">
+                <a:shade val="63000"/>
+                <a:satMod val="120000"/>
+              </a:schemeClr>
+            </a:gs>
+          </a:gsLst>
+          <a:lin ang="5400000" scaled="0"/>
+        </a:gradFill>
+      </a:bgFillStyleLst>
+    </a:fmtScheme>
+  </a:themeElements>
+  <a:objectDefaults/>
+  <a:extraClrSchemeLst/>
+  <a:extLst>
+    <a:ext uri="{05A4C25C-085E-4340-85A3-A5531E510DB2}">
+      <thm15:themeFamily xmlns:thm15="http://schemas.microsoft.com/office/thememl/2012/main" name="Office Theme" id="{62F939B6-93AF-4DB8-9C6B-D6C7DFDC589F}" vid="{4A3C46E8-61CC-4603-A589-7422A47A8E4A}"/>
+    </a:ext>
+  </a:extLst>
+</a:theme>
 </file>
--- a/Outline.pptx
+++ b/Outline.pptx
@@ -5,20 +5,21 @@
     <p:sldMasterId id="2147483648" r:id="rId1"/>
   </p:sldMasterIdLst>
   <p:notesMasterIdLst>
-    <p:notesMasterId r:id="rId13"/>
+    <p:notesMasterId r:id="rId14"/>
   </p:notesMasterIdLst>
   <p:sldIdLst>
     <p:sldId id="260" r:id="rId2"/>
     <p:sldId id="258" r:id="rId3"/>
     <p:sldId id="259" r:id="rId4"/>
-    <p:sldId id="256" r:id="rId5"/>
-    <p:sldId id="267" r:id="rId6"/>
-    <p:sldId id="262" r:id="rId7"/>
-    <p:sldId id="266" r:id="rId8"/>
-    <p:sldId id="261" r:id="rId9"/>
-    <p:sldId id="263" r:id="rId10"/>
-    <p:sldId id="264" r:id="rId11"/>
-    <p:sldId id="265" r:id="rId12"/>
+    <p:sldId id="268" r:id="rId5"/>
+    <p:sldId id="256" r:id="rId6"/>
+    <p:sldId id="267" r:id="rId7"/>
+    <p:sldId id="262" r:id="rId8"/>
+    <p:sldId id="266" r:id="rId9"/>
+    <p:sldId id="261" r:id="rId10"/>
+    <p:sldId id="263" r:id="rId11"/>
+    <p:sldId id="264" r:id="rId12"/>
+    <p:sldId id="265" r:id="rId13"/>
   </p:sldIdLst>
   <p:sldSz cx="9144000" cy="6858000" type="screen4x3"/>
   <p:notesSz cx="6858000" cy="9144000"/>
@@ -567,7 +568,7 @@
           <a:p>
             <a:fld id="{BD204984-C8E0-4A36-ACA8-0903ABDD621F}" type="slidenum">
               <a:rPr lang="en-US" smtClean="0"/>
-              <a:t>6</a:t>
+              <a:t>7</a:t>
             </a:fld>
             <a:endParaRPr lang="en-US"/>
           </a:p>
@@ -675,7 +676,7 @@
           <a:p>
             <a:fld id="{BD204984-C8E0-4A36-ACA8-0903ABDD621F}" type="slidenum">
               <a:rPr lang="en-US" smtClean="0"/>
-              <a:t>7</a:t>
+              <a:t>8</a:t>
             </a:fld>
             <a:endParaRPr lang="en-US"/>
           </a:p>
@@ -916,7 +917,7 @@
           <a:p>
             <a:fld id="{BD204984-C8E0-4A36-ACA8-0903ABDD621F}" type="slidenum">
               <a:rPr lang="en-US" smtClean="0"/>
-              <a:t>8</a:t>
+              <a:t>9</a:t>
             </a:fld>
             <a:endParaRPr lang="en-US"/>
           </a:p>
@@ -1018,7 +1019,7 @@
           <a:p>
             <a:fld id="{BD204984-C8E0-4A36-ACA8-0903ABDD621F}" type="slidenum">
               <a:rPr lang="en-US" smtClean="0"/>
-              <a:t>9</a:t>
+              <a:t>10</a:t>
             </a:fld>
             <a:endParaRPr lang="en-US"/>
           </a:p>
@@ -1122,7 +1123,7 @@
           <a:p>
             <a:fld id="{BD204984-C8E0-4A36-ACA8-0903ABDD621F}" type="slidenum">
               <a:rPr lang="en-US" smtClean="0"/>
-              <a:t>10</a:t>
+              <a:t>11</a:t>
             </a:fld>
             <a:endParaRPr lang="en-US"/>
           </a:p>
@@ -1229,7 +1230,7 @@
           <a:p>
             <a:fld id="{BD204984-C8E0-4A36-ACA8-0903ABDD621F}" type="slidenum">
               <a:rPr lang="en-US" smtClean="0"/>
-              <a:t>11</a:t>
+              <a:t>12</a:t>
             </a:fld>
             <a:endParaRPr lang="en-US"/>
           </a:p>
@@ -4782,6 +4783,390 @@
           <a:prstGeom prst="rect">
             <a:avLst/>
           </a:prstGeom>
+          <a:solidFill>
+            <a:srgbClr val="FFC000"/>
+          </a:solidFill>
+        </p:spPr>
+        <p:style>
+          <a:lnRef idx="2">
+            <a:schemeClr val="accent1">
+              <a:shade val="50000"/>
+            </a:schemeClr>
+          </a:lnRef>
+          <a:fillRef idx="1">
+            <a:schemeClr val="accent1"/>
+          </a:fillRef>
+          <a:effectRef idx="0">
+            <a:schemeClr val="accent1"/>
+          </a:effectRef>
+          <a:fontRef idx="minor">
+            <a:schemeClr val="lt1"/>
+          </a:fontRef>
+        </p:style>
+        <p:txBody>
+          <a:bodyPr rtlCol="0" anchor="ctr"/>
+          <a:lstStyle/>
+          <a:p>
+            <a:pPr algn="ctr"/>
+            <a:r>
+              <a:rPr lang="en-US" sz="1400" dirty="0"/>
+              <a:t>Metrics</a:t>
+            </a:r>
+            <a:endParaRPr lang="en-US" sz="1400" dirty="0"/>
+          </a:p>
+        </p:txBody>
+      </p:sp>
+      <p:sp>
+        <p:nvSpPr>
+          <p:cNvPr id="14" name="Rectangle 13"/>
+          <p:cNvSpPr/>
+          <p:nvPr/>
+        </p:nvSpPr>
+        <p:spPr>
+          <a:xfrm>
+            <a:off x="4426526" y="152400"/>
+            <a:ext cx="990600" cy="685800"/>
+          </a:xfrm>
+          <a:prstGeom prst="rect">
+            <a:avLst/>
+          </a:prstGeom>
+        </p:spPr>
+        <p:style>
+          <a:lnRef idx="2">
+            <a:schemeClr val="accent1">
+              <a:shade val="50000"/>
+            </a:schemeClr>
+          </a:lnRef>
+          <a:fillRef idx="1">
+            <a:schemeClr val="accent1"/>
+          </a:fillRef>
+          <a:effectRef idx="0">
+            <a:schemeClr val="accent1"/>
+          </a:effectRef>
+          <a:fontRef idx="minor">
+            <a:schemeClr val="lt1"/>
+          </a:fontRef>
+        </p:style>
+        <p:txBody>
+          <a:bodyPr rtlCol="0" anchor="ctr"/>
+          <a:lstStyle/>
+          <a:p>
+            <a:pPr algn="ctr"/>
+            <a:r>
+              <a:rPr lang="en-US" sz="1400" dirty="0" smtClean="0"/>
+              <a:t>Users</a:t>
+            </a:r>
+            <a:endParaRPr lang="en-US" sz="1400" dirty="0"/>
+          </a:p>
+        </p:txBody>
+      </p:sp>
+      <p:sp>
+        <p:nvSpPr>
+          <p:cNvPr id="16" name="Rectangle 15"/>
+          <p:cNvSpPr/>
+          <p:nvPr/>
+        </p:nvSpPr>
+        <p:spPr>
+          <a:xfrm>
+            <a:off x="5469080" y="152400"/>
+            <a:ext cx="990600" cy="685800"/>
+          </a:xfrm>
+          <a:prstGeom prst="rect">
+            <a:avLst/>
+          </a:prstGeom>
+        </p:spPr>
+        <p:style>
+          <a:lnRef idx="2">
+            <a:schemeClr val="accent1">
+              <a:shade val="50000"/>
+            </a:schemeClr>
+          </a:lnRef>
+          <a:fillRef idx="1">
+            <a:schemeClr val="accent1"/>
+          </a:fillRef>
+          <a:effectRef idx="0">
+            <a:schemeClr val="accent1"/>
+          </a:effectRef>
+          <a:fontRef idx="minor">
+            <a:schemeClr val="lt1"/>
+          </a:fontRef>
+        </p:style>
+        <p:txBody>
+          <a:bodyPr rtlCol="0" anchor="ctr"/>
+          <a:lstStyle/>
+          <a:p>
+            <a:pPr algn="ctr"/>
+            <a:r>
+              <a:rPr lang="en-US" sz="1400" dirty="0" smtClean="0"/>
+              <a:t>Settings</a:t>
+            </a:r>
+            <a:endParaRPr lang="en-US" sz="1400" dirty="0"/>
+          </a:p>
+        </p:txBody>
+      </p:sp>
+    </p:spTree>
+    <p:extLst>
+      <p:ext uri="{BB962C8B-B14F-4D97-AF65-F5344CB8AC3E}">
+        <p14:creationId xmlns:p14="http://schemas.microsoft.com/office/powerpoint/2010/main" val="276314143"/>
+      </p:ext>
+    </p:extLst>
+  </p:cSld>
+  <p:clrMapOvr>
+    <a:masterClrMapping/>
+  </p:clrMapOvr>
+  <p:timing>
+    <p:tnLst>
+      <p:par>
+        <p:cTn id="1" dur="indefinite" restart="never" nodeType="tmRoot"/>
+      </p:par>
+    </p:tnLst>
+  </p:timing>
+</p:sld>
+</file>
+
+<file path=ppt/slides/slide11.xml><?xml version="1.0" encoding="utf-8"?>
+<p:sld xmlns:a="http://schemas.openxmlformats.org/drawingml/2006/main" xmlns:r="http://schemas.openxmlformats.org/officeDocument/2006/relationships" xmlns:p="http://schemas.openxmlformats.org/presentationml/2006/main">
+  <p:cSld>
+    <p:spTree>
+      <p:nvGrpSpPr>
+        <p:cNvPr id="1" name=""/>
+        <p:cNvGrpSpPr/>
+        <p:nvPr/>
+      </p:nvGrpSpPr>
+      <p:grpSpPr>
+        <a:xfrm>
+          <a:off x="0" y="0"/>
+          <a:ext cx="0" cy="0"/>
+          <a:chOff x="0" y="0"/>
+          <a:chExt cx="0" cy="0"/>
+        </a:xfrm>
+      </p:grpSpPr>
+      <p:sp>
+        <p:nvSpPr>
+          <p:cNvPr id="5" name="Rectangle 4"/>
+          <p:cNvSpPr/>
+          <p:nvPr/>
+        </p:nvSpPr>
+        <p:spPr>
+          <a:xfrm>
+            <a:off x="0" y="0"/>
+            <a:ext cx="9144000" cy="990600"/>
+          </a:xfrm>
+          <a:prstGeom prst="rect">
+            <a:avLst/>
+          </a:prstGeom>
+        </p:spPr>
+        <p:style>
+          <a:lnRef idx="2">
+            <a:schemeClr val="accent1">
+              <a:shade val="50000"/>
+            </a:schemeClr>
+          </a:lnRef>
+          <a:fillRef idx="1">
+            <a:schemeClr val="accent1"/>
+          </a:fillRef>
+          <a:effectRef idx="0">
+            <a:schemeClr val="accent1"/>
+          </a:effectRef>
+          <a:fontRef idx="minor">
+            <a:schemeClr val="lt1"/>
+          </a:fontRef>
+        </p:style>
+        <p:txBody>
+          <a:bodyPr rtlCol="0" anchor="ctr"/>
+          <a:lstStyle/>
+          <a:p>
+            <a:pPr algn="ctr"/>
+            <a:endParaRPr lang="en-US" dirty="0"/>
+          </a:p>
+        </p:txBody>
+      </p:sp>
+      <p:sp>
+        <p:nvSpPr>
+          <p:cNvPr id="7" name="Rectangle 6"/>
+          <p:cNvSpPr/>
+          <p:nvPr/>
+        </p:nvSpPr>
+        <p:spPr>
+          <a:xfrm>
+            <a:off x="152400" y="1143000"/>
+            <a:ext cx="8839200" cy="5562600"/>
+          </a:xfrm>
+          <a:prstGeom prst="rect">
+            <a:avLst/>
+          </a:prstGeom>
+        </p:spPr>
+        <p:style>
+          <a:lnRef idx="2">
+            <a:schemeClr val="accent1">
+              <a:shade val="50000"/>
+            </a:schemeClr>
+          </a:lnRef>
+          <a:fillRef idx="1">
+            <a:schemeClr val="accent1"/>
+          </a:fillRef>
+          <a:effectRef idx="0">
+            <a:schemeClr val="accent1"/>
+          </a:effectRef>
+          <a:fontRef idx="minor">
+            <a:schemeClr val="lt1"/>
+          </a:fontRef>
+        </p:style>
+        <p:txBody>
+          <a:bodyPr rtlCol="0" anchor="ctr"/>
+          <a:lstStyle/>
+          <a:p>
+            <a:pPr algn="ctr"/>
+            <a:endParaRPr lang="en-US" dirty="0"/>
+          </a:p>
+        </p:txBody>
+      </p:sp>
+      <p:sp>
+        <p:nvSpPr>
+          <p:cNvPr id="8" name="Rectangle 7"/>
+          <p:cNvSpPr/>
+          <p:nvPr/>
+        </p:nvSpPr>
+        <p:spPr>
+          <a:xfrm>
+            <a:off x="219529" y="152400"/>
+            <a:ext cx="990600" cy="685800"/>
+          </a:xfrm>
+          <a:prstGeom prst="rect">
+            <a:avLst/>
+          </a:prstGeom>
+        </p:spPr>
+        <p:style>
+          <a:lnRef idx="2">
+            <a:schemeClr val="accent1">
+              <a:shade val="50000"/>
+            </a:schemeClr>
+          </a:lnRef>
+          <a:fillRef idx="1">
+            <a:schemeClr val="accent1"/>
+          </a:fillRef>
+          <a:effectRef idx="0">
+            <a:schemeClr val="accent1"/>
+          </a:effectRef>
+          <a:fontRef idx="minor">
+            <a:schemeClr val="lt1"/>
+          </a:fontRef>
+        </p:style>
+        <p:txBody>
+          <a:bodyPr rtlCol="0" anchor="ctr"/>
+          <a:lstStyle/>
+          <a:p>
+            <a:pPr algn="ctr"/>
+            <a:r>
+              <a:rPr lang="en-US" sz="1400" dirty="0" smtClean="0"/>
+              <a:t>Home</a:t>
+            </a:r>
+            <a:endParaRPr lang="en-US" sz="1400" dirty="0"/>
+          </a:p>
+        </p:txBody>
+      </p:sp>
+      <p:sp>
+        <p:nvSpPr>
+          <p:cNvPr id="9" name="Rectangle 8"/>
+          <p:cNvSpPr/>
+          <p:nvPr/>
+        </p:nvSpPr>
+        <p:spPr>
+          <a:xfrm>
+            <a:off x="1280887" y="152400"/>
+            <a:ext cx="990600" cy="685800"/>
+          </a:xfrm>
+          <a:prstGeom prst="rect">
+            <a:avLst/>
+          </a:prstGeom>
+        </p:spPr>
+        <p:style>
+          <a:lnRef idx="2">
+            <a:schemeClr val="accent1">
+              <a:shade val="50000"/>
+            </a:schemeClr>
+          </a:lnRef>
+          <a:fillRef idx="1">
+            <a:schemeClr val="accent1"/>
+          </a:fillRef>
+          <a:effectRef idx="0">
+            <a:schemeClr val="accent1"/>
+          </a:effectRef>
+          <a:fontRef idx="minor">
+            <a:schemeClr val="lt1"/>
+          </a:fontRef>
+        </p:style>
+        <p:txBody>
+          <a:bodyPr rtlCol="0" anchor="ctr"/>
+          <a:lstStyle/>
+          <a:p>
+            <a:pPr algn="ctr"/>
+            <a:r>
+              <a:rPr lang="en-US" sz="1400" dirty="0" smtClean="0"/>
+              <a:t>Log Activity</a:t>
+            </a:r>
+            <a:endParaRPr lang="en-US" sz="1400" dirty="0"/>
+          </a:p>
+        </p:txBody>
+      </p:sp>
+      <p:sp>
+        <p:nvSpPr>
+          <p:cNvPr id="10" name="Rectangle 9"/>
+          <p:cNvSpPr/>
+          <p:nvPr/>
+        </p:nvSpPr>
+        <p:spPr>
+          <a:xfrm>
+            <a:off x="2341418" y="152400"/>
+            <a:ext cx="990600" cy="685800"/>
+          </a:xfrm>
+          <a:prstGeom prst="rect">
+            <a:avLst/>
+          </a:prstGeom>
+        </p:spPr>
+        <p:style>
+          <a:lnRef idx="2">
+            <a:schemeClr val="accent1">
+              <a:shade val="50000"/>
+            </a:schemeClr>
+          </a:lnRef>
+          <a:fillRef idx="1">
+            <a:schemeClr val="accent1"/>
+          </a:fillRef>
+          <a:effectRef idx="0">
+            <a:schemeClr val="accent1"/>
+          </a:effectRef>
+          <a:fontRef idx="minor">
+            <a:schemeClr val="lt1"/>
+          </a:fontRef>
+        </p:style>
+        <p:txBody>
+          <a:bodyPr rtlCol="0" anchor="ctr"/>
+          <a:lstStyle/>
+          <a:p>
+            <a:pPr algn="ctr"/>
+            <a:r>
+              <a:rPr lang="en-US" sz="1400" dirty="0"/>
+              <a:t>Generator</a:t>
+            </a:r>
+            <a:endParaRPr lang="en-US" sz="1400" dirty="0"/>
+          </a:p>
+        </p:txBody>
+      </p:sp>
+      <p:sp>
+        <p:nvSpPr>
+          <p:cNvPr id="11" name="Rectangle 10"/>
+          <p:cNvSpPr/>
+          <p:nvPr/>
+        </p:nvSpPr>
+        <p:spPr>
+          <a:xfrm>
+            <a:off x="3383972" y="152400"/>
+            <a:ext cx="990600" cy="685800"/>
+          </a:xfrm>
+          <a:prstGeom prst="rect">
+            <a:avLst/>
+          </a:prstGeom>
         </p:spPr>
         <p:style>
           <a:lnRef idx="2">
@@ -4923,7 +5308,7 @@
 </p:sld>
 </file>
 
-<file path=ppt/slides/slide11.xml><?xml version="1.0" encoding="utf-8"?>
+<file path=ppt/slides/slide12.xml><?xml version="1.0" encoding="utf-8"?>
 <p:sld xmlns:a="http://schemas.openxmlformats.org/drawingml/2006/main" xmlns:r="http://schemas.openxmlformats.org/officeDocument/2006/relationships" xmlns:p="http://schemas.openxmlformats.org/presentationml/2006/main">
   <p:cSld>
     <p:spTree>
@@ -5333,7 +5718,7 @@
         <p:spPr>
           <a:xfrm>
             <a:off x="609600" y="872074"/>
-            <a:ext cx="1560620" cy="4524315"/>
+            <a:ext cx="1513043" cy="5078313"/>
           </a:xfrm>
           <a:prstGeom prst="rect">
             <a:avLst/>
@@ -5378,13 +5763,19 @@
           <a:p>
             <a:r>
               <a:rPr lang="en-US" dirty="0" smtClean="0"/>
+              <a:t>Landing Page</a:t>
+            </a:r>
+          </a:p>
+          <a:p>
+            <a:r>
+              <a:rPr lang="en-US" dirty="0" smtClean="0"/>
               <a:t>Home</a:t>
             </a:r>
           </a:p>
           <a:p>
             <a:r>
               <a:rPr lang="en-US" dirty="0" smtClean="0"/>
-              <a:t>Your Workouts</a:t>
+              <a:t>My Workouts</a:t>
             </a:r>
             <a:endParaRPr lang="en-US" dirty="0" smtClean="0"/>
           </a:p>
@@ -5399,28 +5790,50 @@
             </a:r>
           </a:p>
           <a:p>
+            <a:pPr marL="285750" indent="-285750">
+              <a:buFont typeface="Arial" panose="020B0604020202020204" pitchFamily="34" charset="0"/>
+              <a:buChar char="•"/>
+            </a:pPr>
             <a:r>
               <a:rPr lang="en-US" dirty="0" smtClean="0"/>
               <a:t>Run</a:t>
             </a:r>
           </a:p>
           <a:p>
+            <a:pPr marL="285750" indent="-285750">
+              <a:buFont typeface="Arial" panose="020B0604020202020204" pitchFamily="34" charset="0"/>
+              <a:buChar char="•"/>
+            </a:pPr>
             <a:r>
               <a:rPr lang="en-US" dirty="0" smtClean="0"/>
               <a:t>Bike</a:t>
             </a:r>
           </a:p>
           <a:p>
+            <a:pPr marL="285750" indent="-285750">
+              <a:buFont typeface="Arial" panose="020B0604020202020204" pitchFamily="34" charset="0"/>
+              <a:buChar char="•"/>
+            </a:pPr>
             <a:r>
               <a:rPr lang="en-US" dirty="0" smtClean="0"/>
               <a:t>Swim</a:t>
             </a:r>
           </a:p>
           <a:p>
+            <a:pPr marL="285750" indent="-285750">
+              <a:buFont typeface="Arial" panose="020B0604020202020204" pitchFamily="34" charset="0"/>
+              <a:buChar char="•"/>
+            </a:pPr>
             <a:r>
               <a:rPr lang="en-US" dirty="0" smtClean="0"/>
               <a:t>Strength</a:t>
             </a:r>
+          </a:p>
+          <a:p>
+            <a:r>
+              <a:rPr lang="en-US" dirty="0" smtClean="0"/>
+              <a:t>Generator</a:t>
+            </a:r>
             <a:endParaRPr lang="en-US" dirty="0" smtClean="0"/>
           </a:p>
           <a:p>
@@ -5432,14 +5845,19 @@
           <a:p>
             <a:r>
               <a:rPr lang="en-US" dirty="0" smtClean="0"/>
-              <a:t>User Search</a:t>
-            </a:r>
-          </a:p>
-          <a:p>
+              <a:t>User </a:t>
+            </a:r>
             <a:r>
               <a:rPr lang="en-US" dirty="0" smtClean="0"/>
-              <a:t>Generator</a:t>
-            </a:r>
+              <a:t>Search</a:t>
+            </a:r>
+          </a:p>
+          <a:p>
+            <a:r>
+              <a:rPr lang="en-US" dirty="0" smtClean="0"/>
+              <a:t>Settings</a:t>
+            </a:r>
+            <a:endParaRPr lang="en-US" dirty="0" smtClean="0"/>
           </a:p>
           <a:p>
             <a:r>
@@ -5458,8 +5876,8 @@
         </p:nvSpPr>
         <p:spPr>
           <a:xfrm>
-            <a:off x="2819400" y="872074"/>
-            <a:ext cx="1380699" cy="2031325"/>
+            <a:off x="2209800" y="872074"/>
+            <a:ext cx="1443216" cy="2585323"/>
           </a:xfrm>
           <a:prstGeom prst="rect">
             <a:avLst/>
@@ -5487,13 +5905,19 @@
           </a:p>
           <a:p>
             <a:r>
-              <a:rPr lang="en-US" dirty="0" smtClean="0"/>
+              <a:rPr lang="en-US" dirty="0"/>
               <a:t>Home</a:t>
             </a:r>
           </a:p>
           <a:p>
             <a:r>
-              <a:rPr lang="en-US" dirty="0" smtClean="0"/>
+              <a:rPr lang="en-US" dirty="0"/>
+              <a:t>My Workouts</a:t>
+            </a:r>
+          </a:p>
+          <a:p>
+            <a:r>
+              <a:rPr lang="en-US" dirty="0"/>
               <a:t>Log Workout</a:t>
             </a:r>
           </a:p>
@@ -5502,23 +5926,30 @@
               <a:rPr lang="en-US" dirty="0" smtClean="0"/>
               <a:t>Generator</a:t>
             </a:r>
-          </a:p>
-          <a:p>
-            <a:r>
-              <a:rPr lang="en-US" dirty="0" smtClean="0"/>
+            <a:endParaRPr lang="en-US" dirty="0"/>
+          </a:p>
+          <a:p>
+            <a:r>
+              <a:rPr lang="en-US" dirty="0"/>
               <a:t>Metrics</a:t>
             </a:r>
           </a:p>
           <a:p>
             <a:r>
-              <a:rPr lang="en-US" dirty="0" smtClean="0"/>
+              <a:rPr lang="en-US" dirty="0"/>
               <a:t>User Search</a:t>
             </a:r>
           </a:p>
           <a:p>
             <a:r>
-              <a:rPr lang="en-US" dirty="0" smtClean="0"/>
+              <a:rPr lang="en-US" dirty="0"/>
               <a:t>Settings</a:t>
+            </a:r>
+          </a:p>
+          <a:p>
+            <a:r>
+              <a:rPr lang="en-US" dirty="0"/>
+              <a:t>Profile</a:t>
             </a:r>
           </a:p>
         </p:txBody>
@@ -5531,7 +5962,7 @@
         </p:nvSpPr>
         <p:spPr>
           <a:xfrm>
-            <a:off x="4648200" y="872074"/>
+            <a:off x="3740173" y="872074"/>
             <a:ext cx="2257221" cy="1200329"/>
           </a:xfrm>
           <a:prstGeom prst="rect">
@@ -5885,14 +6316,14 @@
       </p:grpSpPr>
       <p:sp>
         <p:nvSpPr>
-          <p:cNvPr id="5" name="Rectangle 4"/>
+          <p:cNvPr id="7" name="Rectangle 6"/>
           <p:cNvSpPr/>
           <p:nvPr/>
         </p:nvSpPr>
         <p:spPr>
           <a:xfrm>
-            <a:off x="0" y="0"/>
-            <a:ext cx="9144000" cy="990600"/>
+            <a:off x="152400" y="152400"/>
+            <a:ext cx="8839200" cy="6553200"/>
           </a:xfrm>
           <a:prstGeom prst="rect">
             <a:avLst/>
@@ -5919,24 +6350,32 @@
           <a:lstStyle/>
           <a:p>
             <a:pPr algn="ctr"/>
-            <a:endParaRPr lang="en-US" dirty="0"/>
-          </a:p>
-        </p:txBody>
-      </p:sp>
-      <p:sp>
-        <p:nvSpPr>
-          <p:cNvPr id="6" name="Rectangle 5"/>
+            <a:r>
+              <a:rPr lang="en-US" dirty="0" smtClean="0"/>
+              <a:t>Landing Page</a:t>
+            </a:r>
+          </a:p>
+        </p:txBody>
+      </p:sp>
+      <p:sp>
+        <p:nvSpPr>
+          <p:cNvPr id="2" name="Rectangle 1"/>
           <p:cNvSpPr/>
           <p:nvPr/>
         </p:nvSpPr>
         <p:spPr>
           <a:xfrm>
-            <a:off x="5562600" y="1143000"/>
-            <a:ext cx="3429000" cy="5562600"/>
-          </a:xfrm>
-          <a:prstGeom prst="rect">
-            <a:avLst/>
-          </a:prstGeom>
+            <a:off x="2971800" y="4419600"/>
+            <a:ext cx="1524000" cy="381000"/>
+          </a:xfrm>
+          <a:prstGeom prst="rect">
+            <a:avLst/>
+          </a:prstGeom>
+          <a:solidFill>
+            <a:schemeClr val="bg1">
+              <a:lumMod val="50000"/>
+            </a:schemeClr>
+          </a:solidFill>
         </p:spPr>
         <p:style>
           <a:lnRef idx="2">
@@ -5961,7 +6400,7 @@
             <a:pPr algn="ctr"/>
             <a:r>
               <a:rPr lang="en-US" dirty="0" smtClean="0"/>
-              <a:t>Activity Feed</a:t>
+              <a:t>Sign Up</a:t>
             </a:r>
             <a:endParaRPr lang="en-US" dirty="0"/>
           </a:p>
@@ -5969,18 +6408,23 @@
       </p:sp>
       <p:sp>
         <p:nvSpPr>
-          <p:cNvPr id="7" name="Rectangle 6"/>
+          <p:cNvPr id="31" name="Rectangle 30"/>
           <p:cNvSpPr/>
           <p:nvPr/>
         </p:nvSpPr>
         <p:spPr>
           <a:xfrm>
-            <a:off x="152400" y="1143000"/>
-            <a:ext cx="5257800" cy="5562600"/>
-          </a:xfrm>
-          <a:prstGeom prst="rect">
-            <a:avLst/>
-          </a:prstGeom>
+            <a:off x="4610100" y="4419600"/>
+            <a:ext cx="1524000" cy="381000"/>
+          </a:xfrm>
+          <a:prstGeom prst="rect">
+            <a:avLst/>
+          </a:prstGeom>
+          <a:solidFill>
+            <a:schemeClr val="bg1">
+              <a:lumMod val="50000"/>
+            </a:schemeClr>
+          </a:solidFill>
         </p:spPr>
         <p:style>
           <a:lnRef idx="2">
@@ -6003,900 +6447,18 @@
           <a:lstStyle/>
           <a:p>
             <a:pPr algn="ctr"/>
+            <a:r>
+              <a:rPr lang="en-US" dirty="0" smtClean="0"/>
+              <a:t>Sign In</a:t>
+            </a:r>
             <a:endParaRPr lang="en-US" dirty="0"/>
-          </a:p>
-        </p:txBody>
-      </p:sp>
-      <p:sp>
-        <p:nvSpPr>
-          <p:cNvPr id="8" name="Rectangle 7"/>
-          <p:cNvSpPr/>
-          <p:nvPr/>
-        </p:nvSpPr>
-        <p:spPr>
-          <a:xfrm>
-            <a:off x="219529" y="152400"/>
-            <a:ext cx="990600" cy="685800"/>
-          </a:xfrm>
-          <a:prstGeom prst="rect">
-            <a:avLst/>
-          </a:prstGeom>
-          <a:solidFill>
-            <a:srgbClr val="FFC000"/>
-          </a:solidFill>
-        </p:spPr>
-        <p:style>
-          <a:lnRef idx="2">
-            <a:schemeClr val="accent1">
-              <a:shade val="50000"/>
-            </a:schemeClr>
-          </a:lnRef>
-          <a:fillRef idx="1">
-            <a:schemeClr val="accent1"/>
-          </a:fillRef>
-          <a:effectRef idx="0">
-            <a:schemeClr val="accent1"/>
-          </a:effectRef>
-          <a:fontRef idx="minor">
-            <a:schemeClr val="lt1"/>
-          </a:fontRef>
-        </p:style>
-        <p:txBody>
-          <a:bodyPr rtlCol="0" anchor="ctr"/>
-          <a:lstStyle/>
-          <a:p>
-            <a:pPr algn="ctr"/>
-            <a:r>
-              <a:rPr lang="en-US" sz="1400" dirty="0" smtClean="0"/>
-              <a:t>Home</a:t>
-            </a:r>
-            <a:endParaRPr lang="en-US" sz="1400" dirty="0"/>
-          </a:p>
-        </p:txBody>
-      </p:sp>
-      <p:sp>
-        <p:nvSpPr>
-          <p:cNvPr id="9" name="Rectangle 8"/>
-          <p:cNvSpPr/>
-          <p:nvPr/>
-        </p:nvSpPr>
-        <p:spPr>
-          <a:xfrm>
-            <a:off x="1280887" y="169333"/>
-            <a:ext cx="990600" cy="685800"/>
-          </a:xfrm>
-          <a:prstGeom prst="rect">
-            <a:avLst/>
-          </a:prstGeom>
-        </p:spPr>
-        <p:style>
-          <a:lnRef idx="2">
-            <a:schemeClr val="accent1">
-              <a:shade val="50000"/>
-            </a:schemeClr>
-          </a:lnRef>
-          <a:fillRef idx="1">
-            <a:schemeClr val="accent1"/>
-          </a:fillRef>
-          <a:effectRef idx="0">
-            <a:schemeClr val="accent1"/>
-          </a:effectRef>
-          <a:fontRef idx="minor">
-            <a:schemeClr val="lt1"/>
-          </a:fontRef>
-        </p:style>
-        <p:txBody>
-          <a:bodyPr rtlCol="0" anchor="ctr"/>
-          <a:lstStyle/>
-          <a:p>
-            <a:pPr algn="ctr"/>
-            <a:r>
-              <a:rPr lang="en-US" sz="1400" dirty="0" smtClean="0"/>
-              <a:t>My Workouts</a:t>
-            </a:r>
-            <a:endParaRPr lang="en-US" sz="1400" dirty="0"/>
-          </a:p>
-        </p:txBody>
-      </p:sp>
-      <p:sp>
-        <p:nvSpPr>
-          <p:cNvPr id="10" name="Rectangle 9"/>
-          <p:cNvSpPr/>
-          <p:nvPr/>
-        </p:nvSpPr>
-        <p:spPr>
-          <a:xfrm>
-            <a:off x="3427168" y="169333"/>
-            <a:ext cx="990600" cy="685800"/>
-          </a:xfrm>
-          <a:prstGeom prst="rect">
-            <a:avLst/>
-          </a:prstGeom>
-        </p:spPr>
-        <p:style>
-          <a:lnRef idx="2">
-            <a:schemeClr val="accent1">
-              <a:shade val="50000"/>
-            </a:schemeClr>
-          </a:lnRef>
-          <a:fillRef idx="1">
-            <a:schemeClr val="accent1"/>
-          </a:fillRef>
-          <a:effectRef idx="0">
-            <a:schemeClr val="accent1"/>
-          </a:effectRef>
-          <a:fontRef idx="minor">
-            <a:schemeClr val="lt1"/>
-          </a:fontRef>
-        </p:style>
-        <p:txBody>
-          <a:bodyPr rtlCol="0" anchor="ctr"/>
-          <a:lstStyle/>
-          <a:p>
-            <a:pPr algn="ctr"/>
-            <a:r>
-              <a:rPr lang="en-US" sz="1400" dirty="0" smtClean="0"/>
-              <a:t>Generator</a:t>
-            </a:r>
-            <a:endParaRPr lang="en-US" sz="1400" dirty="0"/>
-          </a:p>
-        </p:txBody>
-      </p:sp>
-      <p:sp>
-        <p:nvSpPr>
-          <p:cNvPr id="11" name="Rectangle 10"/>
-          <p:cNvSpPr/>
-          <p:nvPr/>
-        </p:nvSpPr>
-        <p:spPr>
-          <a:xfrm>
-            <a:off x="4469722" y="169333"/>
-            <a:ext cx="990600" cy="685800"/>
-          </a:xfrm>
-          <a:prstGeom prst="rect">
-            <a:avLst/>
-          </a:prstGeom>
-        </p:spPr>
-        <p:style>
-          <a:lnRef idx="2">
-            <a:schemeClr val="accent1">
-              <a:shade val="50000"/>
-            </a:schemeClr>
-          </a:lnRef>
-          <a:fillRef idx="1">
-            <a:schemeClr val="accent1"/>
-          </a:fillRef>
-          <a:effectRef idx="0">
-            <a:schemeClr val="accent1"/>
-          </a:effectRef>
-          <a:fontRef idx="minor">
-            <a:schemeClr val="lt1"/>
-          </a:fontRef>
-        </p:style>
-        <p:txBody>
-          <a:bodyPr rtlCol="0" anchor="ctr"/>
-          <a:lstStyle/>
-          <a:p>
-            <a:pPr algn="ctr"/>
-            <a:r>
-              <a:rPr lang="en-US" sz="1400" dirty="0" smtClean="0"/>
-              <a:t>Metrics</a:t>
-            </a:r>
-            <a:endParaRPr lang="en-US" sz="1400" dirty="0"/>
-          </a:p>
-        </p:txBody>
-      </p:sp>
-      <p:sp>
-        <p:nvSpPr>
-          <p:cNvPr id="13" name="Rectangle 12"/>
-          <p:cNvSpPr/>
-          <p:nvPr/>
-        </p:nvSpPr>
-        <p:spPr>
-          <a:xfrm>
-            <a:off x="304800" y="1295400"/>
-            <a:ext cx="2133600" cy="533400"/>
-          </a:xfrm>
-          <a:prstGeom prst="rect">
-            <a:avLst/>
-          </a:prstGeom>
-        </p:spPr>
-        <p:style>
-          <a:lnRef idx="2">
-            <a:schemeClr val="accent1">
-              <a:shade val="50000"/>
-            </a:schemeClr>
-          </a:lnRef>
-          <a:fillRef idx="1">
-            <a:schemeClr val="accent1"/>
-          </a:fillRef>
-          <a:effectRef idx="0">
-            <a:schemeClr val="accent1"/>
-          </a:effectRef>
-          <a:fontRef idx="minor">
-            <a:schemeClr val="lt1"/>
-          </a:fontRef>
-        </p:style>
-        <p:txBody>
-          <a:bodyPr rtlCol="0" anchor="ctr"/>
-          <a:lstStyle/>
-          <a:p>
-            <a:pPr algn="ctr"/>
-            <a:r>
-              <a:rPr lang="en-US" dirty="0" smtClean="0"/>
-              <a:t>Your stats</a:t>
-            </a:r>
-            <a:endParaRPr lang="en-US" dirty="0"/>
-          </a:p>
-        </p:txBody>
-      </p:sp>
-      <p:sp>
-        <p:nvSpPr>
-          <p:cNvPr id="15" name="Rectangle 14"/>
-          <p:cNvSpPr/>
-          <p:nvPr/>
-        </p:nvSpPr>
-        <p:spPr>
-          <a:xfrm>
-            <a:off x="5512276" y="169333"/>
-            <a:ext cx="990600" cy="685800"/>
-          </a:xfrm>
-          <a:prstGeom prst="rect">
-            <a:avLst/>
-          </a:prstGeom>
-        </p:spPr>
-        <p:style>
-          <a:lnRef idx="2">
-            <a:schemeClr val="accent1">
-              <a:shade val="50000"/>
-            </a:schemeClr>
-          </a:lnRef>
-          <a:fillRef idx="1">
-            <a:schemeClr val="accent1"/>
-          </a:fillRef>
-          <a:effectRef idx="0">
-            <a:schemeClr val="accent1"/>
-          </a:effectRef>
-          <a:fontRef idx="minor">
-            <a:schemeClr val="lt1"/>
-          </a:fontRef>
-        </p:style>
-        <p:txBody>
-          <a:bodyPr rtlCol="0" anchor="ctr"/>
-          <a:lstStyle/>
-          <a:p>
-            <a:pPr algn="ctr"/>
-            <a:r>
-              <a:rPr lang="en-US" sz="1400" dirty="0" smtClean="0"/>
-              <a:t>Users</a:t>
-            </a:r>
-            <a:endParaRPr lang="en-US" sz="1400" dirty="0"/>
-          </a:p>
-        </p:txBody>
-      </p:sp>
-      <p:sp>
-        <p:nvSpPr>
-          <p:cNvPr id="16" name="Rectangle 15"/>
-          <p:cNvSpPr/>
-          <p:nvPr/>
-        </p:nvSpPr>
-        <p:spPr>
-          <a:xfrm>
-            <a:off x="5715000" y="1295400"/>
-            <a:ext cx="3124200" cy="266700"/>
-          </a:xfrm>
-          <a:prstGeom prst="rect">
-            <a:avLst/>
-          </a:prstGeom>
-          <a:solidFill>
-            <a:schemeClr val="tx2">
-              <a:lumMod val="75000"/>
-            </a:schemeClr>
-          </a:solidFill>
-        </p:spPr>
-        <p:style>
-          <a:lnRef idx="2">
-            <a:schemeClr val="accent1">
-              <a:shade val="50000"/>
-            </a:schemeClr>
-          </a:lnRef>
-          <a:fillRef idx="1">
-            <a:schemeClr val="accent1"/>
-          </a:fillRef>
-          <a:effectRef idx="0">
-            <a:schemeClr val="accent1"/>
-          </a:effectRef>
-          <a:fontRef idx="minor">
-            <a:schemeClr val="lt1"/>
-          </a:fontRef>
-        </p:style>
-        <p:txBody>
-          <a:bodyPr rtlCol="0" anchor="ctr"/>
-          <a:lstStyle/>
-          <a:p>
-            <a:r>
-              <a:rPr lang="en-US" sz="1200" dirty="0" smtClean="0"/>
-              <a:t>07/01/2019: Joseph posted a workout</a:t>
-            </a:r>
-            <a:endParaRPr lang="en-US" sz="1200" dirty="0"/>
-          </a:p>
-        </p:txBody>
-      </p:sp>
-      <p:sp>
-        <p:nvSpPr>
-          <p:cNvPr id="18" name="Rectangle 17"/>
-          <p:cNvSpPr/>
-          <p:nvPr/>
-        </p:nvSpPr>
-        <p:spPr>
-          <a:xfrm>
-            <a:off x="5715000" y="1638300"/>
-            <a:ext cx="3124200" cy="266700"/>
-          </a:xfrm>
-          <a:prstGeom prst="rect">
-            <a:avLst/>
-          </a:prstGeom>
-          <a:solidFill>
-            <a:schemeClr val="tx2">
-              <a:lumMod val="75000"/>
-            </a:schemeClr>
-          </a:solidFill>
-        </p:spPr>
-        <p:style>
-          <a:lnRef idx="2">
-            <a:schemeClr val="accent1">
-              <a:shade val="50000"/>
-            </a:schemeClr>
-          </a:lnRef>
-          <a:fillRef idx="1">
-            <a:schemeClr val="accent1"/>
-          </a:fillRef>
-          <a:effectRef idx="0">
-            <a:schemeClr val="accent1"/>
-          </a:effectRef>
-          <a:fontRef idx="minor">
-            <a:schemeClr val="lt1"/>
-          </a:fontRef>
-        </p:style>
-        <p:txBody>
-          <a:bodyPr rtlCol="0" anchor="ctr"/>
-          <a:lstStyle/>
-          <a:p>
-            <a:r>
-              <a:rPr lang="en-US" sz="1200" dirty="0" smtClean="0"/>
-              <a:t>06/30/2019: Jason posted a run</a:t>
-            </a:r>
-            <a:endParaRPr lang="en-US" sz="1200" dirty="0"/>
-          </a:p>
-        </p:txBody>
-      </p:sp>
-      <p:sp>
-        <p:nvSpPr>
-          <p:cNvPr id="19" name="Rectangle 18"/>
-          <p:cNvSpPr/>
-          <p:nvPr/>
-        </p:nvSpPr>
-        <p:spPr>
-          <a:xfrm>
-            <a:off x="304800" y="2209800"/>
-            <a:ext cx="558800" cy="533400"/>
-          </a:xfrm>
-          <a:prstGeom prst="rect">
-            <a:avLst/>
-          </a:prstGeom>
-        </p:spPr>
-        <p:style>
-          <a:lnRef idx="2">
-            <a:schemeClr val="accent1">
-              <a:shade val="50000"/>
-            </a:schemeClr>
-          </a:lnRef>
-          <a:fillRef idx="1">
-            <a:schemeClr val="accent1"/>
-          </a:fillRef>
-          <a:effectRef idx="0">
-            <a:schemeClr val="accent1"/>
-          </a:effectRef>
-          <a:fontRef idx="minor">
-            <a:schemeClr val="lt1"/>
-          </a:fontRef>
-        </p:style>
-        <p:txBody>
-          <a:bodyPr rtlCol="0" anchor="ctr"/>
-          <a:lstStyle/>
-          <a:p>
-            <a:pPr algn="ctr"/>
-            <a:r>
-              <a:rPr lang="en-US" dirty="0" smtClean="0"/>
-              <a:t>M</a:t>
-            </a:r>
-            <a:endParaRPr lang="en-US" dirty="0"/>
-          </a:p>
-        </p:txBody>
-      </p:sp>
-      <p:sp>
-        <p:nvSpPr>
-          <p:cNvPr id="20" name="Rectangle 19"/>
-          <p:cNvSpPr/>
-          <p:nvPr/>
-        </p:nvSpPr>
-        <p:spPr>
-          <a:xfrm>
-            <a:off x="1001487" y="2209800"/>
-            <a:ext cx="558800" cy="533400"/>
-          </a:xfrm>
-          <a:prstGeom prst="rect">
-            <a:avLst/>
-          </a:prstGeom>
-        </p:spPr>
-        <p:style>
-          <a:lnRef idx="2">
-            <a:schemeClr val="accent1">
-              <a:shade val="50000"/>
-            </a:schemeClr>
-          </a:lnRef>
-          <a:fillRef idx="1">
-            <a:schemeClr val="accent1"/>
-          </a:fillRef>
-          <a:effectRef idx="0">
-            <a:schemeClr val="accent1"/>
-          </a:effectRef>
-          <a:fontRef idx="minor">
-            <a:schemeClr val="lt1"/>
-          </a:fontRef>
-        </p:style>
-        <p:txBody>
-          <a:bodyPr rtlCol="0" anchor="ctr"/>
-          <a:lstStyle/>
-          <a:p>
-            <a:pPr algn="ctr"/>
-            <a:r>
-              <a:rPr lang="en-US" dirty="0" smtClean="0"/>
-              <a:t>T</a:t>
-            </a:r>
-            <a:endParaRPr lang="en-US" dirty="0"/>
-          </a:p>
-        </p:txBody>
-      </p:sp>
-      <p:sp>
-        <p:nvSpPr>
-          <p:cNvPr id="21" name="Rectangle 20"/>
-          <p:cNvSpPr/>
-          <p:nvPr/>
-        </p:nvSpPr>
-        <p:spPr>
-          <a:xfrm>
-            <a:off x="1712687" y="2209800"/>
-            <a:ext cx="558800" cy="533400"/>
-          </a:xfrm>
-          <a:prstGeom prst="rect">
-            <a:avLst/>
-          </a:prstGeom>
-        </p:spPr>
-        <p:style>
-          <a:lnRef idx="2">
-            <a:schemeClr val="accent1">
-              <a:shade val="50000"/>
-            </a:schemeClr>
-          </a:lnRef>
-          <a:fillRef idx="1">
-            <a:schemeClr val="accent1"/>
-          </a:fillRef>
-          <a:effectRef idx="0">
-            <a:schemeClr val="accent1"/>
-          </a:effectRef>
-          <a:fontRef idx="minor">
-            <a:schemeClr val="lt1"/>
-          </a:fontRef>
-        </p:style>
-        <p:txBody>
-          <a:bodyPr rtlCol="0" anchor="ctr"/>
-          <a:lstStyle/>
-          <a:p>
-            <a:pPr algn="ctr"/>
-            <a:r>
-              <a:rPr lang="en-US" dirty="0" smtClean="0"/>
-              <a:t>W</a:t>
-            </a:r>
-            <a:endParaRPr lang="en-US" dirty="0"/>
-          </a:p>
-        </p:txBody>
-      </p:sp>
-      <p:sp>
-        <p:nvSpPr>
-          <p:cNvPr id="22" name="Rectangle 21"/>
-          <p:cNvSpPr/>
-          <p:nvPr/>
-        </p:nvSpPr>
-        <p:spPr>
-          <a:xfrm>
-            <a:off x="2432050" y="2209800"/>
-            <a:ext cx="558800" cy="533400"/>
-          </a:xfrm>
-          <a:prstGeom prst="rect">
-            <a:avLst/>
-          </a:prstGeom>
-        </p:spPr>
-        <p:style>
-          <a:lnRef idx="2">
-            <a:schemeClr val="accent1">
-              <a:shade val="50000"/>
-            </a:schemeClr>
-          </a:lnRef>
-          <a:fillRef idx="1">
-            <a:schemeClr val="accent1"/>
-          </a:fillRef>
-          <a:effectRef idx="0">
-            <a:schemeClr val="accent1"/>
-          </a:effectRef>
-          <a:fontRef idx="minor">
-            <a:schemeClr val="lt1"/>
-          </a:fontRef>
-        </p:style>
-        <p:txBody>
-          <a:bodyPr rtlCol="0" anchor="ctr"/>
-          <a:lstStyle/>
-          <a:p>
-            <a:pPr algn="ctr"/>
-            <a:r>
-              <a:rPr lang="en-US" dirty="0"/>
-              <a:t>R</a:t>
-            </a:r>
-          </a:p>
-        </p:txBody>
-      </p:sp>
-      <p:sp>
-        <p:nvSpPr>
-          <p:cNvPr id="23" name="Rectangle 22"/>
-          <p:cNvSpPr/>
-          <p:nvPr/>
-        </p:nvSpPr>
-        <p:spPr>
-          <a:xfrm>
-            <a:off x="3175000" y="2209800"/>
-            <a:ext cx="558800" cy="533400"/>
-          </a:xfrm>
-          <a:prstGeom prst="rect">
-            <a:avLst/>
-          </a:prstGeom>
-        </p:spPr>
-        <p:style>
-          <a:lnRef idx="2">
-            <a:schemeClr val="accent1">
-              <a:shade val="50000"/>
-            </a:schemeClr>
-          </a:lnRef>
-          <a:fillRef idx="1">
-            <a:schemeClr val="accent1"/>
-          </a:fillRef>
-          <a:effectRef idx="0">
-            <a:schemeClr val="accent1"/>
-          </a:effectRef>
-          <a:fontRef idx="minor">
-            <a:schemeClr val="lt1"/>
-          </a:fontRef>
-        </p:style>
-        <p:txBody>
-          <a:bodyPr rtlCol="0" anchor="ctr"/>
-          <a:lstStyle/>
-          <a:p>
-            <a:pPr algn="ctr"/>
-            <a:r>
-              <a:rPr lang="en-US" dirty="0" smtClean="0"/>
-              <a:t>F</a:t>
-            </a:r>
-            <a:endParaRPr lang="en-US" dirty="0"/>
-          </a:p>
-        </p:txBody>
-      </p:sp>
-      <p:sp>
-        <p:nvSpPr>
-          <p:cNvPr id="24" name="Rectangle 23"/>
-          <p:cNvSpPr/>
-          <p:nvPr/>
-        </p:nvSpPr>
-        <p:spPr>
-          <a:xfrm>
-            <a:off x="3904672" y="2209800"/>
-            <a:ext cx="558800" cy="533400"/>
-          </a:xfrm>
-          <a:prstGeom prst="rect">
-            <a:avLst/>
-          </a:prstGeom>
-        </p:spPr>
-        <p:style>
-          <a:lnRef idx="2">
-            <a:schemeClr val="accent1">
-              <a:shade val="50000"/>
-            </a:schemeClr>
-          </a:lnRef>
-          <a:fillRef idx="1">
-            <a:schemeClr val="accent1"/>
-          </a:fillRef>
-          <a:effectRef idx="0">
-            <a:schemeClr val="accent1"/>
-          </a:effectRef>
-          <a:fontRef idx="minor">
-            <a:schemeClr val="lt1"/>
-          </a:fontRef>
-        </p:style>
-        <p:txBody>
-          <a:bodyPr rtlCol="0" anchor="ctr"/>
-          <a:lstStyle/>
-          <a:p>
-            <a:pPr algn="ctr"/>
-            <a:r>
-              <a:rPr lang="en-US" dirty="0" smtClean="0"/>
-              <a:t>S</a:t>
-            </a:r>
-            <a:endParaRPr lang="en-US" dirty="0"/>
-          </a:p>
-        </p:txBody>
-      </p:sp>
-      <p:sp>
-        <p:nvSpPr>
-          <p:cNvPr id="26" name="Rectangle 25"/>
-          <p:cNvSpPr/>
-          <p:nvPr/>
-        </p:nvSpPr>
-        <p:spPr>
-          <a:xfrm>
-            <a:off x="4635500" y="2209800"/>
-            <a:ext cx="558800" cy="533400"/>
-          </a:xfrm>
-          <a:prstGeom prst="rect">
-            <a:avLst/>
-          </a:prstGeom>
-        </p:spPr>
-        <p:style>
-          <a:lnRef idx="2">
-            <a:schemeClr val="accent1">
-              <a:shade val="50000"/>
-            </a:schemeClr>
-          </a:lnRef>
-          <a:fillRef idx="1">
-            <a:schemeClr val="accent1"/>
-          </a:fillRef>
-          <a:effectRef idx="0">
-            <a:schemeClr val="accent1"/>
-          </a:effectRef>
-          <a:fontRef idx="minor">
-            <a:schemeClr val="lt1"/>
-          </a:fontRef>
-        </p:style>
-        <p:txBody>
-          <a:bodyPr rtlCol="0" anchor="ctr"/>
-          <a:lstStyle/>
-          <a:p>
-            <a:pPr algn="ctr"/>
-            <a:r>
-              <a:rPr lang="en-US" dirty="0" smtClean="0"/>
-              <a:t>U</a:t>
-            </a:r>
-            <a:endParaRPr lang="en-US" dirty="0"/>
-          </a:p>
-        </p:txBody>
-      </p:sp>
-      <p:sp>
-        <p:nvSpPr>
-          <p:cNvPr id="27" name="Rectangle 26"/>
-          <p:cNvSpPr/>
-          <p:nvPr/>
-        </p:nvSpPr>
-        <p:spPr>
-          <a:xfrm>
-            <a:off x="304799" y="2895600"/>
-            <a:ext cx="2686051" cy="533400"/>
-          </a:xfrm>
-          <a:prstGeom prst="rect">
-            <a:avLst/>
-          </a:prstGeom>
-        </p:spPr>
-        <p:style>
-          <a:lnRef idx="2">
-            <a:schemeClr val="accent1">
-              <a:shade val="50000"/>
-            </a:schemeClr>
-          </a:lnRef>
-          <a:fillRef idx="1">
-            <a:schemeClr val="accent1"/>
-          </a:fillRef>
-          <a:effectRef idx="0">
-            <a:schemeClr val="accent1"/>
-          </a:effectRef>
-          <a:fontRef idx="minor">
-            <a:schemeClr val="lt1"/>
-          </a:fontRef>
-        </p:style>
-        <p:txBody>
-          <a:bodyPr rtlCol="0" anchor="ctr"/>
-          <a:lstStyle/>
-          <a:p>
-            <a:pPr algn="ctr"/>
-            <a:r>
-              <a:rPr lang="en-US" dirty="0" smtClean="0"/>
-              <a:t>Current Week’s Mileage</a:t>
-            </a:r>
-            <a:endParaRPr lang="en-US" dirty="0"/>
-          </a:p>
-        </p:txBody>
-      </p:sp>
-      <p:sp>
-        <p:nvSpPr>
-          <p:cNvPr id="28" name="Rectangle 27"/>
-          <p:cNvSpPr/>
-          <p:nvPr/>
-        </p:nvSpPr>
-        <p:spPr>
-          <a:xfrm>
-            <a:off x="304799" y="3581400"/>
-            <a:ext cx="2686051" cy="533400"/>
-          </a:xfrm>
-          <a:prstGeom prst="rect">
-            <a:avLst/>
-          </a:prstGeom>
-        </p:spPr>
-        <p:style>
-          <a:lnRef idx="2">
-            <a:schemeClr val="accent1">
-              <a:shade val="50000"/>
-            </a:schemeClr>
-          </a:lnRef>
-          <a:fillRef idx="1">
-            <a:schemeClr val="accent1"/>
-          </a:fillRef>
-          <a:effectRef idx="0">
-            <a:schemeClr val="accent1"/>
-          </a:effectRef>
-          <a:fontRef idx="minor">
-            <a:schemeClr val="lt1"/>
-          </a:fontRef>
-        </p:style>
-        <p:txBody>
-          <a:bodyPr rtlCol="0" anchor="ctr"/>
-          <a:lstStyle/>
-          <a:p>
-            <a:pPr algn="ctr"/>
-            <a:endParaRPr lang="en-US" dirty="0"/>
-          </a:p>
-        </p:txBody>
-      </p:sp>
-      <p:sp>
-        <p:nvSpPr>
-          <p:cNvPr id="25" name="Rectangle 24"/>
-          <p:cNvSpPr/>
-          <p:nvPr/>
-        </p:nvSpPr>
-        <p:spPr>
-          <a:xfrm>
-            <a:off x="6554830" y="169333"/>
-            <a:ext cx="990600" cy="685800"/>
-          </a:xfrm>
-          <a:prstGeom prst="rect">
-            <a:avLst/>
-          </a:prstGeom>
-        </p:spPr>
-        <p:style>
-          <a:lnRef idx="2">
-            <a:schemeClr val="accent1">
-              <a:shade val="50000"/>
-            </a:schemeClr>
-          </a:lnRef>
-          <a:fillRef idx="1">
-            <a:schemeClr val="accent1"/>
-          </a:fillRef>
-          <a:effectRef idx="0">
-            <a:schemeClr val="accent1"/>
-          </a:effectRef>
-          <a:fontRef idx="minor">
-            <a:schemeClr val="lt1"/>
-          </a:fontRef>
-        </p:style>
-        <p:txBody>
-          <a:bodyPr rtlCol="0" anchor="ctr"/>
-          <a:lstStyle/>
-          <a:p>
-            <a:pPr algn="ctr"/>
-            <a:r>
-              <a:rPr lang="en-US" sz="1400" dirty="0" smtClean="0"/>
-              <a:t>Settings</a:t>
-            </a:r>
-            <a:endParaRPr lang="en-US" sz="1400" dirty="0"/>
-          </a:p>
-        </p:txBody>
-      </p:sp>
-      <p:sp>
-        <p:nvSpPr>
-          <p:cNvPr id="29" name="Rectangle 28"/>
-          <p:cNvSpPr/>
-          <p:nvPr/>
-        </p:nvSpPr>
-        <p:spPr>
-          <a:xfrm>
-            <a:off x="2366637" y="169333"/>
-            <a:ext cx="990600" cy="685800"/>
-          </a:xfrm>
-          <a:prstGeom prst="rect">
-            <a:avLst/>
-          </a:prstGeom>
-        </p:spPr>
-        <p:style>
-          <a:lnRef idx="2">
-            <a:schemeClr val="accent1">
-              <a:shade val="50000"/>
-            </a:schemeClr>
-          </a:lnRef>
-          <a:fillRef idx="1">
-            <a:schemeClr val="accent1"/>
-          </a:fillRef>
-          <a:effectRef idx="0">
-            <a:schemeClr val="accent1"/>
-          </a:effectRef>
-          <a:fontRef idx="minor">
-            <a:schemeClr val="lt1"/>
-          </a:fontRef>
-        </p:style>
-        <p:txBody>
-          <a:bodyPr rtlCol="0" anchor="ctr"/>
-          <a:lstStyle/>
-          <a:p>
-            <a:pPr algn="ctr"/>
-            <a:r>
-              <a:rPr lang="en-US" sz="1400" dirty="0" smtClean="0"/>
-              <a:t>Log Activity</a:t>
-            </a:r>
-            <a:endParaRPr lang="en-US" sz="1400" dirty="0"/>
-          </a:p>
-        </p:txBody>
-      </p:sp>
-      <p:sp>
-        <p:nvSpPr>
-          <p:cNvPr id="30" name="Rectangle 29"/>
-          <p:cNvSpPr/>
-          <p:nvPr/>
-        </p:nvSpPr>
-        <p:spPr>
-          <a:xfrm>
-            <a:off x="7597384" y="169333"/>
-            <a:ext cx="990600" cy="685800"/>
-          </a:xfrm>
-          <a:prstGeom prst="rect">
-            <a:avLst/>
-          </a:prstGeom>
-        </p:spPr>
-        <p:style>
-          <a:lnRef idx="2">
-            <a:schemeClr val="accent1">
-              <a:shade val="50000"/>
-            </a:schemeClr>
-          </a:lnRef>
-          <a:fillRef idx="1">
-            <a:schemeClr val="accent1"/>
-          </a:fillRef>
-          <a:effectRef idx="0">
-            <a:schemeClr val="accent1"/>
-          </a:effectRef>
-          <a:fontRef idx="minor">
-            <a:schemeClr val="lt1"/>
-          </a:fontRef>
-        </p:style>
-        <p:txBody>
-          <a:bodyPr rtlCol="0" anchor="ctr"/>
-          <a:lstStyle/>
-          <a:p>
-            <a:pPr algn="ctr"/>
-            <a:r>
-              <a:rPr lang="en-US" sz="1400" dirty="0" smtClean="0"/>
-              <a:t>Profile</a:t>
-            </a:r>
-            <a:endParaRPr lang="en-US" sz="1400" dirty="0"/>
           </a:p>
         </p:txBody>
       </p:sp>
     </p:spTree>
     <p:extLst>
       <p:ext uri="{BB962C8B-B14F-4D97-AF65-F5344CB8AC3E}">
-        <p14:creationId xmlns:p14="http://schemas.microsoft.com/office/powerpoint/2010/main" val="2910624689"/>
+        <p14:creationId xmlns:p14="http://schemas.microsoft.com/office/powerpoint/2010/main" val="2319728802"/>
       </p:ext>
     </p:extLst>
   </p:cSld>
@@ -6972,14 +6534,14 @@
       </p:sp>
       <p:sp>
         <p:nvSpPr>
-          <p:cNvPr id="7" name="Rectangle 6"/>
+          <p:cNvPr id="6" name="Rectangle 5"/>
           <p:cNvSpPr/>
           <p:nvPr/>
         </p:nvSpPr>
         <p:spPr>
           <a:xfrm>
-            <a:off x="152400" y="1143000"/>
-            <a:ext cx="8839200" cy="5562600"/>
+            <a:off x="5562600" y="1143000"/>
+            <a:ext cx="3429000" cy="5562600"/>
           </a:xfrm>
           <a:prstGeom prst="rect">
             <a:avLst/>
@@ -7006,20 +6568,24 @@
           <a:lstStyle/>
           <a:p>
             <a:pPr algn="ctr"/>
+            <a:r>
+              <a:rPr lang="en-US" dirty="0" smtClean="0"/>
+              <a:t>Activity Feed</a:t>
+            </a:r>
             <a:endParaRPr lang="en-US" dirty="0"/>
           </a:p>
         </p:txBody>
       </p:sp>
       <p:sp>
         <p:nvSpPr>
-          <p:cNvPr id="8" name="Rectangle 7"/>
+          <p:cNvPr id="7" name="Rectangle 6"/>
           <p:cNvSpPr/>
           <p:nvPr/>
         </p:nvSpPr>
         <p:spPr>
           <a:xfrm>
-            <a:off x="219529" y="152400"/>
-            <a:ext cx="990600" cy="685800"/>
+            <a:off x="152400" y="1143000"/>
+            <a:ext cx="5257800" cy="5562600"/>
           </a:xfrm>
           <a:prstGeom prst="rect">
             <a:avLst/>
@@ -7046,23 +6612,19 @@
           <a:lstStyle/>
           <a:p>
             <a:pPr algn="ctr"/>
-            <a:r>
-              <a:rPr lang="en-US" sz="1400" dirty="0"/>
-              <a:t>Home</a:t>
-            </a:r>
-            <a:endParaRPr lang="en-US" sz="1400" dirty="0"/>
-          </a:p>
-        </p:txBody>
-      </p:sp>
-      <p:sp>
-        <p:nvSpPr>
-          <p:cNvPr id="9" name="Rectangle 8"/>
+            <a:endParaRPr lang="en-US" dirty="0"/>
+          </a:p>
+        </p:txBody>
+      </p:sp>
+      <p:sp>
+        <p:nvSpPr>
+          <p:cNvPr id="8" name="Rectangle 7"/>
           <p:cNvSpPr/>
           <p:nvPr/>
         </p:nvSpPr>
         <p:spPr>
           <a:xfrm>
-            <a:off x="1280887" y="169333"/>
+            <a:off x="219529" y="152400"/>
             <a:ext cx="990600" cy="685800"/>
           </a:xfrm>
           <a:prstGeom prst="rect">
@@ -7094,8 +6656,8 @@
           <a:p>
             <a:pPr algn="ctr"/>
             <a:r>
-              <a:rPr lang="en-US" sz="1400" dirty="0"/>
-              <a:t>My Workouts</a:t>
+              <a:rPr lang="en-US" sz="1400" dirty="0" smtClean="0"/>
+              <a:t>Home</a:t>
             </a:r>
             <a:endParaRPr lang="en-US" sz="1400" dirty="0"/>
           </a:p>
@@ -7103,13 +6665,13 @@
       </p:sp>
       <p:sp>
         <p:nvSpPr>
-          <p:cNvPr id="10" name="Rectangle 9"/>
+          <p:cNvPr id="9" name="Rectangle 8"/>
           <p:cNvSpPr/>
           <p:nvPr/>
         </p:nvSpPr>
         <p:spPr>
           <a:xfrm>
-            <a:off x="3427168" y="169333"/>
+            <a:off x="1280887" y="169333"/>
             <a:ext cx="990600" cy="685800"/>
           </a:xfrm>
           <a:prstGeom prst="rect">
@@ -7139,7 +6701,7 @@
             <a:pPr algn="ctr"/>
             <a:r>
               <a:rPr lang="en-US" sz="1400" dirty="0" smtClean="0"/>
-              <a:t>Generator</a:t>
+              <a:t>My Workouts</a:t>
             </a:r>
             <a:endParaRPr lang="en-US" sz="1400" dirty="0"/>
           </a:p>
@@ -7147,13 +6709,13 @@
       </p:sp>
       <p:sp>
         <p:nvSpPr>
-          <p:cNvPr id="11" name="Rectangle 10"/>
+          <p:cNvPr id="10" name="Rectangle 9"/>
           <p:cNvSpPr/>
           <p:nvPr/>
         </p:nvSpPr>
         <p:spPr>
           <a:xfrm>
-            <a:off x="4469722" y="169333"/>
+            <a:off x="3427168" y="169333"/>
             <a:ext cx="990600" cy="685800"/>
           </a:xfrm>
           <a:prstGeom prst="rect">
@@ -7183,7 +6745,7 @@
             <a:pPr algn="ctr"/>
             <a:r>
               <a:rPr lang="en-US" sz="1400" dirty="0" smtClean="0"/>
-              <a:t>Metrics</a:t>
+              <a:t>Generator</a:t>
             </a:r>
             <a:endParaRPr lang="en-US" sz="1400" dirty="0"/>
           </a:p>
@@ -7191,13 +6753,13 @@
       </p:sp>
       <p:sp>
         <p:nvSpPr>
-          <p:cNvPr id="15" name="Rectangle 14"/>
+          <p:cNvPr id="11" name="Rectangle 10"/>
           <p:cNvSpPr/>
           <p:nvPr/>
         </p:nvSpPr>
         <p:spPr>
           <a:xfrm>
-            <a:off x="5512276" y="169333"/>
+            <a:off x="4469722" y="169333"/>
             <a:ext cx="990600" cy="685800"/>
           </a:xfrm>
           <a:prstGeom prst="rect">
@@ -7227,7 +6789,7 @@
             <a:pPr algn="ctr"/>
             <a:r>
               <a:rPr lang="en-US" sz="1400" dirty="0" smtClean="0"/>
-              <a:t>Users</a:t>
+              <a:t>Metrics</a:t>
             </a:r>
             <a:endParaRPr lang="en-US" sz="1400" dirty="0"/>
           </a:p>
@@ -7235,14 +6797,14 @@
       </p:sp>
       <p:sp>
         <p:nvSpPr>
-          <p:cNvPr id="25" name="Rectangle 24"/>
+          <p:cNvPr id="13" name="Rectangle 12"/>
           <p:cNvSpPr/>
           <p:nvPr/>
         </p:nvSpPr>
         <p:spPr>
           <a:xfrm>
-            <a:off x="6554830" y="169333"/>
-            <a:ext cx="990600" cy="685800"/>
+            <a:off x="304800" y="1295400"/>
+            <a:ext cx="2133600" cy="533400"/>
           </a:xfrm>
           <a:prstGeom prst="rect">
             <a:avLst/>
@@ -7270,22 +6832,22 @@
           <a:p>
             <a:pPr algn="ctr"/>
             <a:r>
-              <a:rPr lang="en-US" sz="1400" dirty="0" smtClean="0"/>
-              <a:t>Settings</a:t>
-            </a:r>
-            <a:endParaRPr lang="en-US" sz="1400" dirty="0"/>
-          </a:p>
-        </p:txBody>
-      </p:sp>
-      <p:sp>
-        <p:nvSpPr>
-          <p:cNvPr id="29" name="Rectangle 28"/>
+              <a:rPr lang="en-US" dirty="0" smtClean="0"/>
+              <a:t>Your stats</a:t>
+            </a:r>
+            <a:endParaRPr lang="en-US" dirty="0"/>
+          </a:p>
+        </p:txBody>
+      </p:sp>
+      <p:sp>
+        <p:nvSpPr>
+          <p:cNvPr id="15" name="Rectangle 14"/>
           <p:cNvSpPr/>
           <p:nvPr/>
         </p:nvSpPr>
         <p:spPr>
           <a:xfrm>
-            <a:off x="2366637" y="169333"/>
+            <a:off x="5512276" y="169333"/>
             <a:ext cx="990600" cy="685800"/>
           </a:xfrm>
           <a:prstGeom prst="rect">
@@ -7315,7 +6877,626 @@
             <a:pPr algn="ctr"/>
             <a:r>
               <a:rPr lang="en-US" sz="1400" dirty="0" smtClean="0"/>
+              <a:t>Users</a:t>
+            </a:r>
+            <a:endParaRPr lang="en-US" sz="1400" dirty="0"/>
+          </a:p>
+        </p:txBody>
+      </p:sp>
+      <p:sp>
+        <p:nvSpPr>
+          <p:cNvPr id="16" name="Rectangle 15"/>
+          <p:cNvSpPr/>
+          <p:nvPr/>
+        </p:nvSpPr>
+        <p:spPr>
+          <a:xfrm>
+            <a:off x="5715000" y="1295400"/>
+            <a:ext cx="3124200" cy="266700"/>
+          </a:xfrm>
+          <a:prstGeom prst="rect">
+            <a:avLst/>
+          </a:prstGeom>
+          <a:solidFill>
+            <a:schemeClr val="tx2">
+              <a:lumMod val="75000"/>
+            </a:schemeClr>
+          </a:solidFill>
+        </p:spPr>
+        <p:style>
+          <a:lnRef idx="2">
+            <a:schemeClr val="accent1">
+              <a:shade val="50000"/>
+            </a:schemeClr>
+          </a:lnRef>
+          <a:fillRef idx="1">
+            <a:schemeClr val="accent1"/>
+          </a:fillRef>
+          <a:effectRef idx="0">
+            <a:schemeClr val="accent1"/>
+          </a:effectRef>
+          <a:fontRef idx="minor">
+            <a:schemeClr val="lt1"/>
+          </a:fontRef>
+        </p:style>
+        <p:txBody>
+          <a:bodyPr rtlCol="0" anchor="ctr"/>
+          <a:lstStyle/>
+          <a:p>
+            <a:r>
+              <a:rPr lang="en-US" sz="1200" dirty="0" smtClean="0"/>
+              <a:t>07/01/2019: Joseph posted a workout</a:t>
+            </a:r>
+            <a:endParaRPr lang="en-US" sz="1200" dirty="0"/>
+          </a:p>
+        </p:txBody>
+      </p:sp>
+      <p:sp>
+        <p:nvSpPr>
+          <p:cNvPr id="18" name="Rectangle 17"/>
+          <p:cNvSpPr/>
+          <p:nvPr/>
+        </p:nvSpPr>
+        <p:spPr>
+          <a:xfrm>
+            <a:off x="5715000" y="1638300"/>
+            <a:ext cx="3124200" cy="266700"/>
+          </a:xfrm>
+          <a:prstGeom prst="rect">
+            <a:avLst/>
+          </a:prstGeom>
+          <a:solidFill>
+            <a:schemeClr val="tx2">
+              <a:lumMod val="75000"/>
+            </a:schemeClr>
+          </a:solidFill>
+        </p:spPr>
+        <p:style>
+          <a:lnRef idx="2">
+            <a:schemeClr val="accent1">
+              <a:shade val="50000"/>
+            </a:schemeClr>
+          </a:lnRef>
+          <a:fillRef idx="1">
+            <a:schemeClr val="accent1"/>
+          </a:fillRef>
+          <a:effectRef idx="0">
+            <a:schemeClr val="accent1"/>
+          </a:effectRef>
+          <a:fontRef idx="minor">
+            <a:schemeClr val="lt1"/>
+          </a:fontRef>
+        </p:style>
+        <p:txBody>
+          <a:bodyPr rtlCol="0" anchor="ctr"/>
+          <a:lstStyle/>
+          <a:p>
+            <a:r>
+              <a:rPr lang="en-US" sz="1200" dirty="0" smtClean="0"/>
+              <a:t>06/30/2019: Jason posted a run</a:t>
+            </a:r>
+            <a:endParaRPr lang="en-US" sz="1200" dirty="0"/>
+          </a:p>
+        </p:txBody>
+      </p:sp>
+      <p:sp>
+        <p:nvSpPr>
+          <p:cNvPr id="19" name="Rectangle 18"/>
+          <p:cNvSpPr/>
+          <p:nvPr/>
+        </p:nvSpPr>
+        <p:spPr>
+          <a:xfrm>
+            <a:off x="304800" y="2209800"/>
+            <a:ext cx="558800" cy="533400"/>
+          </a:xfrm>
+          <a:prstGeom prst="rect">
+            <a:avLst/>
+          </a:prstGeom>
+        </p:spPr>
+        <p:style>
+          <a:lnRef idx="2">
+            <a:schemeClr val="accent1">
+              <a:shade val="50000"/>
+            </a:schemeClr>
+          </a:lnRef>
+          <a:fillRef idx="1">
+            <a:schemeClr val="accent1"/>
+          </a:fillRef>
+          <a:effectRef idx="0">
+            <a:schemeClr val="accent1"/>
+          </a:effectRef>
+          <a:fontRef idx="minor">
+            <a:schemeClr val="lt1"/>
+          </a:fontRef>
+        </p:style>
+        <p:txBody>
+          <a:bodyPr rtlCol="0" anchor="ctr"/>
+          <a:lstStyle/>
+          <a:p>
+            <a:pPr algn="ctr"/>
+            <a:r>
+              <a:rPr lang="en-US" dirty="0" smtClean="0"/>
+              <a:t>M</a:t>
+            </a:r>
+            <a:endParaRPr lang="en-US" dirty="0"/>
+          </a:p>
+        </p:txBody>
+      </p:sp>
+      <p:sp>
+        <p:nvSpPr>
+          <p:cNvPr id="20" name="Rectangle 19"/>
+          <p:cNvSpPr/>
+          <p:nvPr/>
+        </p:nvSpPr>
+        <p:spPr>
+          <a:xfrm>
+            <a:off x="1001487" y="2209800"/>
+            <a:ext cx="558800" cy="533400"/>
+          </a:xfrm>
+          <a:prstGeom prst="rect">
+            <a:avLst/>
+          </a:prstGeom>
+        </p:spPr>
+        <p:style>
+          <a:lnRef idx="2">
+            <a:schemeClr val="accent1">
+              <a:shade val="50000"/>
+            </a:schemeClr>
+          </a:lnRef>
+          <a:fillRef idx="1">
+            <a:schemeClr val="accent1"/>
+          </a:fillRef>
+          <a:effectRef idx="0">
+            <a:schemeClr val="accent1"/>
+          </a:effectRef>
+          <a:fontRef idx="minor">
+            <a:schemeClr val="lt1"/>
+          </a:fontRef>
+        </p:style>
+        <p:txBody>
+          <a:bodyPr rtlCol="0" anchor="ctr"/>
+          <a:lstStyle/>
+          <a:p>
+            <a:pPr algn="ctr"/>
+            <a:r>
+              <a:rPr lang="en-US" dirty="0" smtClean="0"/>
+              <a:t>T</a:t>
+            </a:r>
+            <a:endParaRPr lang="en-US" dirty="0"/>
+          </a:p>
+        </p:txBody>
+      </p:sp>
+      <p:sp>
+        <p:nvSpPr>
+          <p:cNvPr id="21" name="Rectangle 20"/>
+          <p:cNvSpPr/>
+          <p:nvPr/>
+        </p:nvSpPr>
+        <p:spPr>
+          <a:xfrm>
+            <a:off x="1712687" y="2209800"/>
+            <a:ext cx="558800" cy="533400"/>
+          </a:xfrm>
+          <a:prstGeom prst="rect">
+            <a:avLst/>
+          </a:prstGeom>
+        </p:spPr>
+        <p:style>
+          <a:lnRef idx="2">
+            <a:schemeClr val="accent1">
+              <a:shade val="50000"/>
+            </a:schemeClr>
+          </a:lnRef>
+          <a:fillRef idx="1">
+            <a:schemeClr val="accent1"/>
+          </a:fillRef>
+          <a:effectRef idx="0">
+            <a:schemeClr val="accent1"/>
+          </a:effectRef>
+          <a:fontRef idx="minor">
+            <a:schemeClr val="lt1"/>
+          </a:fontRef>
+        </p:style>
+        <p:txBody>
+          <a:bodyPr rtlCol="0" anchor="ctr"/>
+          <a:lstStyle/>
+          <a:p>
+            <a:pPr algn="ctr"/>
+            <a:r>
+              <a:rPr lang="en-US" dirty="0" smtClean="0"/>
+              <a:t>W</a:t>
+            </a:r>
+            <a:endParaRPr lang="en-US" dirty="0"/>
+          </a:p>
+        </p:txBody>
+      </p:sp>
+      <p:sp>
+        <p:nvSpPr>
+          <p:cNvPr id="22" name="Rectangle 21"/>
+          <p:cNvSpPr/>
+          <p:nvPr/>
+        </p:nvSpPr>
+        <p:spPr>
+          <a:xfrm>
+            <a:off x="2432050" y="2209800"/>
+            <a:ext cx="558800" cy="533400"/>
+          </a:xfrm>
+          <a:prstGeom prst="rect">
+            <a:avLst/>
+          </a:prstGeom>
+        </p:spPr>
+        <p:style>
+          <a:lnRef idx="2">
+            <a:schemeClr val="accent1">
+              <a:shade val="50000"/>
+            </a:schemeClr>
+          </a:lnRef>
+          <a:fillRef idx="1">
+            <a:schemeClr val="accent1"/>
+          </a:fillRef>
+          <a:effectRef idx="0">
+            <a:schemeClr val="accent1"/>
+          </a:effectRef>
+          <a:fontRef idx="minor">
+            <a:schemeClr val="lt1"/>
+          </a:fontRef>
+        </p:style>
+        <p:txBody>
+          <a:bodyPr rtlCol="0" anchor="ctr"/>
+          <a:lstStyle/>
+          <a:p>
+            <a:pPr algn="ctr"/>
+            <a:r>
+              <a:rPr lang="en-US" dirty="0"/>
+              <a:t>R</a:t>
+            </a:r>
+          </a:p>
+        </p:txBody>
+      </p:sp>
+      <p:sp>
+        <p:nvSpPr>
+          <p:cNvPr id="23" name="Rectangle 22"/>
+          <p:cNvSpPr/>
+          <p:nvPr/>
+        </p:nvSpPr>
+        <p:spPr>
+          <a:xfrm>
+            <a:off x="3175000" y="2209800"/>
+            <a:ext cx="558800" cy="533400"/>
+          </a:xfrm>
+          <a:prstGeom prst="rect">
+            <a:avLst/>
+          </a:prstGeom>
+        </p:spPr>
+        <p:style>
+          <a:lnRef idx="2">
+            <a:schemeClr val="accent1">
+              <a:shade val="50000"/>
+            </a:schemeClr>
+          </a:lnRef>
+          <a:fillRef idx="1">
+            <a:schemeClr val="accent1"/>
+          </a:fillRef>
+          <a:effectRef idx="0">
+            <a:schemeClr val="accent1"/>
+          </a:effectRef>
+          <a:fontRef idx="minor">
+            <a:schemeClr val="lt1"/>
+          </a:fontRef>
+        </p:style>
+        <p:txBody>
+          <a:bodyPr rtlCol="0" anchor="ctr"/>
+          <a:lstStyle/>
+          <a:p>
+            <a:pPr algn="ctr"/>
+            <a:r>
+              <a:rPr lang="en-US" dirty="0" smtClean="0"/>
+              <a:t>F</a:t>
+            </a:r>
+            <a:endParaRPr lang="en-US" dirty="0"/>
+          </a:p>
+        </p:txBody>
+      </p:sp>
+      <p:sp>
+        <p:nvSpPr>
+          <p:cNvPr id="24" name="Rectangle 23"/>
+          <p:cNvSpPr/>
+          <p:nvPr/>
+        </p:nvSpPr>
+        <p:spPr>
+          <a:xfrm>
+            <a:off x="3904672" y="2209800"/>
+            <a:ext cx="558800" cy="533400"/>
+          </a:xfrm>
+          <a:prstGeom prst="rect">
+            <a:avLst/>
+          </a:prstGeom>
+        </p:spPr>
+        <p:style>
+          <a:lnRef idx="2">
+            <a:schemeClr val="accent1">
+              <a:shade val="50000"/>
+            </a:schemeClr>
+          </a:lnRef>
+          <a:fillRef idx="1">
+            <a:schemeClr val="accent1"/>
+          </a:fillRef>
+          <a:effectRef idx="0">
+            <a:schemeClr val="accent1"/>
+          </a:effectRef>
+          <a:fontRef idx="minor">
+            <a:schemeClr val="lt1"/>
+          </a:fontRef>
+        </p:style>
+        <p:txBody>
+          <a:bodyPr rtlCol="0" anchor="ctr"/>
+          <a:lstStyle/>
+          <a:p>
+            <a:pPr algn="ctr"/>
+            <a:r>
+              <a:rPr lang="en-US" dirty="0" smtClean="0"/>
+              <a:t>S</a:t>
+            </a:r>
+            <a:endParaRPr lang="en-US" dirty="0"/>
+          </a:p>
+        </p:txBody>
+      </p:sp>
+      <p:sp>
+        <p:nvSpPr>
+          <p:cNvPr id="26" name="Rectangle 25"/>
+          <p:cNvSpPr/>
+          <p:nvPr/>
+        </p:nvSpPr>
+        <p:spPr>
+          <a:xfrm>
+            <a:off x="4635500" y="2209800"/>
+            <a:ext cx="558800" cy="533400"/>
+          </a:xfrm>
+          <a:prstGeom prst="rect">
+            <a:avLst/>
+          </a:prstGeom>
+        </p:spPr>
+        <p:style>
+          <a:lnRef idx="2">
+            <a:schemeClr val="accent1">
+              <a:shade val="50000"/>
+            </a:schemeClr>
+          </a:lnRef>
+          <a:fillRef idx="1">
+            <a:schemeClr val="accent1"/>
+          </a:fillRef>
+          <a:effectRef idx="0">
+            <a:schemeClr val="accent1"/>
+          </a:effectRef>
+          <a:fontRef idx="minor">
+            <a:schemeClr val="lt1"/>
+          </a:fontRef>
+        </p:style>
+        <p:txBody>
+          <a:bodyPr rtlCol="0" anchor="ctr"/>
+          <a:lstStyle/>
+          <a:p>
+            <a:pPr algn="ctr"/>
+            <a:r>
+              <a:rPr lang="en-US" dirty="0" smtClean="0"/>
+              <a:t>U</a:t>
+            </a:r>
+            <a:endParaRPr lang="en-US" dirty="0"/>
+          </a:p>
+        </p:txBody>
+      </p:sp>
+      <p:sp>
+        <p:nvSpPr>
+          <p:cNvPr id="27" name="Rectangle 26"/>
+          <p:cNvSpPr/>
+          <p:nvPr/>
+        </p:nvSpPr>
+        <p:spPr>
+          <a:xfrm>
+            <a:off x="304799" y="2895600"/>
+            <a:ext cx="2686051" cy="533400"/>
+          </a:xfrm>
+          <a:prstGeom prst="rect">
+            <a:avLst/>
+          </a:prstGeom>
+        </p:spPr>
+        <p:style>
+          <a:lnRef idx="2">
+            <a:schemeClr val="accent1">
+              <a:shade val="50000"/>
+            </a:schemeClr>
+          </a:lnRef>
+          <a:fillRef idx="1">
+            <a:schemeClr val="accent1"/>
+          </a:fillRef>
+          <a:effectRef idx="0">
+            <a:schemeClr val="accent1"/>
+          </a:effectRef>
+          <a:fontRef idx="minor">
+            <a:schemeClr val="lt1"/>
+          </a:fontRef>
+        </p:style>
+        <p:txBody>
+          <a:bodyPr rtlCol="0" anchor="ctr"/>
+          <a:lstStyle/>
+          <a:p>
+            <a:pPr algn="ctr"/>
+            <a:r>
+              <a:rPr lang="en-US" dirty="0" smtClean="0"/>
+              <a:t>Current Week’s Mileage</a:t>
+            </a:r>
+            <a:endParaRPr lang="en-US" dirty="0"/>
+          </a:p>
+        </p:txBody>
+      </p:sp>
+      <p:sp>
+        <p:nvSpPr>
+          <p:cNvPr id="28" name="Rectangle 27"/>
+          <p:cNvSpPr/>
+          <p:nvPr/>
+        </p:nvSpPr>
+        <p:spPr>
+          <a:xfrm>
+            <a:off x="304799" y="3581400"/>
+            <a:ext cx="2686051" cy="533400"/>
+          </a:xfrm>
+          <a:prstGeom prst="rect">
+            <a:avLst/>
+          </a:prstGeom>
+        </p:spPr>
+        <p:style>
+          <a:lnRef idx="2">
+            <a:schemeClr val="accent1">
+              <a:shade val="50000"/>
+            </a:schemeClr>
+          </a:lnRef>
+          <a:fillRef idx="1">
+            <a:schemeClr val="accent1"/>
+          </a:fillRef>
+          <a:effectRef idx="0">
+            <a:schemeClr val="accent1"/>
+          </a:effectRef>
+          <a:fontRef idx="minor">
+            <a:schemeClr val="lt1"/>
+          </a:fontRef>
+        </p:style>
+        <p:txBody>
+          <a:bodyPr rtlCol="0" anchor="ctr"/>
+          <a:lstStyle/>
+          <a:p>
+            <a:pPr algn="ctr"/>
+            <a:endParaRPr lang="en-US" dirty="0"/>
+          </a:p>
+        </p:txBody>
+      </p:sp>
+      <p:sp>
+        <p:nvSpPr>
+          <p:cNvPr id="25" name="Rectangle 24"/>
+          <p:cNvSpPr/>
+          <p:nvPr/>
+        </p:nvSpPr>
+        <p:spPr>
+          <a:xfrm>
+            <a:off x="6554830" y="169333"/>
+            <a:ext cx="990600" cy="685800"/>
+          </a:xfrm>
+          <a:prstGeom prst="rect">
+            <a:avLst/>
+          </a:prstGeom>
+        </p:spPr>
+        <p:style>
+          <a:lnRef idx="2">
+            <a:schemeClr val="accent1">
+              <a:shade val="50000"/>
+            </a:schemeClr>
+          </a:lnRef>
+          <a:fillRef idx="1">
+            <a:schemeClr val="accent1"/>
+          </a:fillRef>
+          <a:effectRef idx="0">
+            <a:schemeClr val="accent1"/>
+          </a:effectRef>
+          <a:fontRef idx="minor">
+            <a:schemeClr val="lt1"/>
+          </a:fontRef>
+        </p:style>
+        <p:txBody>
+          <a:bodyPr rtlCol="0" anchor="ctr"/>
+          <a:lstStyle/>
+          <a:p>
+            <a:pPr algn="ctr"/>
+            <a:r>
+              <a:rPr lang="en-US" sz="1400" dirty="0" smtClean="0"/>
+              <a:t>Settings</a:t>
+            </a:r>
+            <a:endParaRPr lang="en-US" sz="1400" dirty="0"/>
+          </a:p>
+        </p:txBody>
+      </p:sp>
+      <p:sp>
+        <p:nvSpPr>
+          <p:cNvPr id="29" name="Rectangle 28"/>
+          <p:cNvSpPr/>
+          <p:nvPr/>
+        </p:nvSpPr>
+        <p:spPr>
+          <a:xfrm>
+            <a:off x="2366637" y="169333"/>
+            <a:ext cx="990600" cy="685800"/>
+          </a:xfrm>
+          <a:prstGeom prst="rect">
+            <a:avLst/>
+          </a:prstGeom>
+        </p:spPr>
+        <p:style>
+          <a:lnRef idx="2">
+            <a:schemeClr val="accent1">
+              <a:shade val="50000"/>
+            </a:schemeClr>
+          </a:lnRef>
+          <a:fillRef idx="1">
+            <a:schemeClr val="accent1"/>
+          </a:fillRef>
+          <a:effectRef idx="0">
+            <a:schemeClr val="accent1"/>
+          </a:effectRef>
+          <a:fontRef idx="minor">
+            <a:schemeClr val="lt1"/>
+          </a:fontRef>
+        </p:style>
+        <p:txBody>
+          <a:bodyPr rtlCol="0" anchor="ctr"/>
+          <a:lstStyle/>
+          <a:p>
+            <a:pPr algn="ctr"/>
+            <a:r>
+              <a:rPr lang="en-US" sz="1400" dirty="0" smtClean="0"/>
               <a:t>Log Activity</a:t>
+            </a:r>
+            <a:endParaRPr lang="en-US" sz="1400" dirty="0"/>
+          </a:p>
+        </p:txBody>
+      </p:sp>
+      <p:sp>
+        <p:nvSpPr>
+          <p:cNvPr id="30" name="Rectangle 29"/>
+          <p:cNvSpPr/>
+          <p:nvPr/>
+        </p:nvSpPr>
+        <p:spPr>
+          <a:xfrm>
+            <a:off x="7597384" y="169333"/>
+            <a:ext cx="990600" cy="685800"/>
+          </a:xfrm>
+          <a:prstGeom prst="rect">
+            <a:avLst/>
+          </a:prstGeom>
+        </p:spPr>
+        <p:style>
+          <a:lnRef idx="2">
+            <a:schemeClr val="accent1">
+              <a:shade val="50000"/>
+            </a:schemeClr>
+          </a:lnRef>
+          <a:fillRef idx="1">
+            <a:schemeClr val="accent1"/>
+          </a:fillRef>
+          <a:effectRef idx="0">
+            <a:schemeClr val="accent1"/>
+          </a:effectRef>
+          <a:fontRef idx="minor">
+            <a:schemeClr val="lt1"/>
+          </a:fontRef>
+        </p:style>
+        <p:txBody>
+          <a:bodyPr rtlCol="0" anchor="ctr"/>
+          <a:lstStyle/>
+          <a:p>
+            <a:pPr algn="ctr"/>
+            <a:r>
+              <a:rPr lang="en-US" sz="1400" dirty="0" smtClean="0"/>
+              <a:t>Profile</a:t>
             </a:r>
             <a:endParaRPr lang="en-US" sz="1400" dirty="0"/>
           </a:p>
@@ -7324,7 +7505,7 @@
     </p:spTree>
     <p:extLst>
       <p:ext uri="{BB962C8B-B14F-4D97-AF65-F5344CB8AC3E}">
-        <p14:creationId xmlns:p14="http://schemas.microsoft.com/office/powerpoint/2010/main" val="1298857576"/>
+        <p14:creationId xmlns:p14="http://schemas.microsoft.com/office/powerpoint/2010/main" val="2910624689"/>
       </p:ext>
     </p:extLst>
   </p:cSld>
@@ -7490,7 +7671,7 @@
         </p:nvSpPr>
         <p:spPr>
           <a:xfrm>
-            <a:off x="1280887" y="152400"/>
+            <a:off x="1280887" y="169333"/>
             <a:ext cx="990600" cy="685800"/>
           </a:xfrm>
           <a:prstGeom prst="rect">
@@ -7523,7 +7704,7 @@
             <a:pPr algn="ctr"/>
             <a:r>
               <a:rPr lang="en-US" sz="1400" dirty="0"/>
-              <a:t>Log Activity</a:t>
+              <a:t>My Workouts</a:t>
             </a:r>
             <a:endParaRPr lang="en-US" sz="1400" dirty="0"/>
           </a:p>
@@ -7537,7 +7718,7 @@
         </p:nvSpPr>
         <p:spPr>
           <a:xfrm>
-            <a:off x="2341418" y="152400"/>
+            <a:off x="3427168" y="169333"/>
             <a:ext cx="990600" cy="685800"/>
           </a:xfrm>
           <a:prstGeom prst="rect">
@@ -7581,7 +7762,7 @@
         </p:nvSpPr>
         <p:spPr>
           <a:xfrm>
-            <a:off x="3383972" y="152400"/>
+            <a:off x="4469722" y="169333"/>
             <a:ext cx="990600" cy="685800"/>
           </a:xfrm>
           <a:prstGeom prst="rect">
@@ -7619,13 +7800,13 @@
       </p:sp>
       <p:sp>
         <p:nvSpPr>
-          <p:cNvPr id="25" name="Rectangle 24"/>
+          <p:cNvPr id="15" name="Rectangle 14"/>
           <p:cNvSpPr/>
           <p:nvPr/>
         </p:nvSpPr>
         <p:spPr>
           <a:xfrm>
-            <a:off x="4426526" y="152400"/>
+            <a:off x="5512276" y="169333"/>
             <a:ext cx="990600" cy="685800"/>
           </a:xfrm>
           <a:prstGeom prst="rect">
@@ -7663,13 +7844,13 @@
       </p:sp>
       <p:sp>
         <p:nvSpPr>
-          <p:cNvPr id="29" name="Rectangle 28"/>
+          <p:cNvPr id="25" name="Rectangle 24"/>
           <p:cNvSpPr/>
           <p:nvPr/>
         </p:nvSpPr>
         <p:spPr>
           <a:xfrm>
-            <a:off x="5469080" y="152400"/>
+            <a:off x="6554830" y="169333"/>
             <a:ext cx="990600" cy="685800"/>
           </a:xfrm>
           <a:prstGeom prst="rect">
@@ -7707,23 +7888,18 @@
       </p:sp>
       <p:sp>
         <p:nvSpPr>
-          <p:cNvPr id="2" name="Rectangle 1"/>
+          <p:cNvPr id="29" name="Rectangle 28"/>
           <p:cNvSpPr/>
           <p:nvPr/>
         </p:nvSpPr>
         <p:spPr>
           <a:xfrm>
-            <a:off x="1700646" y="3048000"/>
-            <a:ext cx="1295400" cy="1143000"/>
-          </a:xfrm>
-          <a:prstGeom prst="rect">
-            <a:avLst/>
-          </a:prstGeom>
-          <a:solidFill>
-            <a:schemeClr val="bg1">
-              <a:lumMod val="50000"/>
-            </a:schemeClr>
-          </a:solidFill>
+            <a:off x="2366637" y="169333"/>
+            <a:ext cx="990600" cy="685800"/>
+          </a:xfrm>
+          <a:prstGeom prst="rect">
+            <a:avLst/>
+          </a:prstGeom>
         </p:spPr>
         <p:style>
           <a:lnRef idx="2">
@@ -7747,164 +7923,17 @@
           <a:p>
             <a:pPr algn="ctr"/>
             <a:r>
-              <a:rPr lang="en-US" dirty="0" smtClean="0"/>
-              <a:t>Run</a:t>
-            </a:r>
-            <a:endParaRPr lang="en-US" dirty="0"/>
-          </a:p>
-        </p:txBody>
-      </p:sp>
-      <p:sp>
-        <p:nvSpPr>
-          <p:cNvPr id="30" name="Rectangle 29"/>
-          <p:cNvSpPr/>
-          <p:nvPr/>
-        </p:nvSpPr>
-        <p:spPr>
-          <a:xfrm>
-            <a:off x="3089564" y="3048000"/>
-            <a:ext cx="1295400" cy="1143000"/>
-          </a:xfrm>
-          <a:prstGeom prst="rect">
-            <a:avLst/>
-          </a:prstGeom>
-          <a:solidFill>
-            <a:schemeClr val="bg1">
-              <a:lumMod val="50000"/>
-            </a:schemeClr>
-          </a:solidFill>
-        </p:spPr>
-        <p:style>
-          <a:lnRef idx="2">
-            <a:schemeClr val="accent1">
-              <a:shade val="50000"/>
-            </a:schemeClr>
-          </a:lnRef>
-          <a:fillRef idx="1">
-            <a:schemeClr val="accent1"/>
-          </a:fillRef>
-          <a:effectRef idx="0">
-            <a:schemeClr val="accent1"/>
-          </a:effectRef>
-          <a:fontRef idx="minor">
-            <a:schemeClr val="lt1"/>
-          </a:fontRef>
-        </p:style>
-        <p:txBody>
-          <a:bodyPr rtlCol="0" anchor="ctr"/>
-          <a:lstStyle/>
-          <a:p>
-            <a:pPr algn="ctr"/>
-            <a:r>
-              <a:rPr lang="en-US" dirty="0" smtClean="0"/>
-              <a:t>Bike</a:t>
-            </a:r>
-            <a:endParaRPr lang="en-US" dirty="0"/>
-          </a:p>
-        </p:txBody>
-      </p:sp>
-      <p:sp>
-        <p:nvSpPr>
-          <p:cNvPr id="31" name="Rectangle 30"/>
-          <p:cNvSpPr/>
-          <p:nvPr/>
-        </p:nvSpPr>
-        <p:spPr>
-          <a:xfrm>
-            <a:off x="4478482" y="3043767"/>
-            <a:ext cx="1295400" cy="1143000"/>
-          </a:xfrm>
-          <a:prstGeom prst="rect">
-            <a:avLst/>
-          </a:prstGeom>
-          <a:solidFill>
-            <a:schemeClr val="bg1">
-              <a:lumMod val="50000"/>
-            </a:schemeClr>
-          </a:solidFill>
-        </p:spPr>
-        <p:style>
-          <a:lnRef idx="2">
-            <a:schemeClr val="accent1">
-              <a:shade val="50000"/>
-            </a:schemeClr>
-          </a:lnRef>
-          <a:fillRef idx="1">
-            <a:schemeClr val="accent1"/>
-          </a:fillRef>
-          <a:effectRef idx="0">
-            <a:schemeClr val="accent1"/>
-          </a:effectRef>
-          <a:fontRef idx="minor">
-            <a:schemeClr val="lt1"/>
-          </a:fontRef>
-        </p:style>
-        <p:txBody>
-          <a:bodyPr rtlCol="0" anchor="ctr"/>
-          <a:lstStyle/>
-          <a:p>
-            <a:pPr algn="ctr"/>
-            <a:r>
-              <a:rPr lang="en-US" dirty="0" smtClean="0"/>
-              <a:t>Swim</a:t>
-            </a:r>
-            <a:endParaRPr lang="en-US" dirty="0"/>
-          </a:p>
-        </p:txBody>
-      </p:sp>
-      <p:sp>
-        <p:nvSpPr>
-          <p:cNvPr id="32" name="Rectangle 31"/>
-          <p:cNvSpPr/>
-          <p:nvPr/>
-        </p:nvSpPr>
-        <p:spPr>
-          <a:xfrm>
-            <a:off x="5867400" y="3043767"/>
-            <a:ext cx="1295400" cy="1143000"/>
-          </a:xfrm>
-          <a:prstGeom prst="rect">
-            <a:avLst/>
-          </a:prstGeom>
-          <a:solidFill>
-            <a:schemeClr val="bg1">
-              <a:lumMod val="50000"/>
-            </a:schemeClr>
-          </a:solidFill>
-        </p:spPr>
-        <p:style>
-          <a:lnRef idx="2">
-            <a:schemeClr val="accent1">
-              <a:shade val="50000"/>
-            </a:schemeClr>
-          </a:lnRef>
-          <a:fillRef idx="1">
-            <a:schemeClr val="accent1"/>
-          </a:fillRef>
-          <a:effectRef idx="0">
-            <a:schemeClr val="accent1"/>
-          </a:effectRef>
-          <a:fontRef idx="minor">
-            <a:schemeClr val="lt1"/>
-          </a:fontRef>
-        </p:style>
-        <p:txBody>
-          <a:bodyPr rtlCol="0" anchor="ctr"/>
-          <a:lstStyle/>
-          <a:p>
-            <a:pPr algn="ctr"/>
-            <a:r>
-              <a:rPr lang="en-US" dirty="0" smtClean="0"/>
-              <a:t>Strength</a:t>
-            </a:r>
-            <a:endParaRPr lang="en-US" dirty="0"/>
+              <a:rPr lang="en-US" sz="1400" dirty="0" smtClean="0"/>
+              <a:t>Log Activity</a:t>
+            </a:r>
+            <a:endParaRPr lang="en-US" sz="1400" dirty="0"/>
           </a:p>
         </p:txBody>
       </p:sp>
     </p:spTree>
     <p:extLst>
       <p:ext uri="{BB962C8B-B14F-4D97-AF65-F5344CB8AC3E}">
-        <p14:creationId xmlns:p14="http://schemas.microsoft.com/office/powerpoint/2010/main" val="3045908288"/>
+        <p14:creationId xmlns:p14="http://schemas.microsoft.com/office/powerpoint/2010/main" val="1298857576"/>
       </p:ext>
     </p:extLst>
   </p:cSld>
@@ -8293,8 +8322,8 @@
         </p:nvSpPr>
         <p:spPr>
           <a:xfrm>
-            <a:off x="304800" y="1295400"/>
-            <a:ext cx="2362200" cy="457200"/>
+            <a:off x="1700646" y="3048000"/>
+            <a:ext cx="1295400" cy="1143000"/>
           </a:xfrm>
           <a:prstGeom prst="rect">
             <a:avLst/>
@@ -8336,14 +8365,14 @@
       </p:sp>
       <p:sp>
         <p:nvSpPr>
-          <p:cNvPr id="14" name="Rectangle 13"/>
+          <p:cNvPr id="30" name="Rectangle 29"/>
           <p:cNvSpPr/>
           <p:nvPr/>
         </p:nvSpPr>
         <p:spPr>
           <a:xfrm>
-            <a:off x="6459680" y="6096000"/>
-            <a:ext cx="2362200" cy="457200"/>
+            <a:off x="3089564" y="3048000"/>
+            <a:ext cx="1295400" cy="1143000"/>
           </a:xfrm>
           <a:prstGeom prst="rect">
             <a:avLst/>
@@ -8377,7 +8406,105 @@
             <a:pPr algn="ctr"/>
             <a:r>
               <a:rPr lang="en-US" dirty="0" smtClean="0"/>
-              <a:t>Submit</a:t>
+              <a:t>Bike</a:t>
+            </a:r>
+            <a:endParaRPr lang="en-US" dirty="0"/>
+          </a:p>
+        </p:txBody>
+      </p:sp>
+      <p:sp>
+        <p:nvSpPr>
+          <p:cNvPr id="31" name="Rectangle 30"/>
+          <p:cNvSpPr/>
+          <p:nvPr/>
+        </p:nvSpPr>
+        <p:spPr>
+          <a:xfrm>
+            <a:off x="4478482" y="3043767"/>
+            <a:ext cx="1295400" cy="1143000"/>
+          </a:xfrm>
+          <a:prstGeom prst="rect">
+            <a:avLst/>
+          </a:prstGeom>
+          <a:solidFill>
+            <a:schemeClr val="bg1">
+              <a:lumMod val="50000"/>
+            </a:schemeClr>
+          </a:solidFill>
+        </p:spPr>
+        <p:style>
+          <a:lnRef idx="2">
+            <a:schemeClr val="accent1">
+              <a:shade val="50000"/>
+            </a:schemeClr>
+          </a:lnRef>
+          <a:fillRef idx="1">
+            <a:schemeClr val="accent1"/>
+          </a:fillRef>
+          <a:effectRef idx="0">
+            <a:schemeClr val="accent1"/>
+          </a:effectRef>
+          <a:fontRef idx="minor">
+            <a:schemeClr val="lt1"/>
+          </a:fontRef>
+        </p:style>
+        <p:txBody>
+          <a:bodyPr rtlCol="0" anchor="ctr"/>
+          <a:lstStyle/>
+          <a:p>
+            <a:pPr algn="ctr"/>
+            <a:r>
+              <a:rPr lang="en-US" dirty="0" smtClean="0"/>
+              <a:t>Swim</a:t>
+            </a:r>
+            <a:endParaRPr lang="en-US" dirty="0"/>
+          </a:p>
+        </p:txBody>
+      </p:sp>
+      <p:sp>
+        <p:nvSpPr>
+          <p:cNvPr id="32" name="Rectangle 31"/>
+          <p:cNvSpPr/>
+          <p:nvPr/>
+        </p:nvSpPr>
+        <p:spPr>
+          <a:xfrm>
+            <a:off x="5867400" y="3043767"/>
+            <a:ext cx="1295400" cy="1143000"/>
+          </a:xfrm>
+          <a:prstGeom prst="rect">
+            <a:avLst/>
+          </a:prstGeom>
+          <a:solidFill>
+            <a:schemeClr val="bg1">
+              <a:lumMod val="50000"/>
+            </a:schemeClr>
+          </a:solidFill>
+        </p:spPr>
+        <p:style>
+          <a:lnRef idx="2">
+            <a:schemeClr val="accent1">
+              <a:shade val="50000"/>
+            </a:schemeClr>
+          </a:lnRef>
+          <a:fillRef idx="1">
+            <a:schemeClr val="accent1"/>
+          </a:fillRef>
+          <a:effectRef idx="0">
+            <a:schemeClr val="accent1"/>
+          </a:effectRef>
+          <a:fontRef idx="minor">
+            <a:schemeClr val="lt1"/>
+          </a:fontRef>
+        </p:style>
+        <p:txBody>
+          <a:bodyPr rtlCol="0" anchor="ctr"/>
+          <a:lstStyle/>
+          <a:p>
+            <a:pPr algn="ctr"/>
+            <a:r>
+              <a:rPr lang="en-US" dirty="0" smtClean="0"/>
+              <a:t>Strength</a:t>
             </a:r>
             <a:endParaRPr lang="en-US" dirty="0"/>
           </a:p>
@@ -8386,7 +8513,7 @@
     </p:spTree>
     <p:extLst>
       <p:ext uri="{BB962C8B-B14F-4D97-AF65-F5344CB8AC3E}">
-        <p14:creationId xmlns:p14="http://schemas.microsoft.com/office/powerpoint/2010/main" val="1599205068"/>
+        <p14:creationId xmlns:p14="http://schemas.microsoft.com/office/powerpoint/2010/main" val="3045908288"/>
       </p:ext>
     </p:extLst>
   </p:cSld>
@@ -8537,7 +8664,7 @@
           <a:p>
             <a:pPr algn="ctr"/>
             <a:r>
-              <a:rPr lang="en-US" sz="1400" dirty="0" smtClean="0"/>
+              <a:rPr lang="en-US" sz="1400" dirty="0"/>
               <a:t>Home</a:t>
             </a:r>
             <a:endParaRPr lang="en-US" sz="1400" dirty="0"/>
@@ -8558,6 +8685,9 @@
           <a:prstGeom prst="rect">
             <a:avLst/>
           </a:prstGeom>
+          <a:solidFill>
+            <a:srgbClr val="FFC000"/>
+          </a:solidFill>
         </p:spPr>
         <p:style>
           <a:lnRef idx="2">
@@ -8581,7 +8711,7 @@
           <a:p>
             <a:pPr algn="ctr"/>
             <a:r>
-              <a:rPr lang="en-US" sz="1400" dirty="0" smtClean="0"/>
+              <a:rPr lang="en-US" sz="1400" dirty="0"/>
               <a:t>Log Activity</a:t>
             </a:r>
             <a:endParaRPr lang="en-US" sz="1400" dirty="0"/>
@@ -8602,9 +8732,6 @@
           <a:prstGeom prst="rect">
             <a:avLst/>
           </a:prstGeom>
-          <a:solidFill>
-            <a:srgbClr val="FFC000"/>
-          </a:solidFill>
         </p:spPr>
         <p:style>
           <a:lnRef idx="2">
@@ -8767,10 +8894,108 @@
           </a:p>
         </p:txBody>
       </p:sp>
+      <p:sp>
+        <p:nvSpPr>
+          <p:cNvPr id="2" name="Rectangle 1"/>
+          <p:cNvSpPr/>
+          <p:nvPr/>
+        </p:nvSpPr>
+        <p:spPr>
+          <a:xfrm>
+            <a:off x="304800" y="1295400"/>
+            <a:ext cx="2362200" cy="457200"/>
+          </a:xfrm>
+          <a:prstGeom prst="rect">
+            <a:avLst/>
+          </a:prstGeom>
+          <a:solidFill>
+            <a:schemeClr val="bg1">
+              <a:lumMod val="50000"/>
+            </a:schemeClr>
+          </a:solidFill>
+        </p:spPr>
+        <p:style>
+          <a:lnRef idx="2">
+            <a:schemeClr val="accent1">
+              <a:shade val="50000"/>
+            </a:schemeClr>
+          </a:lnRef>
+          <a:fillRef idx="1">
+            <a:schemeClr val="accent1"/>
+          </a:fillRef>
+          <a:effectRef idx="0">
+            <a:schemeClr val="accent1"/>
+          </a:effectRef>
+          <a:fontRef idx="minor">
+            <a:schemeClr val="lt1"/>
+          </a:fontRef>
+        </p:style>
+        <p:txBody>
+          <a:bodyPr rtlCol="0" anchor="ctr"/>
+          <a:lstStyle/>
+          <a:p>
+            <a:pPr algn="ctr"/>
+            <a:r>
+              <a:rPr lang="en-US" dirty="0" smtClean="0"/>
+              <a:t>Run</a:t>
+            </a:r>
+            <a:endParaRPr lang="en-US" dirty="0"/>
+          </a:p>
+        </p:txBody>
+      </p:sp>
+      <p:sp>
+        <p:nvSpPr>
+          <p:cNvPr id="14" name="Rectangle 13"/>
+          <p:cNvSpPr/>
+          <p:nvPr/>
+        </p:nvSpPr>
+        <p:spPr>
+          <a:xfrm>
+            <a:off x="6459680" y="6096000"/>
+            <a:ext cx="2362200" cy="457200"/>
+          </a:xfrm>
+          <a:prstGeom prst="rect">
+            <a:avLst/>
+          </a:prstGeom>
+          <a:solidFill>
+            <a:schemeClr val="bg1">
+              <a:lumMod val="50000"/>
+            </a:schemeClr>
+          </a:solidFill>
+        </p:spPr>
+        <p:style>
+          <a:lnRef idx="2">
+            <a:schemeClr val="accent1">
+              <a:shade val="50000"/>
+            </a:schemeClr>
+          </a:lnRef>
+          <a:fillRef idx="1">
+            <a:schemeClr val="accent1"/>
+          </a:fillRef>
+          <a:effectRef idx="0">
+            <a:schemeClr val="accent1"/>
+          </a:effectRef>
+          <a:fontRef idx="minor">
+            <a:schemeClr val="lt1"/>
+          </a:fontRef>
+        </p:style>
+        <p:txBody>
+          <a:bodyPr rtlCol="0" anchor="ctr"/>
+          <a:lstStyle/>
+          <a:p>
+            <a:pPr algn="ctr"/>
+            <a:r>
+              <a:rPr lang="en-US" dirty="0" smtClean="0"/>
+              <a:t>Submit</a:t>
+            </a:r>
+            <a:endParaRPr lang="en-US" dirty="0"/>
+          </a:p>
+        </p:txBody>
+      </p:sp>
     </p:spTree>
     <p:extLst>
       <p:ext uri="{BB962C8B-B14F-4D97-AF65-F5344CB8AC3E}">
-        <p14:creationId xmlns:p14="http://schemas.microsoft.com/office/powerpoint/2010/main" val="764055123"/>
+        <p14:creationId xmlns:p14="http://schemas.microsoft.com/office/powerpoint/2010/main" val="1599205068"/>
       </p:ext>
     </p:extLst>
   </p:cSld>
@@ -8986,6 +9211,9 @@
           <a:prstGeom prst="rect">
             <a:avLst/>
           </a:prstGeom>
+          <a:solidFill>
+            <a:srgbClr val="FFC000"/>
+          </a:solidFill>
         </p:spPr>
         <p:style>
           <a:lnRef idx="2">
@@ -9009,7 +9237,7 @@
           <a:p>
             <a:pPr algn="ctr"/>
             <a:r>
-              <a:rPr lang="en-US" sz="1400" dirty="0"/>
+              <a:rPr lang="en-US" sz="1400" dirty="0" smtClean="0"/>
               <a:t>Generator</a:t>
             </a:r>
             <a:endParaRPr lang="en-US" sz="1400" dirty="0"/>
@@ -9030,9 +9258,6 @@
           <a:prstGeom prst="rect">
             <a:avLst/>
           </a:prstGeom>
-          <a:solidFill>
-            <a:srgbClr val="FFC000"/>
-          </a:solidFill>
         </p:spPr>
         <p:style>
           <a:lnRef idx="2">
@@ -9056,7 +9281,7 @@
           <a:p>
             <a:pPr algn="ctr"/>
             <a:r>
-              <a:rPr lang="en-US" sz="1400" dirty="0"/>
+              <a:rPr lang="en-US" sz="1400" dirty="0" smtClean="0"/>
               <a:t>Metrics</a:t>
             </a:r>
             <a:endParaRPr lang="en-US" sz="1400" dirty="0"/>
@@ -9065,7 +9290,7 @@
       </p:sp>
       <p:sp>
         <p:nvSpPr>
-          <p:cNvPr id="14" name="Rectangle 13"/>
+          <p:cNvPr id="25" name="Rectangle 24"/>
           <p:cNvSpPr/>
           <p:nvPr/>
         </p:nvSpPr>
@@ -9109,7 +9334,7 @@
       </p:sp>
       <p:sp>
         <p:nvSpPr>
-          <p:cNvPr id="16" name="Rectangle 15"/>
+          <p:cNvPr id="29" name="Rectangle 28"/>
           <p:cNvSpPr/>
           <p:nvPr/>
         </p:nvSpPr>
@@ -9154,7 +9379,7 @@
     </p:spTree>
     <p:extLst>
       <p:ext uri="{BB962C8B-B14F-4D97-AF65-F5344CB8AC3E}">
-        <p14:creationId xmlns:p14="http://schemas.microsoft.com/office/powerpoint/2010/main" val="276314143"/>
+        <p14:creationId xmlns:p14="http://schemas.microsoft.com/office/powerpoint/2010/main" val="764055123"/>
       </p:ext>
     </p:extLst>
   </p:cSld>

--- a/Outline.pptx
+++ b/Outline.pptx
@@ -533,21 +533,40 @@
           <a:p>
             <a:r>
               <a:rPr lang="en-US" dirty="0" smtClean="0"/>
-              <a:t>Choose type of activity:</a:t>
+              <a:t>Filter:</a:t>
             </a:r>
             <a:r>
               <a:rPr lang="en-US" baseline="0" dirty="0" smtClean="0"/>
-              <a:t> run, bike, swim, strength, other</a:t>
+              <a:t> runs, bikes, swims, strength, generator</a:t>
             </a:r>
           </a:p>
           <a:p>
             <a:r>
               <a:rPr lang="en-US" baseline="0" dirty="0" smtClean="0"/>
-              <a:t>Click redirects to appropriate page</a:t>
-            </a:r>
-          </a:p>
-          <a:p>
-            <a:endParaRPr lang="en-US" baseline="0" dirty="0" smtClean="0"/>
+              <a:t>Sort: </a:t>
+            </a:r>
+            <a:r>
+              <a:rPr lang="en-US" baseline="0" dirty="0" err="1" smtClean="0"/>
+              <a:t>asc</a:t>
+            </a:r>
+            <a:r>
+              <a:rPr lang="en-US" baseline="0" dirty="0" smtClean="0"/>
+              <a:t>/</a:t>
+            </a:r>
+            <a:r>
+              <a:rPr lang="en-US" baseline="0" dirty="0" err="1" smtClean="0"/>
+              <a:t>desc</a:t>
+            </a:r>
+            <a:r>
+              <a:rPr lang="en-US" baseline="0" dirty="0" smtClean="0"/>
+              <a:t> date, type, distance</a:t>
+            </a:r>
+          </a:p>
+          <a:p>
+            <a:r>
+              <a:rPr lang="en-US" baseline="0" dirty="0" smtClean="0"/>
+              <a:t>Edit/delete</a:t>
+            </a:r>
           </a:p>
         </p:txBody>
       </p:sp>
@@ -568,7 +587,7 @@
           <a:p>
             <a:fld id="{BD204984-C8E0-4A36-ACA8-0903ABDD621F}" type="slidenum">
               <a:rPr lang="en-US" smtClean="0"/>
-              <a:t>7</a:t>
+              <a:t>6</a:t>
             </a:fld>
             <a:endParaRPr lang="en-US"/>
           </a:p>
@@ -577,7 +596,7 @@
     </p:spTree>
     <p:extLst>
       <p:ext uri="{BB962C8B-B14F-4D97-AF65-F5344CB8AC3E}">
-        <p14:creationId xmlns:p14="http://schemas.microsoft.com/office/powerpoint/2010/main" val="2308089808"/>
+        <p14:creationId xmlns:p14="http://schemas.microsoft.com/office/powerpoint/2010/main" val="3412520794"/>
       </p:ext>
     </p:extLst>
   </p:cSld>
@@ -632,26 +651,18 @@
           <a:lstStyle/>
           <a:p>
             <a:r>
+              <a:rPr lang="en-US" dirty="0" smtClean="0"/>
+              <a:t>Choose type of activity:</a:t>
+            </a:r>
+            <a:r>
               <a:rPr lang="en-US" baseline="0" dirty="0" smtClean="0"/>
-              <a:t>Run: Date, Distance, Total Time, Location, Primary Surface, Weather, Climb, Elevation, Max./Avg. Heart Rate, Avg. Grade, Shoes Worn, Notes, Link to Map</a:t>
+              <a:t> run, bike, swim, strength, other</a:t>
             </a:r>
           </a:p>
           <a:p>
             <a:r>
               <a:rPr lang="en-US" baseline="0" dirty="0" smtClean="0"/>
-              <a:t>Bike: Date, Distance, Total Time, Location, Primary Surface, Weather, Climb, Descent, Elevation, Max./Avg. Heart Rate, Avg. Grade, Bike Used, Notes, Link to Map</a:t>
-            </a:r>
-          </a:p>
-          <a:p>
-            <a:r>
-              <a:rPr lang="en-US" baseline="0" dirty="0" smtClean="0"/>
-              <a:t>Swim: Date, Distance, Total Time, Location, Type of Water, Laps, Max./Avg. Heart Rate, Strokes, Notes</a:t>
-            </a:r>
-          </a:p>
-          <a:p>
-            <a:r>
-              <a:rPr lang="en-US" baseline="0" dirty="0" smtClean="0"/>
-              <a:t>Strength: Date, Type of Workout, Exercise Name, Reps, Sets, Weight, Rest, Super Set, Interval, Notes, Max./Avg. Heart Rate overall, generator workout?, total duration</a:t>
+              <a:t>Click redirects to appropriate page</a:t>
             </a:r>
           </a:p>
           <a:p>
@@ -676,7 +687,7 @@
           <a:p>
             <a:fld id="{BD204984-C8E0-4A36-ACA8-0903ABDD621F}" type="slidenum">
               <a:rPr lang="en-US" smtClean="0"/>
-              <a:t>8</a:t>
+              <a:t>7</a:t>
             </a:fld>
             <a:endParaRPr lang="en-US"/>
           </a:p>
@@ -685,7 +696,7 @@
     </p:spTree>
     <p:extLst>
       <p:ext uri="{BB962C8B-B14F-4D97-AF65-F5344CB8AC3E}">
-        <p14:creationId xmlns:p14="http://schemas.microsoft.com/office/powerpoint/2010/main" val="1756014844"/>
+        <p14:creationId xmlns:p14="http://schemas.microsoft.com/office/powerpoint/2010/main" val="2308089808"/>
       </p:ext>
     </p:extLst>
   </p:cSld>
@@ -740,8 +751,35 @@
           <a:lstStyle/>
           <a:p>
             <a:r>
-              <a:rPr lang="en-US" sz="1200" dirty="0" smtClean="0"/>
-              <a:t>Generator: generates randomized workouts given user input parameters</a:t>
+              <a:rPr lang="en-US" baseline="0" dirty="0" smtClean="0"/>
+              <a:t>Run: Date, Distance, Total Time, Location, Primary Surface, Weather, Climb, Elevation, Max./Avg. Heart Rate, Avg. Grade, Shoes Worn, Notes, Link to Map</a:t>
+            </a:r>
+          </a:p>
+          <a:p>
+            <a:r>
+              <a:rPr lang="en-US" baseline="0" dirty="0" smtClean="0"/>
+              <a:t>Bike: Date, Distance, Total Time, Location, Primary Surface, Weather, Climb, Descent, Elevation, Max./Avg. Heart Rate, Avg. Grade, Bike Used, Notes, Link to Map</a:t>
+            </a:r>
+          </a:p>
+          <a:p>
+            <a:r>
+              <a:rPr lang="en-US" baseline="0" dirty="0" smtClean="0"/>
+              <a:t>Swim: Date, Distance, Total Time, Location, Type of Water, Laps, Max./Avg. Heart Rate, Strokes, Notes</a:t>
+            </a:r>
+          </a:p>
+          <a:p>
+            <a:r>
+              <a:rPr lang="en-US" baseline="0" dirty="0" smtClean="0"/>
+              <a:t>Lift: Date, Type of Workout, Exercise Name, Reps, Sets, Weight, Rest, Super Set, Interval, Notes, Max./Avg. Heart Rate overall, generator workout?, total duration</a:t>
+            </a:r>
+          </a:p>
+          <a:p>
+            <a:endParaRPr lang="en-US" baseline="0" dirty="0" smtClean="0"/>
+          </a:p>
+          <a:p>
+            <a:r>
+              <a:rPr lang="en-US" baseline="0" dirty="0" smtClean="0"/>
+              <a:t>Specialty: hill repeats, repeats, tempo, race, none</a:t>
             </a:r>
           </a:p>
           <a:p>
@@ -750,153 +788,12 @@
               <a:buChar char="•"/>
             </a:pPr>
             <a:r>
-              <a:rPr lang="en-US" sz="1200" dirty="0" smtClean="0"/>
-              <a:t>User can select the exercise equipment they own: kettle bell, dumbbells, weight vest, pull-up bar, </a:t>
-            </a:r>
-            <a:r>
-              <a:rPr lang="en-US" sz="1200" dirty="0" err="1" smtClean="0"/>
-              <a:t>paralettes</a:t>
-            </a:r>
-            <a:r>
-              <a:rPr lang="en-US" sz="1200" dirty="0" smtClean="0"/>
-              <a:t>, dip rack, ab roller</a:t>
-            </a:r>
-          </a:p>
-          <a:p>
-            <a:pPr marL="171450" indent="-171450">
-              <a:buFont typeface="Arial" panose="020B0604020202020204" pitchFamily="34" charset="0"/>
-              <a:buChar char="•"/>
-            </a:pPr>
-            <a:r>
-              <a:rPr lang="en-US" sz="1200" dirty="0" smtClean="0"/>
-              <a:t>Parameters: desired difficulty, muscle groups to focus on, muscle groups to avoid</a:t>
-            </a:r>
-          </a:p>
-          <a:p>
-            <a:pPr marL="171450" indent="-171450">
-              <a:buFont typeface="Arial" panose="020B0604020202020204" pitchFamily="34" charset="0"/>
-              <a:buChar char="•"/>
-            </a:pPr>
-            <a:r>
-              <a:rPr lang="en-US" sz="1200" dirty="0" smtClean="0"/>
-              <a:t>User can add their own exercises or exclude certain exercises</a:t>
-            </a:r>
-          </a:p>
-          <a:p>
-            <a:pPr marL="171450" indent="-171450">
-              <a:buFont typeface="Arial" panose="020B0604020202020204" pitchFamily="34" charset="0"/>
-              <a:buChar char="•"/>
-            </a:pPr>
-            <a:endParaRPr lang="en-US" sz="1200" dirty="0" smtClean="0"/>
-          </a:p>
-          <a:p>
-            <a:pPr marL="0" indent="0">
-              <a:buFont typeface="Arial" panose="020B0604020202020204" pitchFamily="34" charset="0"/>
-              <a:buNone/>
-            </a:pPr>
-            <a:r>
-              <a:rPr lang="en-US" sz="1200" dirty="0" smtClean="0"/>
-              <a:t>Select</a:t>
-            </a:r>
-            <a:r>
-              <a:rPr lang="en-US" sz="1200" baseline="0" dirty="0" smtClean="0"/>
-              <a:t> Equipment: default = none</a:t>
-            </a:r>
-          </a:p>
-          <a:p>
-            <a:pPr marL="0" indent="0">
-              <a:buFont typeface="Arial" panose="020B0604020202020204" pitchFamily="34" charset="0"/>
-              <a:buNone/>
-            </a:pPr>
-            <a:r>
-              <a:rPr lang="en-US" sz="1200" baseline="0" dirty="0" smtClean="0"/>
-              <a:t>Select Difficulty (Baby, Easy, Average, Superior, Superman, Rogan, </a:t>
-            </a:r>
-            <a:r>
-              <a:rPr lang="en-US" sz="1200" baseline="0" dirty="0" err="1" smtClean="0"/>
-              <a:t>Goggins</a:t>
-            </a:r>
-            <a:r>
-              <a:rPr lang="en-US" sz="1200" baseline="0" dirty="0" smtClean="0"/>
-              <a:t>)</a:t>
-            </a:r>
-          </a:p>
-          <a:p>
-            <a:pPr marL="0" indent="0">
-              <a:buFont typeface="Arial" panose="020B0604020202020204" pitchFamily="34" charset="0"/>
-              <a:buNone/>
-            </a:pPr>
-            <a:r>
-              <a:rPr lang="en-US" sz="1200" baseline="0" dirty="0" smtClean="0"/>
-              <a:t>Calculate difficulty based on number of sets and reps</a:t>
-            </a:r>
-          </a:p>
-          <a:p>
-            <a:pPr marL="0" indent="0">
-              <a:buFont typeface="Arial" panose="020B0604020202020204" pitchFamily="34" charset="0"/>
-              <a:buNone/>
-            </a:pPr>
-            <a:r>
-              <a:rPr lang="en-US" sz="1200" baseline="0" dirty="0" smtClean="0"/>
-              <a:t>Add/remove muscle groups: arms, legs, abs, chest, back, default</a:t>
-            </a:r>
-          </a:p>
-          <a:p>
-            <a:pPr marL="0" marR="0" lvl="0" indent="0" algn="l" defTabSz="914400" rtl="0" eaLnBrk="1" fontAlgn="auto" latinLnBrk="0" hangingPunct="1">
-              <a:lnSpc>
-                <a:spcPct val="100000"/>
-              </a:lnSpc>
-              <a:spcBef>
-                <a:spcPts val="0"/>
-              </a:spcBef>
-              <a:spcAft>
-                <a:spcPts val="0"/>
-              </a:spcAft>
-              <a:buClrTx/>
-              <a:buSzTx/>
-              <a:buFont typeface="Arial" panose="020B0604020202020204" pitchFamily="34" charset="0"/>
-              <a:buNone/>
-              <a:tabLst/>
-              <a:defRPr/>
-            </a:pPr>
-            <a:r>
-              <a:rPr lang="en-US" sz="1200" baseline="0" dirty="0" smtClean="0"/>
-              <a:t>Have a timer on page, option for laps upon set completion?</a:t>
-            </a:r>
-          </a:p>
-          <a:p>
-            <a:pPr marL="0" indent="0">
-              <a:buFont typeface="Arial" panose="020B0604020202020204" pitchFamily="34" charset="0"/>
-              <a:buNone/>
-            </a:pPr>
-            <a:r>
-              <a:rPr lang="en-US" sz="1200" baseline="0" dirty="0" smtClean="0"/>
-              <a:t>Generate button -&gt; Complete button</a:t>
-            </a:r>
-          </a:p>
-          <a:p>
-            <a:pPr marL="0" indent="0">
-              <a:buFont typeface="Arial" panose="020B0604020202020204" pitchFamily="34" charset="0"/>
-              <a:buNone/>
-            </a:pPr>
-            <a:r>
-              <a:rPr lang="en-US" sz="1200" baseline="0" dirty="0" smtClean="0"/>
-              <a:t>Complete button -&gt; submit workout to database</a:t>
-            </a:r>
-          </a:p>
-          <a:p>
-            <a:pPr marL="0" indent="0">
-              <a:buFont typeface="Arial" panose="020B0604020202020204" pitchFamily="34" charset="0"/>
-              <a:buNone/>
-            </a:pPr>
-            <a:endParaRPr lang="en-US" sz="1200" baseline="0" dirty="0" smtClean="0"/>
-          </a:p>
-          <a:p>
-            <a:pPr marL="0" indent="0">
-              <a:buFont typeface="Arial" panose="020B0604020202020204" pitchFamily="34" charset="0"/>
-              <a:buNone/>
-            </a:pPr>
-            <a:endParaRPr lang="en-US" sz="1200" baseline="0" dirty="0" smtClean="0"/>
+              <a:rPr lang="en-US" baseline="0" dirty="0" smtClean="0"/>
+              <a:t>Repeats: select number of repeats -&gt; generate form for input (distance, time, rest)</a:t>
+            </a:r>
+          </a:p>
+          <a:p>
+            <a:endParaRPr lang="en-US" baseline="0" dirty="0" smtClean="0"/>
           </a:p>
         </p:txBody>
       </p:sp>
@@ -917,7 +814,7 @@
           <a:p>
             <a:fld id="{BD204984-C8E0-4A36-ACA8-0903ABDD621F}" type="slidenum">
               <a:rPr lang="en-US" smtClean="0"/>
-              <a:t>9</a:t>
+              <a:t>8</a:t>
             </a:fld>
             <a:endParaRPr lang="en-US"/>
           </a:p>
@@ -926,7 +823,7 @@
     </p:spTree>
     <p:extLst>
       <p:ext uri="{BB962C8B-B14F-4D97-AF65-F5344CB8AC3E}">
-        <p14:creationId xmlns:p14="http://schemas.microsoft.com/office/powerpoint/2010/main" val="2365851148"/>
+        <p14:creationId xmlns:p14="http://schemas.microsoft.com/office/powerpoint/2010/main" val="1756014844"/>
       </p:ext>
     </p:extLst>
   </p:cSld>
@@ -981,24 +878,173 @@
           <a:lstStyle/>
           <a:p>
             <a:r>
-              <a:rPr lang="en-US" dirty="0" smtClean="0"/>
-              <a:t>Scalable</a:t>
-            </a:r>
-            <a:r>
-              <a:rPr lang="en-US" baseline="0" dirty="0" smtClean="0"/>
-              <a:t> graph showing miles run</a:t>
-            </a:r>
-          </a:p>
-          <a:p>
-            <a:r>
-              <a:rPr lang="en-US" dirty="0" smtClean="0"/>
-              <a:t>View: streaks, all workouts, your workouts, runs, bikes, swims,</a:t>
-            </a:r>
-            <a:r>
-              <a:rPr lang="en-US" baseline="0" dirty="0" smtClean="0"/>
-              <a:t> strength, push-ups, pull-ups</a:t>
-            </a:r>
-            <a:endParaRPr lang="en-US" dirty="0"/>
+              <a:rPr lang="en-US" sz="1200" dirty="0" smtClean="0"/>
+              <a:t>Generator: generates randomized workouts given user input parameters</a:t>
+            </a:r>
+          </a:p>
+          <a:p>
+            <a:pPr marL="171450" indent="-171450">
+              <a:buFont typeface="Arial" panose="020B0604020202020204" pitchFamily="34" charset="0"/>
+              <a:buChar char="•"/>
+            </a:pPr>
+            <a:r>
+              <a:rPr lang="en-US" sz="1200" dirty="0" smtClean="0"/>
+              <a:t>User can select the exercise equipment they own: kettle bell, dumbbells, weight vest, pull-up bar, </a:t>
+            </a:r>
+            <a:r>
+              <a:rPr lang="en-US" sz="1200" dirty="0" err="1" smtClean="0"/>
+              <a:t>paralettes</a:t>
+            </a:r>
+            <a:r>
+              <a:rPr lang="en-US" sz="1200" dirty="0" smtClean="0"/>
+              <a:t>, dip rack, ab roller</a:t>
+            </a:r>
+          </a:p>
+          <a:p>
+            <a:pPr marL="171450" indent="-171450">
+              <a:buFont typeface="Arial" panose="020B0604020202020204" pitchFamily="34" charset="0"/>
+              <a:buChar char="•"/>
+            </a:pPr>
+            <a:r>
+              <a:rPr lang="en-US" sz="1200" dirty="0" smtClean="0"/>
+              <a:t>Parameters: desired difficulty, muscle groups to focus on, muscle groups to avoid</a:t>
+            </a:r>
+          </a:p>
+          <a:p>
+            <a:pPr marL="171450" indent="-171450">
+              <a:buFont typeface="Arial" panose="020B0604020202020204" pitchFamily="34" charset="0"/>
+              <a:buChar char="•"/>
+            </a:pPr>
+            <a:r>
+              <a:rPr lang="en-US" sz="1200" dirty="0" smtClean="0"/>
+              <a:t>User can add their own exercises or exclude certain exercises</a:t>
+            </a:r>
+          </a:p>
+          <a:p>
+            <a:pPr marL="171450" indent="-171450">
+              <a:buFont typeface="Arial" panose="020B0604020202020204" pitchFamily="34" charset="0"/>
+              <a:buChar char="•"/>
+            </a:pPr>
+            <a:endParaRPr lang="en-US" sz="1200" dirty="0" smtClean="0"/>
+          </a:p>
+          <a:p>
+            <a:pPr marL="0" indent="0">
+              <a:buFont typeface="Arial" panose="020B0604020202020204" pitchFamily="34" charset="0"/>
+              <a:buNone/>
+            </a:pPr>
+            <a:r>
+              <a:rPr lang="en-US" sz="1200" dirty="0" smtClean="0"/>
+              <a:t>Select</a:t>
+            </a:r>
+            <a:r>
+              <a:rPr lang="en-US" sz="1200" baseline="0" dirty="0" smtClean="0"/>
+              <a:t> Equipment: default = none</a:t>
+            </a:r>
+          </a:p>
+          <a:p>
+            <a:pPr marL="0" indent="0">
+              <a:buFont typeface="Arial" panose="020B0604020202020204" pitchFamily="34" charset="0"/>
+              <a:buNone/>
+            </a:pPr>
+            <a:r>
+              <a:rPr lang="en-US" sz="1200" baseline="0" dirty="0" smtClean="0"/>
+              <a:t>Select Difficulty (Baby, Easy, Average, Superior, Superman, Rogan, </a:t>
+            </a:r>
+            <a:r>
+              <a:rPr lang="en-US" sz="1200" baseline="0" dirty="0" err="1" smtClean="0"/>
+              <a:t>Goggins</a:t>
+            </a:r>
+            <a:r>
+              <a:rPr lang="en-US" sz="1200" baseline="0" dirty="0" smtClean="0"/>
+              <a:t>)</a:t>
+            </a:r>
+          </a:p>
+          <a:p>
+            <a:pPr marL="0" indent="0">
+              <a:buFont typeface="Arial" panose="020B0604020202020204" pitchFamily="34" charset="0"/>
+              <a:buNone/>
+            </a:pPr>
+            <a:r>
+              <a:rPr lang="en-US" sz="1200" baseline="0" dirty="0" smtClean="0"/>
+              <a:t>Calculate difficulty based on number of sets and reps</a:t>
+            </a:r>
+          </a:p>
+          <a:p>
+            <a:pPr marL="0" indent="0">
+              <a:buFont typeface="Arial" panose="020B0604020202020204" pitchFamily="34" charset="0"/>
+              <a:buNone/>
+            </a:pPr>
+            <a:r>
+              <a:rPr lang="en-US" sz="1200" baseline="0" dirty="0" smtClean="0"/>
+              <a:t>Add/remove muscle groups: arms, legs, abs, chest, back, default</a:t>
+            </a:r>
+          </a:p>
+          <a:p>
+            <a:pPr marL="0" indent="0">
+              <a:buFont typeface="Arial" panose="020B0604020202020204" pitchFamily="34" charset="0"/>
+              <a:buNone/>
+            </a:pPr>
+            <a:r>
+              <a:rPr lang="en-US" sz="1200" baseline="0" dirty="0" smtClean="0"/>
+              <a:t>Exercise List: view and edit to add exercises, delete exercises, or adjust reps</a:t>
+            </a:r>
+          </a:p>
+          <a:p>
+            <a:pPr marL="0" marR="0" lvl="0" indent="0" algn="l" defTabSz="914400" rtl="0" eaLnBrk="1" fontAlgn="auto" latinLnBrk="0" hangingPunct="1">
+              <a:lnSpc>
+                <a:spcPct val="100000"/>
+              </a:lnSpc>
+              <a:spcBef>
+                <a:spcPts val="0"/>
+              </a:spcBef>
+              <a:spcAft>
+                <a:spcPts val="0"/>
+              </a:spcAft>
+              <a:buClrTx/>
+              <a:buSzTx/>
+              <a:buFont typeface="Arial" panose="020B0604020202020204" pitchFamily="34" charset="0"/>
+              <a:buNone/>
+              <a:tabLst/>
+              <a:defRPr/>
+            </a:pPr>
+            <a:r>
+              <a:rPr lang="en-US" sz="1200" baseline="0" dirty="0" smtClean="0"/>
+              <a:t>Have a timer on page, option for laps upon set completion?</a:t>
+            </a:r>
+          </a:p>
+          <a:p>
+            <a:pPr marL="0" indent="0">
+              <a:buFont typeface="Arial" panose="020B0604020202020204" pitchFamily="34" charset="0"/>
+              <a:buNone/>
+            </a:pPr>
+            <a:r>
+              <a:rPr lang="en-US" sz="1200" baseline="0" dirty="0" smtClean="0"/>
+              <a:t>Generate button -&gt; Complete button</a:t>
+            </a:r>
+          </a:p>
+          <a:p>
+            <a:pPr marL="0" indent="0">
+              <a:buFont typeface="Arial" panose="020B0604020202020204" pitchFamily="34" charset="0"/>
+              <a:buNone/>
+            </a:pPr>
+            <a:r>
+              <a:rPr lang="en-US" sz="1200" baseline="0" dirty="0" smtClean="0"/>
+              <a:t>Complete button -&gt; submit workout to database</a:t>
+            </a:r>
+          </a:p>
+          <a:p>
+            <a:pPr marL="0" indent="0">
+              <a:buFont typeface="Arial" panose="020B0604020202020204" pitchFamily="34" charset="0"/>
+              <a:buNone/>
+            </a:pPr>
+            <a:endParaRPr lang="en-US" sz="1200" baseline="0" dirty="0" smtClean="0"/>
+          </a:p>
+          <a:p>
+            <a:pPr marL="0" indent="0">
+              <a:buFont typeface="Arial" panose="020B0604020202020204" pitchFamily="34" charset="0"/>
+              <a:buNone/>
+            </a:pPr>
+            <a:endParaRPr lang="en-US" sz="1200" baseline="0" dirty="0" smtClean="0"/>
           </a:p>
         </p:txBody>
       </p:sp>
@@ -1019,7 +1065,7 @@
           <a:p>
             <a:fld id="{BD204984-C8E0-4A36-ACA8-0903ABDD621F}" type="slidenum">
               <a:rPr lang="en-US" smtClean="0"/>
-              <a:t>10</a:t>
+              <a:t>9</a:t>
             </a:fld>
             <a:endParaRPr lang="en-US"/>
           </a:p>
@@ -1028,7 +1074,7 @@
     </p:spTree>
     <p:extLst>
       <p:ext uri="{BB962C8B-B14F-4D97-AF65-F5344CB8AC3E}">
-        <p14:creationId xmlns:p14="http://schemas.microsoft.com/office/powerpoint/2010/main" val="293978876"/>
+        <p14:creationId xmlns:p14="http://schemas.microsoft.com/office/powerpoint/2010/main" val="2365851148"/>
       </p:ext>
     </p:extLst>
   </p:cSld>
@@ -1084,25 +1130,28 @@
           <a:p>
             <a:r>
               <a:rPr lang="en-US" dirty="0" smtClean="0"/>
-              <a:t>Search for users. </a:t>
+              <a:t>Scalable</a:t>
+            </a:r>
+            <a:r>
+              <a:rPr lang="en-US" baseline="0" dirty="0" smtClean="0"/>
+              <a:t> graph showing miles run</a:t>
             </a:r>
           </a:p>
           <a:p>
             <a:r>
               <a:rPr lang="en-US" dirty="0" smtClean="0"/>
-              <a:t>View profile from results. </a:t>
-            </a:r>
-          </a:p>
-          <a:p>
-            <a:r>
-              <a:rPr lang="en-US" dirty="0" smtClean="0"/>
-              <a:t>Follow</a:t>
+              <a:t>View: streaks, all workouts, your workouts, runs, bikes, swims,</a:t>
             </a:r>
             <a:r>
               <a:rPr lang="en-US" baseline="0" dirty="0" smtClean="0"/>
-              <a:t>/unfollow user.</a:t>
-            </a:r>
-            <a:endParaRPr lang="en-US" dirty="0"/>
+              <a:t> strength, push-ups, pull-ups</a:t>
+            </a:r>
+          </a:p>
+          <a:p>
+            <a:r>
+              <a:rPr lang="en-US" baseline="0" dirty="0" smtClean="0"/>
+              <a:t>Filter: my metrics, all metrics, specific following’s metrics</a:t>
+            </a:r>
           </a:p>
         </p:txBody>
       </p:sp>
@@ -1123,7 +1172,7 @@
           <a:p>
             <a:fld id="{BD204984-C8E0-4A36-ACA8-0903ABDD621F}" type="slidenum">
               <a:rPr lang="en-US" smtClean="0"/>
-              <a:t>11</a:t>
+              <a:t>10</a:t>
             </a:fld>
             <a:endParaRPr lang="en-US"/>
           </a:p>
@@ -1132,7 +1181,7 @@
     </p:spTree>
     <p:extLst>
       <p:ext uri="{BB962C8B-B14F-4D97-AF65-F5344CB8AC3E}">
-        <p14:creationId xmlns:p14="http://schemas.microsoft.com/office/powerpoint/2010/main" val="2881138107"/>
+        <p14:creationId xmlns:p14="http://schemas.microsoft.com/office/powerpoint/2010/main" val="293978876"/>
       </p:ext>
     </p:extLst>
   </p:cSld>
@@ -1188,6 +1237,109 @@
           <a:p>
             <a:r>
               <a:rPr lang="en-US" dirty="0" smtClean="0"/>
+              <a:t>Search for users. </a:t>
+            </a:r>
+          </a:p>
+          <a:p>
+            <a:r>
+              <a:rPr lang="en-US" dirty="0" smtClean="0"/>
+              <a:t>View profile from results. </a:t>
+            </a:r>
+          </a:p>
+          <a:p>
+            <a:r>
+              <a:rPr lang="en-US" dirty="0" smtClean="0"/>
+              <a:t>Follow</a:t>
+            </a:r>
+            <a:r>
+              <a:rPr lang="en-US" baseline="0" dirty="0" smtClean="0"/>
+              <a:t>/unfollow user.</a:t>
+            </a:r>
+          </a:p>
+        </p:txBody>
+      </p:sp>
+      <p:sp>
+        <p:nvSpPr>
+          <p:cNvPr id="4" name="Slide Number Placeholder 3"/>
+          <p:cNvSpPr>
+            <a:spLocks noGrp="1"/>
+          </p:cNvSpPr>
+          <p:nvPr>
+            <p:ph type="sldNum" sz="quarter" idx="10"/>
+          </p:nvPr>
+        </p:nvSpPr>
+        <p:spPr/>
+        <p:txBody>
+          <a:bodyPr/>
+          <a:lstStyle/>
+          <a:p>
+            <a:fld id="{BD204984-C8E0-4A36-ACA8-0903ABDD621F}" type="slidenum">
+              <a:rPr lang="en-US" smtClean="0"/>
+              <a:t>11</a:t>
+            </a:fld>
+            <a:endParaRPr lang="en-US"/>
+          </a:p>
+        </p:txBody>
+      </p:sp>
+    </p:spTree>
+    <p:extLst>
+      <p:ext uri="{BB962C8B-B14F-4D97-AF65-F5344CB8AC3E}">
+        <p14:creationId xmlns:p14="http://schemas.microsoft.com/office/powerpoint/2010/main" val="2881138107"/>
+      </p:ext>
+    </p:extLst>
+  </p:cSld>
+  <p:clrMapOvr>
+    <a:masterClrMapping/>
+  </p:clrMapOvr>
+</p:notes>
+</file>
+
+<file path=ppt/notesSlides/notesSlide7.xml><?xml version="1.0" encoding="utf-8"?>
+<p:notes xmlns:a="http://schemas.openxmlformats.org/drawingml/2006/main" xmlns:r="http://schemas.openxmlformats.org/officeDocument/2006/relationships" xmlns:p="http://schemas.openxmlformats.org/presentationml/2006/main">
+  <p:cSld>
+    <p:spTree>
+      <p:nvGrpSpPr>
+        <p:cNvPr id="1" name=""/>
+        <p:cNvGrpSpPr/>
+        <p:nvPr/>
+      </p:nvGrpSpPr>
+      <p:grpSpPr>
+        <a:xfrm>
+          <a:off x="0" y="0"/>
+          <a:ext cx="0" cy="0"/>
+          <a:chOff x="0" y="0"/>
+          <a:chExt cx="0" cy="0"/>
+        </a:xfrm>
+      </p:grpSpPr>
+      <p:sp>
+        <p:nvSpPr>
+          <p:cNvPr id="2" name="Slide Image Placeholder 1"/>
+          <p:cNvSpPr>
+            <a:spLocks noGrp="1" noRot="1" noChangeAspect="1"/>
+          </p:cNvSpPr>
+          <p:nvPr>
+            <p:ph type="sldImg"/>
+          </p:nvPr>
+        </p:nvSpPr>
+        <p:spPr/>
+      </p:sp>
+      <p:sp>
+        <p:nvSpPr>
+          <p:cNvPr id="3" name="Notes Placeholder 2"/>
+          <p:cNvSpPr>
+            <a:spLocks noGrp="1"/>
+          </p:cNvSpPr>
+          <p:nvPr>
+            <p:ph type="body" idx="1"/>
+          </p:nvPr>
+        </p:nvSpPr>
+        <p:spPr/>
+        <p:txBody>
+          <a:bodyPr/>
+          <a:lstStyle/>
+          <a:p>
+            <a:r>
+              <a:rPr lang="en-US" dirty="0" smtClean="0"/>
               <a:t>Settings: </a:t>
             </a:r>
           </a:p>
@@ -1208,6 +1360,12 @@
             <a:r>
               <a:rPr lang="en-US" baseline="0" dirty="0" smtClean="0"/>
               <a:t> Account</a:t>
+            </a:r>
+          </a:p>
+          <a:p>
+            <a:r>
+              <a:rPr lang="en-US" baseline="0" dirty="0" smtClean="0"/>
+              <a:t>Privacy</a:t>
             </a:r>
             <a:endParaRPr lang="en-US" dirty="0"/>
           </a:p>
@@ -6119,14 +6277,14 @@
             </a:r>
             <a:r>
               <a:rPr lang="en-US" dirty="0" smtClean="0"/>
-              <a:t>, FN, LN, email, weight</a:t>
+              <a:t>, FN, LN, email, password, weight, privacy (public/private)</a:t>
             </a:r>
             <a:endParaRPr lang="en-US" dirty="0" smtClean="0"/>
           </a:p>
           <a:p>
             <a:r>
               <a:rPr lang="en-US" dirty="0" smtClean="0"/>
-              <a:t>Runs</a:t>
+              <a:t>Runs: date, distance, duration, […], type, repeats (string)</a:t>
             </a:r>
             <a:endParaRPr lang="en-US" dirty="0" smtClean="0"/>
           </a:p>
@@ -8504,7 +8662,105 @@
             <a:pPr algn="ctr"/>
             <a:r>
               <a:rPr lang="en-US" dirty="0" smtClean="0"/>
-              <a:t>Strength</a:t>
+              <a:t>Lift</a:t>
+            </a:r>
+            <a:endParaRPr lang="en-US" dirty="0"/>
+          </a:p>
+        </p:txBody>
+      </p:sp>
+      <p:sp>
+        <p:nvSpPr>
+          <p:cNvPr id="33" name="Rectangle 32"/>
+          <p:cNvSpPr/>
+          <p:nvPr/>
+        </p:nvSpPr>
+        <p:spPr>
+          <a:xfrm>
+            <a:off x="3099225" y="4305300"/>
+            <a:ext cx="1295400" cy="571500"/>
+          </a:xfrm>
+          <a:prstGeom prst="rect">
+            <a:avLst/>
+          </a:prstGeom>
+          <a:solidFill>
+            <a:schemeClr val="bg1">
+              <a:lumMod val="50000"/>
+            </a:schemeClr>
+          </a:solidFill>
+        </p:spPr>
+        <p:style>
+          <a:lnRef idx="2">
+            <a:schemeClr val="accent1">
+              <a:shade val="50000"/>
+            </a:schemeClr>
+          </a:lnRef>
+          <a:fillRef idx="1">
+            <a:schemeClr val="accent1"/>
+          </a:fillRef>
+          <a:effectRef idx="0">
+            <a:schemeClr val="accent1"/>
+          </a:effectRef>
+          <a:fontRef idx="minor">
+            <a:schemeClr val="lt1"/>
+          </a:fontRef>
+        </p:style>
+        <p:txBody>
+          <a:bodyPr rtlCol="0" anchor="ctr"/>
+          <a:lstStyle/>
+          <a:p>
+            <a:pPr algn="ctr"/>
+            <a:r>
+              <a:rPr lang="en-US" dirty="0" smtClean="0"/>
+              <a:t>Push-ups</a:t>
+            </a:r>
+            <a:endParaRPr lang="en-US" dirty="0"/>
+          </a:p>
+        </p:txBody>
+      </p:sp>
+      <p:sp>
+        <p:nvSpPr>
+          <p:cNvPr id="34" name="Rectangle 33"/>
+          <p:cNvSpPr/>
+          <p:nvPr/>
+        </p:nvSpPr>
+        <p:spPr>
+          <a:xfrm>
+            <a:off x="4478482" y="4303183"/>
+            <a:ext cx="1295400" cy="573617"/>
+          </a:xfrm>
+          <a:prstGeom prst="rect">
+            <a:avLst/>
+          </a:prstGeom>
+          <a:solidFill>
+            <a:schemeClr val="bg1">
+              <a:lumMod val="50000"/>
+            </a:schemeClr>
+          </a:solidFill>
+        </p:spPr>
+        <p:style>
+          <a:lnRef idx="2">
+            <a:schemeClr val="accent1">
+              <a:shade val="50000"/>
+            </a:schemeClr>
+          </a:lnRef>
+          <a:fillRef idx="1">
+            <a:schemeClr val="accent1"/>
+          </a:fillRef>
+          <a:effectRef idx="0">
+            <a:schemeClr val="accent1"/>
+          </a:effectRef>
+          <a:fontRef idx="minor">
+            <a:schemeClr val="lt1"/>
+          </a:fontRef>
+        </p:style>
+        <p:txBody>
+          <a:bodyPr rtlCol="0" anchor="ctr"/>
+          <a:lstStyle/>
+          <a:p>
+            <a:pPr algn="ctr"/>
+            <a:r>
+              <a:rPr lang="en-US" dirty="0" smtClean="0"/>
+              <a:t>Pull-ups</a:t>
             </a:r>
             <a:endParaRPr lang="en-US" dirty="0"/>
           </a:p>
